--- a/presentations/dto-all-staff_2019-10-17.pptx
+++ b/presentations/dto-all-staff_2019-10-17.pptx
@@ -5,10 +5,10 @@
     <p:sldMasterId id="2147483648" r:id="rId1"/>
   </p:sldMasterIdLst>
   <p:notesMasterIdLst>
-    <p:notesMasterId r:id="rId21"/>
+    <p:notesMasterId r:id="rId22"/>
   </p:notesMasterIdLst>
   <p:handoutMasterIdLst>
-    <p:handoutMasterId r:id="rId22"/>
+    <p:handoutMasterId r:id="rId23"/>
   </p:handoutMasterIdLst>
   <p:sldIdLst>
     <p:sldId id="256" r:id="rId2"/>
@@ -18,23 +18,24 @@
     <p:sldId id="261" r:id="rId6"/>
     <p:sldId id="272" r:id="rId7"/>
     <p:sldId id="274" r:id="rId8"/>
-    <p:sldId id="271" r:id="rId9"/>
-    <p:sldId id="273" r:id="rId10"/>
-    <p:sldId id="262" r:id="rId11"/>
-    <p:sldId id="263" r:id="rId12"/>
-    <p:sldId id="264" r:id="rId13"/>
-    <p:sldId id="266" r:id="rId14"/>
-    <p:sldId id="278" r:id="rId15"/>
-    <p:sldId id="279" r:id="rId16"/>
-    <p:sldId id="275" r:id="rId17"/>
-    <p:sldId id="276" r:id="rId18"/>
-    <p:sldId id="277" r:id="rId19"/>
-    <p:sldId id="269" r:id="rId20"/>
+    <p:sldId id="280" r:id="rId9"/>
+    <p:sldId id="271" r:id="rId10"/>
+    <p:sldId id="273" r:id="rId11"/>
+    <p:sldId id="262" r:id="rId12"/>
+    <p:sldId id="275" r:id="rId13"/>
+    <p:sldId id="276" r:id="rId14"/>
+    <p:sldId id="277" r:id="rId15"/>
+    <p:sldId id="263" r:id="rId16"/>
+    <p:sldId id="264" r:id="rId17"/>
+    <p:sldId id="266" r:id="rId18"/>
+    <p:sldId id="278" r:id="rId19"/>
+    <p:sldId id="279" r:id="rId20"/>
+    <p:sldId id="269" r:id="rId21"/>
   </p:sldIdLst>
   <p:sldSz cx="12192000" cy="6858000"/>
   <p:notesSz cx="6858000" cy="9144000"/>
   <p:custDataLst>
-    <p:tags r:id="rId23"/>
+    <p:tags r:id="rId24"/>
   </p:custDataLst>
   <p:defaultTextStyle>
     <a:defPPr>
@@ -224,7 +225,7 @@
           <a:p>
             <a:fld id="{C432A8CA-5653-4CB8-AEEB-44430BC38506}" type="datetimeFigureOut">
               <a:rPr lang="en-CA" smtClean="0"/>
-              <a:t>2019-10-14</a:t>
+              <a:t>2019-10-15</a:t>
             </a:fld>
             <a:endParaRPr lang="en-CA"/>
           </a:p>
@@ -389,7 +390,7 @@
           <a:p>
             <a:fld id="{F54FB522-10CE-4B3C-92A1-9B8FCA0AFF13}" type="datetimeFigureOut">
               <a:rPr lang="en-CA" smtClean="0"/>
-              <a:t>2019-10-14</a:t>
+              <a:t>2019-10-15</a:t>
             </a:fld>
             <a:endParaRPr lang="en-CA"/>
           </a:p>
@@ -4098,6 +4099,94 @@
           <a:p>
             <a:r>
               <a:rPr lang="en-CA" dirty="0" smtClean="0"/>
+              <a:t>Movie of Terraform command running</a:t>
+            </a:r>
+            <a:endParaRPr lang="en-CA" dirty="0"/>
+          </a:p>
+        </p:txBody>
+      </p:sp>
+      <p:sp>
+        <p:nvSpPr>
+          <p:cNvPr id="4" name="Slide Number Placeholder 3"/>
+          <p:cNvSpPr>
+            <a:spLocks noGrp="1"/>
+          </p:cNvSpPr>
+          <p:nvPr>
+            <p:ph type="sldNum" sz="quarter" idx="4"/>
+          </p:nvPr>
+        </p:nvSpPr>
+        <p:spPr/>
+        <p:txBody>
+          <a:bodyPr/>
+          <a:lstStyle/>
+          <a:p>
+            <a:fld id="{105822BA-B7AE-4DDB-BAFC-C8E55FB5C986}" type="slidenum">
+              <a:rPr lang="en-CA" smtClean="0"/>
+              <a:pPr/>
+              <a:t>10</a:t>
+            </a:fld>
+            <a:r>
+              <a:rPr lang="en-CA" smtClean="0"/>
+              <a:t> </a:t>
+            </a:r>
+            <a:endParaRPr lang="en-CA" dirty="0"/>
+          </a:p>
+        </p:txBody>
+      </p:sp>
+    </p:spTree>
+    <p:extLst>
+      <p:ext uri="{BB962C8B-B14F-4D97-AF65-F5344CB8AC3E}">
+        <p14:creationId xmlns:p14="http://schemas.microsoft.com/office/powerpoint/2010/main" val="905890903"/>
+      </p:ext>
+    </p:extLst>
+  </p:cSld>
+  <p:clrMapOvr>
+    <a:masterClrMapping/>
+  </p:clrMapOvr>
+  <p:timing>
+    <p:tnLst>
+      <p:par>
+        <p:cTn id="1" dur="indefinite" restart="never" nodeType="tmRoot"/>
+      </p:par>
+    </p:tnLst>
+  </p:timing>
+</p:sld>
+</file>
+
+<file path=ppt/slides/slide11.xml><?xml version="1.0" encoding="utf-8"?>
+<p:sld xmlns:a="http://schemas.openxmlformats.org/drawingml/2006/main" xmlns:r="http://schemas.openxmlformats.org/officeDocument/2006/relationships" xmlns:p="http://schemas.openxmlformats.org/presentationml/2006/main">
+  <p:cSld>
+    <p:spTree>
+      <p:nvGrpSpPr>
+        <p:cNvPr id="1" name=""/>
+        <p:cNvGrpSpPr/>
+        <p:nvPr/>
+      </p:nvGrpSpPr>
+      <p:grpSpPr>
+        <a:xfrm>
+          <a:off x="0" y="0"/>
+          <a:ext cx="0" cy="0"/>
+          <a:chOff x="0" y="0"/>
+          <a:chExt cx="0" cy="0"/>
+        </a:xfrm>
+      </p:grpSpPr>
+      <p:sp>
+        <p:nvSpPr>
+          <p:cNvPr id="2" name="Title 1"/>
+          <p:cNvSpPr>
+            <a:spLocks noGrp="1"/>
+          </p:cNvSpPr>
+          <p:nvPr>
+            <p:ph type="title"/>
+          </p:nvPr>
+        </p:nvSpPr>
+        <p:spPr/>
+        <p:txBody>
+          <a:bodyPr/>
+          <a:lstStyle/>
+          <a:p>
+            <a:r>
+              <a:rPr lang="en-CA" dirty="0" smtClean="0"/>
               <a:t>Terraform</a:t>
             </a:r>
             <a:endParaRPr lang="en-CA" dirty="0"/>
@@ -4124,31 +4213,24 @@
               <a:buChar char="•"/>
             </a:pPr>
             <a:r>
-              <a:rPr lang="en-CA" dirty="0" smtClean="0"/>
-              <a:t>Allows you to express your </a:t>
-            </a:r>
-            <a:r>
-              <a:rPr lang="en-CA" b="1" dirty="0" smtClean="0"/>
-              <a:t>infrastructure as code</a:t>
-            </a:r>
-            <a:endParaRPr lang="en-CA" dirty="0" smtClean="0"/>
-          </a:p>
-          <a:p>
-            <a:pPr marL="285750" indent="-285750">
-              <a:buFont typeface="Arial" panose="020B0604020202020204" pitchFamily="34" charset="0"/>
-              <a:buChar char="•"/>
-            </a:pPr>
-            <a:r>
-              <a:rPr lang="en-CA" dirty="0" smtClean="0"/>
-              <a:t>Repeatable, automated creation of services</a:t>
-            </a:r>
-            <a:r>
-              <a:rPr lang="en-CA" dirty="0"/>
-              <a:t> </a:t>
-            </a:r>
-            <a:r>
-              <a:rPr lang="en-CA" dirty="0" smtClean="0"/>
-              <a:t>in the cloud</a:t>
+              <a:rPr lang="en-US" dirty="0" smtClean="0"/>
+              <a:t>Create cloud </a:t>
+            </a:r>
+            <a:r>
+              <a:rPr lang="en-US" dirty="0" smtClean="0"/>
+              <a:t>resources </a:t>
+            </a:r>
+            <a:r>
+              <a:rPr lang="en-US" dirty="0" smtClean="0"/>
+              <a:t>like virtual </a:t>
+            </a:r>
+            <a:r>
+              <a:rPr lang="en-US" dirty="0" smtClean="0"/>
+              <a:t>machines and </a:t>
+            </a:r>
+            <a:r>
+              <a:rPr lang="en-US" dirty="0" smtClean="0"/>
+              <a:t>storage</a:t>
             </a:r>
             <a:endParaRPr lang="en-CA" dirty="0"/>
           </a:p>
@@ -4193,7 +4275,7 @@
             <a:fld id="{105822BA-B7AE-4DDB-BAFC-C8E55FB5C986}" type="slidenum">
               <a:rPr lang="en-CA" smtClean="0"/>
               <a:pPr/>
-              <a:t>10</a:t>
+              <a:t>11</a:t>
             </a:fld>
             <a:r>
               <a:rPr lang="en-CA" smtClean="0"/>
@@ -5254,7 +5336,7 @@
               <a:pPr algn="ctr"/>
               <a:r>
                 <a:rPr lang="en-CA" sz="1400" dirty="0" smtClean="0"/>
-                <a:t>New servers</a:t>
+                <a:t>Cloud resources</a:t>
               </a:r>
               <a:endParaRPr lang="en-CA" sz="1400" dirty="0"/>
             </a:p>
@@ -7027,7 +7109,120 @@
 </p:sld>
 </file>
 
-<file path=ppt/slides/slide11.xml><?xml version="1.0" encoding="utf-8"?>
+<file path=ppt/slides/slide12.xml><?xml version="1.0" encoding="utf-8"?>
+<p:sld xmlns:a="http://schemas.openxmlformats.org/drawingml/2006/main" xmlns:r="http://schemas.openxmlformats.org/officeDocument/2006/relationships" xmlns:p="http://schemas.openxmlformats.org/presentationml/2006/main">
+  <p:cSld>
+    <p:bg>
+      <p:bgPr>
+        <a:solidFill>
+          <a:srgbClr val="000000"/>
+        </a:solidFill>
+        <a:effectLst/>
+      </p:bgPr>
+    </p:bg>
+    <p:spTree>
+      <p:nvGrpSpPr>
+        <p:cNvPr id="1" name=""/>
+        <p:cNvGrpSpPr/>
+        <p:nvPr/>
+      </p:nvGrpSpPr>
+      <p:grpSpPr>
+        <a:xfrm>
+          <a:off x="0" y="0"/>
+          <a:ext cx="0" cy="0"/>
+          <a:chOff x="0" y="0"/>
+          <a:chExt cx="0" cy="0"/>
+        </a:xfrm>
+      </p:grpSpPr>
+      <p:pic>
+        <p:nvPicPr>
+          <p:cNvPr id="4" name="Picture 3"/>
+          <p:cNvPicPr>
+            <a:picLocks noChangeAspect="1"/>
+          </p:cNvPicPr>
+          <p:nvPr/>
+        </p:nvPicPr>
+        <p:blipFill>
+          <a:blip r:embed="rId2">
+            <a:extLst>
+              <a:ext uri="{28A0092B-C50C-407E-A947-70E740481C1C}">
+                <a14:useLocalDpi xmlns:a14="http://schemas.microsoft.com/office/drawing/2010/main" val="0"/>
+              </a:ext>
+            </a:extLst>
+          </a:blip>
+          <a:stretch>
+            <a:fillRect/>
+          </a:stretch>
+        </p:blipFill>
+        <p:spPr>
+          <a:xfrm>
+            <a:off x="0" y="-1828802"/>
+            <a:ext cx="12192000" cy="7752935"/>
+          </a:xfrm>
+          <a:prstGeom prst="rect">
+            <a:avLst/>
+          </a:prstGeom>
+        </p:spPr>
+      </p:pic>
+      <p:sp>
+        <p:nvSpPr>
+          <p:cNvPr id="7" name="TextBox 6"/>
+          <p:cNvSpPr txBox="1"/>
+          <p:nvPr/>
+        </p:nvSpPr>
+        <p:spPr>
+          <a:xfrm>
+            <a:off x="576000" y="5078100"/>
+            <a:ext cx="3470822" cy="1200329"/>
+          </a:xfrm>
+          <a:prstGeom prst="rect">
+            <a:avLst/>
+          </a:prstGeom>
+          <a:noFill/>
+        </p:spPr>
+        <p:txBody>
+          <a:bodyPr wrap="none" rtlCol="0">
+            <a:spAutoFit/>
+          </a:bodyPr>
+          <a:lstStyle/>
+          <a:p>
+            <a:r>
+              <a:rPr lang="en-CA" sz="7200" b="1" dirty="0" smtClean="0">
+                <a:solidFill>
+                  <a:schemeClr val="bg1"/>
+                </a:solidFill>
+              </a:rPr>
+              <a:t>Ansible</a:t>
+            </a:r>
+            <a:endParaRPr lang="en-CA" sz="7200" b="1" dirty="0">
+              <a:solidFill>
+                <a:schemeClr val="bg1"/>
+              </a:solidFill>
+            </a:endParaRPr>
+          </a:p>
+        </p:txBody>
+      </p:sp>
+    </p:spTree>
+    <p:extLst>
+      <p:ext uri="{BB962C8B-B14F-4D97-AF65-F5344CB8AC3E}">
+        <p14:creationId xmlns:p14="http://schemas.microsoft.com/office/powerpoint/2010/main" val="664330095"/>
+      </p:ext>
+    </p:extLst>
+  </p:cSld>
+  <p:clrMapOvr>
+    <a:masterClrMapping/>
+  </p:clrMapOvr>
+  <p:timing>
+    <p:tnLst>
+      <p:par>
+        <p:cTn id="1" dur="indefinite" restart="never" nodeType="tmRoot"/>
+      </p:par>
+    </p:tnLst>
+  </p:timing>
+</p:sld>
+</file>
+
+<file path=ppt/slides/slide13.xml><?xml version="1.0" encoding="utf-8"?>
 <p:sld xmlns:a="http://schemas.openxmlformats.org/drawingml/2006/main" xmlns:r="http://schemas.openxmlformats.org/officeDocument/2006/relationships" xmlns:p="http://schemas.openxmlformats.org/presentationml/2006/main">
   <p:cSld>
     <p:spTree>
@@ -7061,7 +7256,7 @@
           <a:p>
             <a:r>
               <a:rPr lang="en-CA" dirty="0" smtClean="0"/>
-              <a:t>Digital Task Force</a:t>
+              <a:t>Movie of Ansible command running</a:t>
             </a:r>
             <a:endParaRPr lang="en-CA" dirty="0"/>
           </a:p>
@@ -7085,7 +7280,1892 @@
             <a:fld id="{105822BA-B7AE-4DDB-BAFC-C8E55FB5C986}" type="slidenum">
               <a:rPr lang="en-CA" smtClean="0"/>
               <a:pPr/>
-              <a:t>11</a:t>
+              <a:t>13</a:t>
+            </a:fld>
+            <a:r>
+              <a:rPr lang="en-CA" smtClean="0"/>
+              <a:t> </a:t>
+            </a:r>
+            <a:endParaRPr lang="en-CA" dirty="0"/>
+          </a:p>
+        </p:txBody>
+      </p:sp>
+    </p:spTree>
+    <p:extLst>
+      <p:ext uri="{BB962C8B-B14F-4D97-AF65-F5344CB8AC3E}">
+        <p14:creationId xmlns:p14="http://schemas.microsoft.com/office/powerpoint/2010/main" val="834750226"/>
+      </p:ext>
+    </p:extLst>
+  </p:cSld>
+  <p:clrMapOvr>
+    <a:masterClrMapping/>
+  </p:clrMapOvr>
+  <p:timing>
+    <p:tnLst>
+      <p:par>
+        <p:cTn id="1" dur="indefinite" restart="never" nodeType="tmRoot"/>
+      </p:par>
+    </p:tnLst>
+  </p:timing>
+</p:sld>
+</file>
+
+<file path=ppt/slides/slide14.xml><?xml version="1.0" encoding="utf-8"?>
+<p:sld xmlns:a="http://schemas.openxmlformats.org/drawingml/2006/main" xmlns:r="http://schemas.openxmlformats.org/officeDocument/2006/relationships" xmlns:p="http://schemas.openxmlformats.org/presentationml/2006/main">
+  <p:cSld>
+    <p:spTree>
+      <p:nvGrpSpPr>
+        <p:cNvPr id="1" name=""/>
+        <p:cNvGrpSpPr/>
+        <p:nvPr/>
+      </p:nvGrpSpPr>
+      <p:grpSpPr>
+        <a:xfrm>
+          <a:off x="0" y="0"/>
+          <a:ext cx="0" cy="0"/>
+          <a:chOff x="0" y="0"/>
+          <a:chExt cx="0" cy="0"/>
+        </a:xfrm>
+      </p:grpSpPr>
+      <p:sp>
+        <p:nvSpPr>
+          <p:cNvPr id="2" name="Title 1"/>
+          <p:cNvSpPr>
+            <a:spLocks noGrp="1"/>
+          </p:cNvSpPr>
+          <p:nvPr>
+            <p:ph type="title"/>
+          </p:nvPr>
+        </p:nvSpPr>
+        <p:spPr/>
+        <p:txBody>
+          <a:bodyPr/>
+          <a:lstStyle/>
+          <a:p>
+            <a:r>
+              <a:rPr lang="en-CA" dirty="0" smtClean="0"/>
+              <a:t>Ansible</a:t>
+            </a:r>
+            <a:endParaRPr lang="en-CA" dirty="0"/>
+          </a:p>
+        </p:txBody>
+      </p:sp>
+      <p:sp>
+        <p:nvSpPr>
+          <p:cNvPr id="3" name="Content Placeholder 2"/>
+          <p:cNvSpPr>
+            <a:spLocks noGrp="1"/>
+          </p:cNvSpPr>
+          <p:nvPr>
+            <p:ph idx="1"/>
+          </p:nvPr>
+        </p:nvSpPr>
+        <p:spPr>
+          <a:xfrm>
+            <a:off x="428400" y="1032710"/>
+            <a:ext cx="11336400" cy="5001199"/>
+          </a:xfrm>
+        </p:spPr>
+        <p:txBody>
+          <a:bodyPr/>
+          <a:lstStyle/>
+          <a:p>
+            <a:pPr marL="285750" indent="-285750">
+              <a:buFont typeface="Arial" panose="020B0604020202020204" pitchFamily="34" charset="0"/>
+              <a:buChar char="•"/>
+            </a:pPr>
+            <a:r>
+              <a:rPr lang="en-US" dirty="0" smtClean="0"/>
+              <a:t>Install and configure </a:t>
+            </a:r>
+            <a:r>
+              <a:rPr lang="en-US" dirty="0" smtClean="0"/>
+              <a:t>services </a:t>
+            </a:r>
+            <a:r>
+              <a:rPr lang="en-US" dirty="0" smtClean="0"/>
+              <a:t>on </a:t>
+            </a:r>
+            <a:r>
+              <a:rPr lang="en-US" dirty="0" smtClean="0"/>
+              <a:t>cloud resources</a:t>
+            </a:r>
+            <a:endParaRPr lang="en-CA" dirty="0" smtClean="0"/>
+          </a:p>
+        </p:txBody>
+      </p:sp>
+      <p:sp>
+        <p:nvSpPr>
+          <p:cNvPr id="4" name="Slide Number Placeholder 3"/>
+          <p:cNvSpPr>
+            <a:spLocks noGrp="1"/>
+          </p:cNvSpPr>
+          <p:nvPr>
+            <p:ph type="sldNum" sz="quarter" idx="4"/>
+          </p:nvPr>
+        </p:nvSpPr>
+        <p:spPr/>
+        <p:txBody>
+          <a:bodyPr/>
+          <a:lstStyle/>
+          <a:p>
+            <a:fld id="{105822BA-B7AE-4DDB-BAFC-C8E55FB5C986}" type="slidenum">
+              <a:rPr lang="en-CA" smtClean="0"/>
+              <a:pPr/>
+              <a:t>14</a:t>
+            </a:fld>
+            <a:r>
+              <a:rPr lang="en-CA" smtClean="0"/>
+              <a:t> </a:t>
+            </a:r>
+            <a:endParaRPr lang="en-CA" dirty="0"/>
+          </a:p>
+        </p:txBody>
+      </p:sp>
+      <p:grpSp>
+        <p:nvGrpSpPr>
+          <p:cNvPr id="7" name="Group 6"/>
+          <p:cNvGrpSpPr/>
+          <p:nvPr/>
+        </p:nvGrpSpPr>
+        <p:grpSpPr>
+          <a:xfrm>
+            <a:off x="556499" y="3533310"/>
+            <a:ext cx="1250576" cy="973152"/>
+            <a:chOff x="2729753" y="4146437"/>
+            <a:chExt cx="968188" cy="753408"/>
+          </a:xfrm>
+        </p:grpSpPr>
+        <p:sp>
+          <p:nvSpPr>
+            <p:cNvPr id="8" name="Rectangle 7"/>
+            <p:cNvSpPr/>
+            <p:nvPr/>
+          </p:nvSpPr>
+          <p:spPr>
+            <a:xfrm>
+              <a:off x="2729753" y="4277488"/>
+              <a:ext cx="968188" cy="622357"/>
+            </a:xfrm>
+            <a:prstGeom prst="rect">
+              <a:avLst/>
+            </a:prstGeom>
+            <a:solidFill>
+              <a:schemeClr val="bg2">
+                <a:lumMod val="25000"/>
+              </a:schemeClr>
+            </a:solidFill>
+            <a:ln>
+              <a:noFill/>
+            </a:ln>
+          </p:spPr>
+          <p:style>
+            <a:lnRef idx="2">
+              <a:schemeClr val="accent1">
+                <a:shade val="50000"/>
+              </a:schemeClr>
+            </a:lnRef>
+            <a:fillRef idx="1">
+              <a:schemeClr val="accent1"/>
+            </a:fillRef>
+            <a:effectRef idx="0">
+              <a:schemeClr val="accent1"/>
+            </a:effectRef>
+            <a:fontRef idx="minor">
+              <a:schemeClr val="lt1"/>
+            </a:fontRef>
+          </p:style>
+          <p:txBody>
+            <a:bodyPr rtlCol="0" anchor="ctr"/>
+            <a:lstStyle/>
+            <a:p>
+              <a:pPr algn="ctr"/>
+              <a:endParaRPr lang="en-CA"/>
+            </a:p>
+          </p:txBody>
+        </p:sp>
+        <p:sp>
+          <p:nvSpPr>
+            <p:cNvPr id="9" name="Rectangle 8"/>
+            <p:cNvSpPr/>
+            <p:nvPr/>
+          </p:nvSpPr>
+          <p:spPr>
+            <a:xfrm>
+              <a:off x="2729753" y="4146437"/>
+              <a:ext cx="968188" cy="157670"/>
+            </a:xfrm>
+            <a:prstGeom prst="rect">
+              <a:avLst/>
+            </a:prstGeom>
+            <a:solidFill>
+              <a:srgbClr val="621E75"/>
+            </a:solidFill>
+            <a:ln>
+              <a:noFill/>
+            </a:ln>
+          </p:spPr>
+          <p:style>
+            <a:lnRef idx="2">
+              <a:schemeClr val="accent1">
+                <a:shade val="50000"/>
+              </a:schemeClr>
+            </a:lnRef>
+            <a:fillRef idx="1">
+              <a:schemeClr val="accent1"/>
+            </a:fillRef>
+            <a:effectRef idx="0">
+              <a:schemeClr val="accent1"/>
+            </a:effectRef>
+            <a:fontRef idx="minor">
+              <a:schemeClr val="lt1"/>
+            </a:fontRef>
+          </p:style>
+          <p:txBody>
+            <a:bodyPr rtlCol="0" anchor="ctr"/>
+            <a:lstStyle/>
+            <a:p>
+              <a:pPr algn="ctr"/>
+              <a:endParaRPr lang="en-CA"/>
+            </a:p>
+          </p:txBody>
+        </p:sp>
+        <p:sp>
+          <p:nvSpPr>
+            <p:cNvPr id="10" name="Freeform 9"/>
+            <p:cNvSpPr>
+              <a:spLocks/>
+            </p:cNvSpPr>
+            <p:nvPr/>
+          </p:nvSpPr>
+          <p:spPr bwMode="auto">
+            <a:xfrm>
+              <a:off x="2838721" y="4457616"/>
+              <a:ext cx="153316" cy="262099"/>
+            </a:xfrm>
+            <a:custGeom>
+              <a:avLst/>
+              <a:gdLst>
+                <a:gd name="T0" fmla="*/ 137 w 140"/>
+                <a:gd name="T1" fmla="*/ 126 h 240"/>
+                <a:gd name="T2" fmla="*/ 25 w 140"/>
+                <a:gd name="T3" fmla="*/ 238 h 240"/>
+                <a:gd name="T4" fmla="*/ 20 w 140"/>
+                <a:gd name="T5" fmla="*/ 240 h 240"/>
+                <a:gd name="T6" fmla="*/ 14 w 140"/>
+                <a:gd name="T7" fmla="*/ 238 h 240"/>
+                <a:gd name="T8" fmla="*/ 2 w 140"/>
+                <a:gd name="T9" fmla="*/ 226 h 240"/>
+                <a:gd name="T10" fmla="*/ 0 w 140"/>
+                <a:gd name="T11" fmla="*/ 220 h 240"/>
+                <a:gd name="T12" fmla="*/ 2 w 140"/>
+                <a:gd name="T13" fmla="*/ 215 h 240"/>
+                <a:gd name="T14" fmla="*/ 97 w 140"/>
+                <a:gd name="T15" fmla="*/ 120 h 240"/>
+                <a:gd name="T16" fmla="*/ 2 w 140"/>
+                <a:gd name="T17" fmla="*/ 26 h 240"/>
+                <a:gd name="T18" fmla="*/ 0 w 140"/>
+                <a:gd name="T19" fmla="*/ 20 h 240"/>
+                <a:gd name="T20" fmla="*/ 2 w 140"/>
+                <a:gd name="T21" fmla="*/ 15 h 240"/>
+                <a:gd name="T22" fmla="*/ 14 w 140"/>
+                <a:gd name="T23" fmla="*/ 3 h 240"/>
+                <a:gd name="T24" fmla="*/ 20 w 140"/>
+                <a:gd name="T25" fmla="*/ 0 h 240"/>
+                <a:gd name="T26" fmla="*/ 25 w 140"/>
+                <a:gd name="T27" fmla="*/ 3 h 240"/>
+                <a:gd name="T28" fmla="*/ 137 w 140"/>
+                <a:gd name="T29" fmla="*/ 115 h 240"/>
+                <a:gd name="T30" fmla="*/ 140 w 140"/>
+                <a:gd name="T31" fmla="*/ 120 h 240"/>
+                <a:gd name="T32" fmla="*/ 137 w 140"/>
+                <a:gd name="T33" fmla="*/ 126 h 240"/>
+              </a:gdLst>
+              <a:ahLst/>
+              <a:cxnLst>
+                <a:cxn ang="0">
+                  <a:pos x="T0" y="T1"/>
+                </a:cxn>
+                <a:cxn ang="0">
+                  <a:pos x="T2" y="T3"/>
+                </a:cxn>
+                <a:cxn ang="0">
+                  <a:pos x="T4" y="T5"/>
+                </a:cxn>
+                <a:cxn ang="0">
+                  <a:pos x="T6" y="T7"/>
+                </a:cxn>
+                <a:cxn ang="0">
+                  <a:pos x="T8" y="T9"/>
+                </a:cxn>
+                <a:cxn ang="0">
+                  <a:pos x="T10" y="T11"/>
+                </a:cxn>
+                <a:cxn ang="0">
+                  <a:pos x="T12" y="T13"/>
+                </a:cxn>
+                <a:cxn ang="0">
+                  <a:pos x="T14" y="T15"/>
+                </a:cxn>
+                <a:cxn ang="0">
+                  <a:pos x="T16" y="T17"/>
+                </a:cxn>
+                <a:cxn ang="0">
+                  <a:pos x="T18" y="T19"/>
+                </a:cxn>
+                <a:cxn ang="0">
+                  <a:pos x="T20" y="T21"/>
+                </a:cxn>
+                <a:cxn ang="0">
+                  <a:pos x="T22" y="T23"/>
+                </a:cxn>
+                <a:cxn ang="0">
+                  <a:pos x="T24" y="T25"/>
+                </a:cxn>
+                <a:cxn ang="0">
+                  <a:pos x="T26" y="T27"/>
+                </a:cxn>
+                <a:cxn ang="0">
+                  <a:pos x="T28" y="T29"/>
+                </a:cxn>
+                <a:cxn ang="0">
+                  <a:pos x="T30" y="T31"/>
+                </a:cxn>
+                <a:cxn ang="0">
+                  <a:pos x="T32" y="T33"/>
+                </a:cxn>
+              </a:cxnLst>
+              <a:rect l="0" t="0" r="r" b="b"/>
+              <a:pathLst>
+                <a:path w="140" h="240">
+                  <a:moveTo>
+                    <a:pt x="137" y="126"/>
+                  </a:moveTo>
+                  <a:cubicBezTo>
+                    <a:pt x="25" y="238"/>
+                    <a:pt x="25" y="238"/>
+                    <a:pt x="25" y="238"/>
+                  </a:cubicBezTo>
+                  <a:cubicBezTo>
+                    <a:pt x="24" y="239"/>
+                    <a:pt x="22" y="240"/>
+                    <a:pt x="20" y="240"/>
+                  </a:cubicBezTo>
+                  <a:cubicBezTo>
+                    <a:pt x="18" y="240"/>
+                    <a:pt x="15" y="239"/>
+                    <a:pt x="14" y="238"/>
+                  </a:cubicBezTo>
+                  <a:cubicBezTo>
+                    <a:pt x="2" y="226"/>
+                    <a:pt x="2" y="226"/>
+                    <a:pt x="2" y="226"/>
+                  </a:cubicBezTo>
+                  <a:cubicBezTo>
+                    <a:pt x="1" y="225"/>
+                    <a:pt x="0" y="223"/>
+                    <a:pt x="0" y="220"/>
+                  </a:cubicBezTo>
+                  <a:cubicBezTo>
+                    <a:pt x="0" y="219"/>
+                    <a:pt x="1" y="216"/>
+                    <a:pt x="2" y="215"/>
+                  </a:cubicBezTo>
+                  <a:cubicBezTo>
+                    <a:pt x="97" y="120"/>
+                    <a:pt x="97" y="120"/>
+                    <a:pt x="97" y="120"/>
+                  </a:cubicBezTo>
+                  <a:cubicBezTo>
+                    <a:pt x="2" y="26"/>
+                    <a:pt x="2" y="26"/>
+                    <a:pt x="2" y="26"/>
+                  </a:cubicBezTo>
+                  <a:cubicBezTo>
+                    <a:pt x="1" y="24"/>
+                    <a:pt x="0" y="22"/>
+                    <a:pt x="0" y="20"/>
+                  </a:cubicBezTo>
+                  <a:cubicBezTo>
+                    <a:pt x="0" y="18"/>
+                    <a:pt x="1" y="16"/>
+                    <a:pt x="2" y="15"/>
+                  </a:cubicBezTo>
+                  <a:cubicBezTo>
+                    <a:pt x="14" y="3"/>
+                    <a:pt x="14" y="3"/>
+                    <a:pt x="14" y="3"/>
+                  </a:cubicBezTo>
+                  <a:cubicBezTo>
+                    <a:pt x="15" y="1"/>
+                    <a:pt x="18" y="0"/>
+                    <a:pt x="20" y="0"/>
+                  </a:cubicBezTo>
+                  <a:cubicBezTo>
+                    <a:pt x="22" y="0"/>
+                    <a:pt x="24" y="1"/>
+                    <a:pt x="25" y="3"/>
+                  </a:cubicBezTo>
+                  <a:cubicBezTo>
+                    <a:pt x="137" y="115"/>
+                    <a:pt x="137" y="115"/>
+                    <a:pt x="137" y="115"/>
+                  </a:cubicBezTo>
+                  <a:cubicBezTo>
+                    <a:pt x="139" y="116"/>
+                    <a:pt x="140" y="118"/>
+                    <a:pt x="140" y="120"/>
+                  </a:cubicBezTo>
+                  <a:cubicBezTo>
+                    <a:pt x="140" y="122"/>
+                    <a:pt x="139" y="125"/>
+                    <a:pt x="137" y="126"/>
+                  </a:cubicBezTo>
+                  <a:close/>
+                </a:path>
+              </a:pathLst>
+            </a:custGeom>
+            <a:solidFill>
+              <a:schemeClr val="bg1"/>
+            </a:solidFill>
+            <a:ln>
+              <a:noFill/>
+            </a:ln>
+          </p:spPr>
+          <p:txBody>
+            <a:bodyPr vert="horz" wrap="square" lIns="91440" tIns="45720" rIns="91440" bIns="45720" numCol="1" anchor="t" anchorCtr="0" compatLnSpc="1">
+              <a:prstTxWarp prst="textNoShape">
+                <a:avLst/>
+              </a:prstTxWarp>
+            </a:bodyPr>
+            <a:lstStyle>
+              <a:defPPr>
+                <a:defRPr lang="en-US"/>
+              </a:defPPr>
+              <a:lvl1pPr marL="0" algn="l" defTabSz="914400" rtl="0" eaLnBrk="1" latinLnBrk="0" hangingPunct="1">
+                <a:defRPr sz="1800" kern="1200">
+                  <a:solidFill>
+                    <a:schemeClr val="tx1"/>
+                  </a:solidFill>
+                  <a:latin typeface="+mn-lt"/>
+                  <a:ea typeface="+mn-ea"/>
+                  <a:cs typeface="+mn-cs"/>
+                </a:defRPr>
+              </a:lvl1pPr>
+              <a:lvl2pPr marL="457200" algn="l" defTabSz="914400" rtl="0" eaLnBrk="1" latinLnBrk="0" hangingPunct="1">
+                <a:defRPr sz="1800" kern="1200">
+                  <a:solidFill>
+                    <a:schemeClr val="tx1"/>
+                  </a:solidFill>
+                  <a:latin typeface="+mn-lt"/>
+                  <a:ea typeface="+mn-ea"/>
+                  <a:cs typeface="+mn-cs"/>
+                </a:defRPr>
+              </a:lvl2pPr>
+              <a:lvl3pPr marL="914400" algn="l" defTabSz="914400" rtl="0" eaLnBrk="1" latinLnBrk="0" hangingPunct="1">
+                <a:defRPr sz="1800" kern="1200">
+                  <a:solidFill>
+                    <a:schemeClr val="tx1"/>
+                  </a:solidFill>
+                  <a:latin typeface="+mn-lt"/>
+                  <a:ea typeface="+mn-ea"/>
+                  <a:cs typeface="+mn-cs"/>
+                </a:defRPr>
+              </a:lvl3pPr>
+              <a:lvl4pPr marL="1371600" algn="l" defTabSz="914400" rtl="0" eaLnBrk="1" latinLnBrk="0" hangingPunct="1">
+                <a:defRPr sz="1800" kern="1200">
+                  <a:solidFill>
+                    <a:schemeClr val="tx1"/>
+                  </a:solidFill>
+                  <a:latin typeface="+mn-lt"/>
+                  <a:ea typeface="+mn-ea"/>
+                  <a:cs typeface="+mn-cs"/>
+                </a:defRPr>
+              </a:lvl4pPr>
+              <a:lvl5pPr marL="1828800" algn="l" defTabSz="914400" rtl="0" eaLnBrk="1" latinLnBrk="0" hangingPunct="1">
+                <a:defRPr sz="1800" kern="1200">
+                  <a:solidFill>
+                    <a:schemeClr val="tx1"/>
+                  </a:solidFill>
+                  <a:latin typeface="+mn-lt"/>
+                  <a:ea typeface="+mn-ea"/>
+                  <a:cs typeface="+mn-cs"/>
+                </a:defRPr>
+              </a:lvl5pPr>
+              <a:lvl6pPr marL="2286000" algn="l" defTabSz="914400" rtl="0" eaLnBrk="1" latinLnBrk="0" hangingPunct="1">
+                <a:defRPr sz="1800" kern="1200">
+                  <a:solidFill>
+                    <a:schemeClr val="tx1"/>
+                  </a:solidFill>
+                  <a:latin typeface="+mn-lt"/>
+                  <a:ea typeface="+mn-ea"/>
+                  <a:cs typeface="+mn-cs"/>
+                </a:defRPr>
+              </a:lvl6pPr>
+              <a:lvl7pPr marL="2743200" algn="l" defTabSz="914400" rtl="0" eaLnBrk="1" latinLnBrk="0" hangingPunct="1">
+                <a:defRPr sz="1800" kern="1200">
+                  <a:solidFill>
+                    <a:schemeClr val="tx1"/>
+                  </a:solidFill>
+                  <a:latin typeface="+mn-lt"/>
+                  <a:ea typeface="+mn-ea"/>
+                  <a:cs typeface="+mn-cs"/>
+                </a:defRPr>
+              </a:lvl7pPr>
+              <a:lvl8pPr marL="3200400" algn="l" defTabSz="914400" rtl="0" eaLnBrk="1" latinLnBrk="0" hangingPunct="1">
+                <a:defRPr sz="1800" kern="1200">
+                  <a:solidFill>
+                    <a:schemeClr val="tx1"/>
+                  </a:solidFill>
+                  <a:latin typeface="+mn-lt"/>
+                  <a:ea typeface="+mn-ea"/>
+                  <a:cs typeface="+mn-cs"/>
+                </a:defRPr>
+              </a:lvl8pPr>
+              <a:lvl9pPr marL="3657600" algn="l" defTabSz="914400" rtl="0" eaLnBrk="1" latinLnBrk="0" hangingPunct="1">
+                <a:defRPr sz="1800" kern="1200">
+                  <a:solidFill>
+                    <a:schemeClr val="tx1"/>
+                  </a:solidFill>
+                  <a:latin typeface="+mn-lt"/>
+                  <a:ea typeface="+mn-ea"/>
+                  <a:cs typeface="+mn-cs"/>
+                </a:defRPr>
+              </a:lvl9pPr>
+            </a:lstStyle>
+            <a:p>
+              <a:endParaRPr lang="en-CA"/>
+            </a:p>
+          </p:txBody>
+        </p:sp>
+        <p:cxnSp>
+          <p:nvCxnSpPr>
+            <p:cNvPr id="11" name="Straight Connector 10"/>
+            <p:cNvCxnSpPr/>
+            <p:nvPr/>
+          </p:nvCxnSpPr>
+          <p:spPr>
+            <a:xfrm>
+              <a:off x="3067050" y="4457616"/>
+              <a:ext cx="495300" cy="0"/>
+            </a:xfrm>
+            <a:prstGeom prst="line">
+              <a:avLst/>
+            </a:prstGeom>
+            <a:ln w="34925" cap="rnd">
+              <a:solidFill>
+                <a:schemeClr val="bg1">
+                  <a:lumMod val="75000"/>
+                </a:schemeClr>
+              </a:solidFill>
+            </a:ln>
+          </p:spPr>
+          <p:style>
+            <a:lnRef idx="1">
+              <a:schemeClr val="accent1"/>
+            </a:lnRef>
+            <a:fillRef idx="0">
+              <a:schemeClr val="accent1"/>
+            </a:fillRef>
+            <a:effectRef idx="0">
+              <a:schemeClr val="accent1"/>
+            </a:effectRef>
+            <a:fontRef idx="minor">
+              <a:schemeClr val="tx1"/>
+            </a:fontRef>
+          </p:style>
+        </p:cxnSp>
+        <p:cxnSp>
+          <p:nvCxnSpPr>
+            <p:cNvPr id="12" name="Straight Connector 11"/>
+            <p:cNvCxnSpPr/>
+            <p:nvPr/>
+          </p:nvCxnSpPr>
+          <p:spPr>
+            <a:xfrm>
+              <a:off x="3067050" y="4588665"/>
+              <a:ext cx="495300" cy="0"/>
+            </a:xfrm>
+            <a:prstGeom prst="line">
+              <a:avLst/>
+            </a:prstGeom>
+            <a:ln w="34925" cap="rnd">
+              <a:solidFill>
+                <a:schemeClr val="bg1">
+                  <a:lumMod val="75000"/>
+                </a:schemeClr>
+              </a:solidFill>
+            </a:ln>
+          </p:spPr>
+          <p:style>
+            <a:lnRef idx="1">
+              <a:schemeClr val="accent1"/>
+            </a:lnRef>
+            <a:fillRef idx="0">
+              <a:schemeClr val="accent1"/>
+            </a:fillRef>
+            <a:effectRef idx="0">
+              <a:schemeClr val="accent1"/>
+            </a:effectRef>
+            <a:fontRef idx="minor">
+              <a:schemeClr val="tx1"/>
+            </a:fontRef>
+          </p:style>
+        </p:cxnSp>
+        <p:cxnSp>
+          <p:nvCxnSpPr>
+            <p:cNvPr id="13" name="Straight Connector 12"/>
+            <p:cNvCxnSpPr/>
+            <p:nvPr/>
+          </p:nvCxnSpPr>
+          <p:spPr>
+            <a:xfrm>
+              <a:off x="3067050" y="4723680"/>
+              <a:ext cx="311150" cy="0"/>
+            </a:xfrm>
+            <a:prstGeom prst="line">
+              <a:avLst/>
+            </a:prstGeom>
+            <a:ln w="34925" cap="rnd">
+              <a:solidFill>
+                <a:schemeClr val="bg1">
+                  <a:lumMod val="75000"/>
+                </a:schemeClr>
+              </a:solidFill>
+            </a:ln>
+          </p:spPr>
+          <p:style>
+            <a:lnRef idx="1">
+              <a:schemeClr val="accent1"/>
+            </a:lnRef>
+            <a:fillRef idx="0">
+              <a:schemeClr val="accent1"/>
+            </a:fillRef>
+            <a:effectRef idx="0">
+              <a:schemeClr val="accent1"/>
+            </a:effectRef>
+            <a:fontRef idx="minor">
+              <a:schemeClr val="tx1"/>
+            </a:fontRef>
+          </p:style>
+        </p:cxnSp>
+      </p:grpSp>
+      <p:sp>
+        <p:nvSpPr>
+          <p:cNvPr id="15" name="Rectangle 14"/>
+          <p:cNvSpPr/>
+          <p:nvPr/>
+        </p:nvSpPr>
+        <p:spPr>
+          <a:xfrm>
+            <a:off x="3473123" y="3804630"/>
+            <a:ext cx="1228765" cy="442228"/>
+          </a:xfrm>
+          <a:prstGeom prst="rect">
+            <a:avLst/>
+          </a:prstGeom>
+          <a:gradFill>
+            <a:gsLst>
+              <a:gs pos="0">
+                <a:srgbClr val="201B7B"/>
+              </a:gs>
+              <a:gs pos="100000">
+                <a:srgbClr val="631E75"/>
+              </a:gs>
+            </a:gsLst>
+            <a:lin ang="0" scaled="0"/>
+          </a:gradFill>
+          <a:ln>
+            <a:noFill/>
+          </a:ln>
+        </p:spPr>
+        <p:style>
+          <a:lnRef idx="2">
+            <a:schemeClr val="accent1">
+              <a:shade val="50000"/>
+            </a:schemeClr>
+          </a:lnRef>
+          <a:fillRef idx="1">
+            <a:schemeClr val="accent1"/>
+          </a:fillRef>
+          <a:effectRef idx="0">
+            <a:schemeClr val="accent1"/>
+          </a:effectRef>
+          <a:fontRef idx="minor">
+            <a:schemeClr val="lt1"/>
+          </a:fontRef>
+        </p:style>
+        <p:txBody>
+          <a:bodyPr rtlCol="0" anchor="ctr"/>
+          <a:lstStyle/>
+          <a:p>
+            <a:pPr algn="ctr"/>
+            <a:r>
+              <a:rPr lang="en-CA" b="1" dirty="0" smtClean="0"/>
+              <a:t>PLAY</a:t>
+            </a:r>
+            <a:endParaRPr lang="en-CA" b="1" dirty="0"/>
+          </a:p>
+        </p:txBody>
+      </p:sp>
+      <p:cxnSp>
+        <p:nvCxnSpPr>
+          <p:cNvPr id="22" name="Straight Arrow Connector 21"/>
+          <p:cNvCxnSpPr/>
+          <p:nvPr/>
+        </p:nvCxnSpPr>
+        <p:spPr>
+          <a:xfrm>
+            <a:off x="2084295" y="4037286"/>
+            <a:ext cx="1116106" cy="0"/>
+          </a:xfrm>
+          <a:prstGeom prst="straightConnector1">
+            <a:avLst/>
+          </a:prstGeom>
+          <a:ln w="63500" cap="rnd">
+            <a:solidFill>
+              <a:schemeClr val="bg1">
+                <a:lumMod val="75000"/>
+              </a:schemeClr>
+            </a:solidFill>
+            <a:prstDash val="sysDot"/>
+            <a:tailEnd type="triangle"/>
+          </a:ln>
+        </p:spPr>
+        <p:style>
+          <a:lnRef idx="1">
+            <a:schemeClr val="accent1"/>
+          </a:lnRef>
+          <a:fillRef idx="0">
+            <a:schemeClr val="accent1"/>
+          </a:fillRef>
+          <a:effectRef idx="0">
+            <a:schemeClr val="accent1"/>
+          </a:effectRef>
+          <a:fontRef idx="minor">
+            <a:schemeClr val="tx1"/>
+          </a:fontRef>
+        </p:style>
+      </p:cxnSp>
+      <p:cxnSp>
+        <p:nvCxnSpPr>
+          <p:cNvPr id="23" name="Straight Arrow Connector 22"/>
+          <p:cNvCxnSpPr/>
+          <p:nvPr/>
+        </p:nvCxnSpPr>
+        <p:spPr>
+          <a:xfrm>
+            <a:off x="4988856" y="4004594"/>
+            <a:ext cx="1116106" cy="0"/>
+          </a:xfrm>
+          <a:prstGeom prst="straightConnector1">
+            <a:avLst/>
+          </a:prstGeom>
+          <a:ln w="63500" cap="rnd">
+            <a:solidFill>
+              <a:schemeClr val="bg1">
+                <a:lumMod val="75000"/>
+              </a:schemeClr>
+            </a:solidFill>
+            <a:prstDash val="sysDot"/>
+            <a:tailEnd type="triangle"/>
+          </a:ln>
+        </p:spPr>
+        <p:style>
+          <a:lnRef idx="1">
+            <a:schemeClr val="accent1"/>
+          </a:lnRef>
+          <a:fillRef idx="0">
+            <a:schemeClr val="accent1"/>
+          </a:fillRef>
+          <a:effectRef idx="0">
+            <a:schemeClr val="accent1"/>
+          </a:effectRef>
+          <a:fontRef idx="minor">
+            <a:schemeClr val="tx1"/>
+          </a:fontRef>
+        </p:style>
+      </p:cxnSp>
+      <p:cxnSp>
+        <p:nvCxnSpPr>
+          <p:cNvPr id="24" name="Straight Arrow Connector 23"/>
+          <p:cNvCxnSpPr/>
+          <p:nvPr/>
+        </p:nvCxnSpPr>
+        <p:spPr>
+          <a:xfrm>
+            <a:off x="8248794" y="4025744"/>
+            <a:ext cx="1116106" cy="0"/>
+          </a:xfrm>
+          <a:prstGeom prst="straightConnector1">
+            <a:avLst/>
+          </a:prstGeom>
+          <a:ln w="63500" cap="rnd">
+            <a:solidFill>
+              <a:schemeClr val="bg1">
+                <a:lumMod val="75000"/>
+              </a:schemeClr>
+            </a:solidFill>
+            <a:prstDash val="sysDot"/>
+            <a:tailEnd type="triangle"/>
+          </a:ln>
+        </p:spPr>
+        <p:style>
+          <a:lnRef idx="1">
+            <a:schemeClr val="accent1"/>
+          </a:lnRef>
+          <a:fillRef idx="0">
+            <a:schemeClr val="accent1"/>
+          </a:fillRef>
+          <a:effectRef idx="0">
+            <a:schemeClr val="accent1"/>
+          </a:effectRef>
+          <a:fontRef idx="minor">
+            <a:schemeClr val="tx1"/>
+          </a:fontRef>
+        </p:style>
+      </p:cxnSp>
+      <p:sp>
+        <p:nvSpPr>
+          <p:cNvPr id="26" name="Rectangle 25"/>
+          <p:cNvSpPr/>
+          <p:nvPr/>
+        </p:nvSpPr>
+        <p:spPr>
+          <a:xfrm>
+            <a:off x="9558401" y="3041868"/>
+            <a:ext cx="1842247" cy="2079201"/>
+          </a:xfrm>
+          <a:prstGeom prst="rect">
+            <a:avLst/>
+          </a:prstGeom>
+          <a:solidFill>
+            <a:schemeClr val="bg1"/>
+          </a:solidFill>
+          <a:ln>
+            <a:noFill/>
+          </a:ln>
+          <a:effectLst>
+            <a:outerShdw blurRad="127000" dist="38100" dir="5400000" algn="t" rotWithShape="0">
+              <a:prstClr val="black">
+                <a:alpha val="20000"/>
+              </a:prstClr>
+            </a:outerShdw>
+          </a:effectLst>
+        </p:spPr>
+        <p:style>
+          <a:lnRef idx="2">
+            <a:schemeClr val="accent1">
+              <a:shade val="50000"/>
+            </a:schemeClr>
+          </a:lnRef>
+          <a:fillRef idx="1">
+            <a:schemeClr val="accent1"/>
+          </a:fillRef>
+          <a:effectRef idx="0">
+            <a:schemeClr val="accent1"/>
+          </a:effectRef>
+          <a:fontRef idx="minor">
+            <a:schemeClr val="lt1"/>
+          </a:fontRef>
+        </p:style>
+        <p:txBody>
+          <a:bodyPr rtlCol="0" anchor="ctr"/>
+          <a:lstStyle/>
+          <a:p>
+            <a:pPr algn="ctr"/>
+            <a:endParaRPr lang="en-CA"/>
+          </a:p>
+        </p:txBody>
+      </p:sp>
+      <p:sp>
+        <p:nvSpPr>
+          <p:cNvPr id="33" name="TextBox 32"/>
+          <p:cNvSpPr txBox="1"/>
+          <p:nvPr/>
+        </p:nvSpPr>
+        <p:spPr>
+          <a:xfrm>
+            <a:off x="362820" y="4558354"/>
+            <a:ext cx="1637933" cy="307777"/>
+          </a:xfrm>
+          <a:prstGeom prst="rect">
+            <a:avLst/>
+          </a:prstGeom>
+          <a:noFill/>
+        </p:spPr>
+        <p:txBody>
+          <a:bodyPr wrap="square" rtlCol="0">
+            <a:spAutoFit/>
+          </a:bodyPr>
+          <a:lstStyle/>
+          <a:p>
+            <a:pPr algn="ctr"/>
+            <a:r>
+              <a:rPr lang="en-CA" sz="1400" dirty="0" smtClean="0"/>
+              <a:t>Ansible</a:t>
+            </a:r>
+            <a:endParaRPr lang="en-CA" sz="1400" dirty="0"/>
+          </a:p>
+        </p:txBody>
+      </p:sp>
+      <p:sp>
+        <p:nvSpPr>
+          <p:cNvPr id="34" name="TextBox 33"/>
+          <p:cNvSpPr txBox="1"/>
+          <p:nvPr/>
+        </p:nvSpPr>
+        <p:spPr>
+          <a:xfrm>
+            <a:off x="6068081" y="5662560"/>
+            <a:ext cx="2175249" cy="307777"/>
+          </a:xfrm>
+          <a:prstGeom prst="rect">
+            <a:avLst/>
+          </a:prstGeom>
+          <a:noFill/>
+        </p:spPr>
+        <p:txBody>
+          <a:bodyPr wrap="square" rtlCol="0">
+            <a:spAutoFit/>
+          </a:bodyPr>
+          <a:lstStyle/>
+          <a:p>
+            <a:pPr algn="ctr"/>
+            <a:r>
+              <a:rPr lang="en-CA" sz="1400" dirty="0" smtClean="0"/>
+              <a:t>Cloud resources</a:t>
+            </a:r>
+            <a:endParaRPr lang="en-CA" sz="1400" dirty="0"/>
+          </a:p>
+        </p:txBody>
+      </p:sp>
+      <p:sp>
+        <p:nvSpPr>
+          <p:cNvPr id="35" name="TextBox 34"/>
+          <p:cNvSpPr txBox="1"/>
+          <p:nvPr/>
+        </p:nvSpPr>
+        <p:spPr>
+          <a:xfrm>
+            <a:off x="9364900" y="5232375"/>
+            <a:ext cx="2175249" cy="523220"/>
+          </a:xfrm>
+          <a:prstGeom prst="rect">
+            <a:avLst/>
+          </a:prstGeom>
+          <a:noFill/>
+        </p:spPr>
+        <p:txBody>
+          <a:bodyPr wrap="square" rtlCol="0">
+            <a:spAutoFit/>
+          </a:bodyPr>
+          <a:lstStyle/>
+          <a:p>
+            <a:pPr algn="ctr"/>
+            <a:r>
+              <a:rPr lang="en-CA" sz="1400" dirty="0" smtClean="0"/>
+              <a:t>Configured</a:t>
+            </a:r>
+            <a:br>
+              <a:rPr lang="en-CA" sz="1400" dirty="0" smtClean="0"/>
+            </a:br>
+            <a:r>
+              <a:rPr lang="en-CA" sz="1400" dirty="0" smtClean="0"/>
+              <a:t>service</a:t>
+            </a:r>
+            <a:endParaRPr lang="en-CA" sz="1400" dirty="0"/>
+          </a:p>
+        </p:txBody>
+      </p:sp>
+      <p:sp>
+        <p:nvSpPr>
+          <p:cNvPr id="36" name="TextBox 35"/>
+          <p:cNvSpPr txBox="1"/>
+          <p:nvPr/>
+        </p:nvSpPr>
+        <p:spPr>
+          <a:xfrm>
+            <a:off x="3268537" y="4558354"/>
+            <a:ext cx="1637933" cy="307777"/>
+          </a:xfrm>
+          <a:prstGeom prst="rect">
+            <a:avLst/>
+          </a:prstGeom>
+          <a:noFill/>
+        </p:spPr>
+        <p:txBody>
+          <a:bodyPr wrap="square" rtlCol="0">
+            <a:spAutoFit/>
+          </a:bodyPr>
+          <a:lstStyle/>
+          <a:p>
+            <a:pPr algn="ctr"/>
+            <a:r>
+              <a:rPr lang="en-CA" sz="1400" dirty="0" smtClean="0"/>
+              <a:t>Build</a:t>
+            </a:r>
+            <a:endParaRPr lang="en-CA" sz="1400" dirty="0"/>
+          </a:p>
+        </p:txBody>
+      </p:sp>
+      <p:sp>
+        <p:nvSpPr>
+          <p:cNvPr id="40" name="Rectangle 39"/>
+          <p:cNvSpPr/>
+          <p:nvPr/>
+        </p:nvSpPr>
+        <p:spPr>
+          <a:xfrm>
+            <a:off x="6242758" y="4712242"/>
+            <a:ext cx="1842247" cy="865247"/>
+          </a:xfrm>
+          <a:prstGeom prst="rect">
+            <a:avLst/>
+          </a:prstGeom>
+          <a:solidFill>
+            <a:schemeClr val="bg1"/>
+          </a:solidFill>
+          <a:ln>
+            <a:noFill/>
+          </a:ln>
+          <a:effectLst>
+            <a:outerShdw blurRad="127000" dist="38100" dir="5400000" algn="t" rotWithShape="0">
+              <a:prstClr val="black">
+                <a:alpha val="20000"/>
+              </a:prstClr>
+            </a:outerShdw>
+          </a:effectLst>
+        </p:spPr>
+        <p:style>
+          <a:lnRef idx="2">
+            <a:schemeClr val="accent1">
+              <a:shade val="50000"/>
+            </a:schemeClr>
+          </a:lnRef>
+          <a:fillRef idx="1">
+            <a:schemeClr val="accent1"/>
+          </a:fillRef>
+          <a:effectRef idx="0">
+            <a:schemeClr val="accent1"/>
+          </a:effectRef>
+          <a:fontRef idx="minor">
+            <a:schemeClr val="lt1"/>
+          </a:fontRef>
+        </p:style>
+        <p:txBody>
+          <a:bodyPr rtlCol="0" anchor="ctr"/>
+          <a:lstStyle/>
+          <a:p>
+            <a:pPr algn="ctr"/>
+            <a:endParaRPr lang="en-CA"/>
+          </a:p>
+        </p:txBody>
+      </p:sp>
+      <p:sp>
+        <p:nvSpPr>
+          <p:cNvPr id="44" name="Rectangle 43"/>
+          <p:cNvSpPr/>
+          <p:nvPr/>
+        </p:nvSpPr>
+        <p:spPr>
+          <a:xfrm>
+            <a:off x="6237635" y="3593735"/>
+            <a:ext cx="1842247" cy="865247"/>
+          </a:xfrm>
+          <a:prstGeom prst="rect">
+            <a:avLst/>
+          </a:prstGeom>
+          <a:solidFill>
+            <a:schemeClr val="bg1"/>
+          </a:solidFill>
+          <a:ln>
+            <a:noFill/>
+          </a:ln>
+          <a:effectLst>
+            <a:outerShdw blurRad="127000" dist="38100" dir="5400000" algn="t" rotWithShape="0">
+              <a:prstClr val="black">
+                <a:alpha val="20000"/>
+              </a:prstClr>
+            </a:outerShdw>
+          </a:effectLst>
+        </p:spPr>
+        <p:style>
+          <a:lnRef idx="2">
+            <a:schemeClr val="accent1">
+              <a:shade val="50000"/>
+            </a:schemeClr>
+          </a:lnRef>
+          <a:fillRef idx="1">
+            <a:schemeClr val="accent1"/>
+          </a:fillRef>
+          <a:effectRef idx="0">
+            <a:schemeClr val="accent1"/>
+          </a:effectRef>
+          <a:fontRef idx="minor">
+            <a:schemeClr val="lt1"/>
+          </a:fontRef>
+        </p:style>
+        <p:txBody>
+          <a:bodyPr rtlCol="0" anchor="ctr"/>
+          <a:lstStyle/>
+          <a:p>
+            <a:pPr algn="ctr"/>
+            <a:endParaRPr lang="en-CA"/>
+          </a:p>
+        </p:txBody>
+      </p:sp>
+      <p:sp>
+        <p:nvSpPr>
+          <p:cNvPr id="45" name="Rectangle 44"/>
+          <p:cNvSpPr/>
+          <p:nvPr/>
+        </p:nvSpPr>
+        <p:spPr>
+          <a:xfrm>
+            <a:off x="6234581" y="2479586"/>
+            <a:ext cx="1842247" cy="865247"/>
+          </a:xfrm>
+          <a:prstGeom prst="rect">
+            <a:avLst/>
+          </a:prstGeom>
+          <a:solidFill>
+            <a:schemeClr val="bg1"/>
+          </a:solidFill>
+          <a:ln>
+            <a:noFill/>
+          </a:ln>
+          <a:effectLst>
+            <a:outerShdw blurRad="127000" dist="38100" dir="5400000" algn="t" rotWithShape="0">
+              <a:prstClr val="black">
+                <a:alpha val="20000"/>
+              </a:prstClr>
+            </a:outerShdw>
+          </a:effectLst>
+        </p:spPr>
+        <p:style>
+          <a:lnRef idx="2">
+            <a:schemeClr val="accent1">
+              <a:shade val="50000"/>
+            </a:schemeClr>
+          </a:lnRef>
+          <a:fillRef idx="1">
+            <a:schemeClr val="accent1"/>
+          </a:fillRef>
+          <a:effectRef idx="0">
+            <a:schemeClr val="accent1"/>
+          </a:effectRef>
+          <a:fontRef idx="minor">
+            <a:schemeClr val="lt1"/>
+          </a:fontRef>
+        </p:style>
+        <p:txBody>
+          <a:bodyPr rtlCol="0" anchor="ctr"/>
+          <a:lstStyle/>
+          <a:p>
+            <a:pPr algn="ctr"/>
+            <a:endParaRPr lang="en-CA"/>
+          </a:p>
+        </p:txBody>
+      </p:sp>
+      <p:pic>
+        <p:nvPicPr>
+          <p:cNvPr id="5" name="Picture 4"/>
+          <p:cNvPicPr>
+            <a:picLocks noChangeAspect="1"/>
+          </p:cNvPicPr>
+          <p:nvPr/>
+        </p:nvPicPr>
+        <p:blipFill>
+          <a:blip r:embed="rId2" cstate="print">
+            <a:extLst>
+              <a:ext uri="{28A0092B-C50C-407E-A947-70E740481C1C}">
+                <a14:useLocalDpi xmlns:a14="http://schemas.microsoft.com/office/drawing/2010/main" val="0"/>
+              </a:ext>
+            </a:extLst>
+          </a:blip>
+          <a:stretch>
+            <a:fillRect/>
+          </a:stretch>
+        </p:blipFill>
+        <p:spPr>
+          <a:xfrm>
+            <a:off x="6696196" y="2782549"/>
+            <a:ext cx="919016" cy="259319"/>
+          </a:xfrm>
+          <a:prstGeom prst="rect">
+            <a:avLst/>
+          </a:prstGeom>
+        </p:spPr>
+      </p:pic>
+      <p:pic>
+        <p:nvPicPr>
+          <p:cNvPr id="46" name="Picture 45"/>
+          <p:cNvPicPr>
+            <a:picLocks noChangeAspect="1"/>
+          </p:cNvPicPr>
+          <p:nvPr/>
+        </p:nvPicPr>
+        <p:blipFill>
+          <a:blip r:embed="rId2" cstate="print">
+            <a:extLst>
+              <a:ext uri="{28A0092B-C50C-407E-A947-70E740481C1C}">
+                <a14:useLocalDpi xmlns:a14="http://schemas.microsoft.com/office/drawing/2010/main" val="0"/>
+              </a:ext>
+            </a:extLst>
+          </a:blip>
+          <a:stretch>
+            <a:fillRect/>
+          </a:stretch>
+        </p:blipFill>
+        <p:spPr>
+          <a:xfrm>
+            <a:off x="6696196" y="3874934"/>
+            <a:ext cx="919016" cy="259319"/>
+          </a:xfrm>
+          <a:prstGeom prst="rect">
+            <a:avLst/>
+          </a:prstGeom>
+        </p:spPr>
+      </p:pic>
+      <p:pic>
+        <p:nvPicPr>
+          <p:cNvPr id="47" name="Picture 46"/>
+          <p:cNvPicPr>
+            <a:picLocks noChangeAspect="1"/>
+          </p:cNvPicPr>
+          <p:nvPr/>
+        </p:nvPicPr>
+        <p:blipFill>
+          <a:blip r:embed="rId2" cstate="print">
+            <a:extLst>
+              <a:ext uri="{28A0092B-C50C-407E-A947-70E740481C1C}">
+                <a14:useLocalDpi xmlns:a14="http://schemas.microsoft.com/office/drawing/2010/main" val="0"/>
+              </a:ext>
+            </a:extLst>
+          </a:blip>
+          <a:stretch>
+            <a:fillRect/>
+          </a:stretch>
+        </p:blipFill>
+        <p:spPr>
+          <a:xfrm>
+            <a:off x="6704373" y="5015205"/>
+            <a:ext cx="919016" cy="259319"/>
+          </a:xfrm>
+          <a:prstGeom prst="rect">
+            <a:avLst/>
+          </a:prstGeom>
+        </p:spPr>
+      </p:pic>
+      <p:pic>
+        <p:nvPicPr>
+          <p:cNvPr id="43" name="Picture 42"/>
+          <p:cNvPicPr>
+            <a:picLocks noChangeAspect="1"/>
+          </p:cNvPicPr>
+          <p:nvPr/>
+        </p:nvPicPr>
+        <p:blipFill>
+          <a:blip r:embed="rId3" cstate="print">
+            <a:extLst>
+              <a:ext uri="{28A0092B-C50C-407E-A947-70E740481C1C}">
+                <a14:useLocalDpi xmlns:a14="http://schemas.microsoft.com/office/drawing/2010/main" val="0"/>
+              </a:ext>
+            </a:extLst>
+          </a:blip>
+          <a:stretch>
+            <a:fillRect/>
+          </a:stretch>
+        </p:blipFill>
+        <p:spPr>
+          <a:xfrm>
+            <a:off x="9832189" y="3520948"/>
+            <a:ext cx="1250768" cy="1157736"/>
+          </a:xfrm>
+          <a:prstGeom prst="rect">
+            <a:avLst/>
+          </a:prstGeom>
+        </p:spPr>
+      </p:pic>
+      <p:grpSp>
+        <p:nvGrpSpPr>
+          <p:cNvPr id="48" name="Group 47"/>
+          <p:cNvGrpSpPr/>
+          <p:nvPr/>
+        </p:nvGrpSpPr>
+        <p:grpSpPr>
+          <a:xfrm>
+            <a:off x="11227722" y="4954061"/>
+            <a:ext cx="345852" cy="346848"/>
+            <a:chOff x="11095777" y="3669465"/>
+            <a:chExt cx="500683" cy="502125"/>
+          </a:xfrm>
+        </p:grpSpPr>
+        <p:sp>
+          <p:nvSpPr>
+            <p:cNvPr id="49" name="Oval 48"/>
+            <p:cNvSpPr/>
+            <p:nvPr/>
+          </p:nvSpPr>
+          <p:spPr>
+            <a:xfrm>
+              <a:off x="11098217" y="3669465"/>
+              <a:ext cx="469383" cy="469383"/>
+            </a:xfrm>
+            <a:prstGeom prst="ellipse">
+              <a:avLst/>
+            </a:prstGeom>
+            <a:solidFill>
+              <a:schemeClr val="bg1"/>
+            </a:solidFill>
+            <a:ln>
+              <a:noFill/>
+            </a:ln>
+          </p:spPr>
+          <p:style>
+            <a:lnRef idx="2">
+              <a:schemeClr val="accent1">
+                <a:shade val="50000"/>
+              </a:schemeClr>
+            </a:lnRef>
+            <a:fillRef idx="1">
+              <a:schemeClr val="accent1"/>
+            </a:fillRef>
+            <a:effectRef idx="0">
+              <a:schemeClr val="accent1"/>
+            </a:effectRef>
+            <a:fontRef idx="minor">
+              <a:schemeClr val="lt1"/>
+            </a:fontRef>
+          </p:style>
+          <p:txBody>
+            <a:bodyPr rtlCol="0" anchor="ctr"/>
+            <a:lstStyle/>
+            <a:p>
+              <a:pPr algn="ctr"/>
+              <a:endParaRPr lang="en-CA"/>
+            </a:p>
+          </p:txBody>
+        </p:sp>
+        <p:sp>
+          <p:nvSpPr>
+            <p:cNvPr id="50" name="Freeform 49"/>
+            <p:cNvSpPr>
+              <a:spLocks noEditPoints="1"/>
+            </p:cNvSpPr>
+            <p:nvPr/>
+          </p:nvSpPr>
+          <p:spPr bwMode="auto">
+            <a:xfrm>
+              <a:off x="11095777" y="3669465"/>
+              <a:ext cx="500683" cy="502125"/>
+            </a:xfrm>
+            <a:custGeom>
+              <a:avLst/>
+              <a:gdLst>
+                <a:gd name="T0" fmla="*/ 110 w 147"/>
+                <a:gd name="T1" fmla="*/ 10 h 147"/>
+                <a:gd name="T2" fmla="*/ 73 w 147"/>
+                <a:gd name="T3" fmla="*/ 0 h 147"/>
+                <a:gd name="T4" fmla="*/ 36 w 147"/>
+                <a:gd name="T5" fmla="*/ 10 h 147"/>
+                <a:gd name="T6" fmla="*/ 10 w 147"/>
+                <a:gd name="T7" fmla="*/ 37 h 147"/>
+                <a:gd name="T8" fmla="*/ 0 w 147"/>
+                <a:gd name="T9" fmla="*/ 74 h 147"/>
+                <a:gd name="T10" fmla="*/ 10 w 147"/>
+                <a:gd name="T11" fmla="*/ 111 h 147"/>
+                <a:gd name="T12" fmla="*/ 36 w 147"/>
+                <a:gd name="T13" fmla="*/ 137 h 147"/>
+                <a:gd name="T14" fmla="*/ 73 w 147"/>
+                <a:gd name="T15" fmla="*/ 147 h 147"/>
+                <a:gd name="T16" fmla="*/ 110 w 147"/>
+                <a:gd name="T17" fmla="*/ 137 h 147"/>
+                <a:gd name="T18" fmla="*/ 137 w 147"/>
+                <a:gd name="T19" fmla="*/ 111 h 147"/>
+                <a:gd name="T20" fmla="*/ 147 w 147"/>
+                <a:gd name="T21" fmla="*/ 74 h 147"/>
+                <a:gd name="T22" fmla="*/ 137 w 147"/>
+                <a:gd name="T23" fmla="*/ 37 h 147"/>
+                <a:gd name="T24" fmla="*/ 110 w 147"/>
+                <a:gd name="T25" fmla="*/ 10 h 147"/>
+                <a:gd name="T26" fmla="*/ 121 w 147"/>
+                <a:gd name="T27" fmla="*/ 63 h 147"/>
+                <a:gd name="T28" fmla="*/ 69 w 147"/>
+                <a:gd name="T29" fmla="*/ 114 h 147"/>
+                <a:gd name="T30" fmla="*/ 65 w 147"/>
+                <a:gd name="T31" fmla="*/ 116 h 147"/>
+                <a:gd name="T32" fmla="*/ 60 w 147"/>
+                <a:gd name="T33" fmla="*/ 114 h 147"/>
+                <a:gd name="T34" fmla="*/ 26 w 147"/>
+                <a:gd name="T35" fmla="*/ 80 h 147"/>
+                <a:gd name="T36" fmla="*/ 24 w 147"/>
+                <a:gd name="T37" fmla="*/ 76 h 147"/>
+                <a:gd name="T38" fmla="*/ 26 w 147"/>
+                <a:gd name="T39" fmla="*/ 71 h 147"/>
+                <a:gd name="T40" fmla="*/ 34 w 147"/>
+                <a:gd name="T41" fmla="*/ 63 h 147"/>
+                <a:gd name="T42" fmla="*/ 39 w 147"/>
+                <a:gd name="T43" fmla="*/ 61 h 147"/>
+                <a:gd name="T44" fmla="*/ 43 w 147"/>
+                <a:gd name="T45" fmla="*/ 63 h 147"/>
+                <a:gd name="T46" fmla="*/ 65 w 147"/>
+                <a:gd name="T47" fmla="*/ 84 h 147"/>
+                <a:gd name="T48" fmla="*/ 104 w 147"/>
+                <a:gd name="T49" fmla="*/ 45 h 147"/>
+                <a:gd name="T50" fmla="*/ 108 w 147"/>
+                <a:gd name="T51" fmla="*/ 43 h 147"/>
+                <a:gd name="T52" fmla="*/ 112 w 147"/>
+                <a:gd name="T53" fmla="*/ 45 h 147"/>
+                <a:gd name="T54" fmla="*/ 121 w 147"/>
+                <a:gd name="T55" fmla="*/ 54 h 147"/>
+                <a:gd name="T56" fmla="*/ 123 w 147"/>
+                <a:gd name="T57" fmla="*/ 58 h 147"/>
+                <a:gd name="T58" fmla="*/ 121 w 147"/>
+                <a:gd name="T59" fmla="*/ 63 h 147"/>
+              </a:gdLst>
+              <a:ahLst/>
+              <a:cxnLst>
+                <a:cxn ang="0">
+                  <a:pos x="T0" y="T1"/>
+                </a:cxn>
+                <a:cxn ang="0">
+                  <a:pos x="T2" y="T3"/>
+                </a:cxn>
+                <a:cxn ang="0">
+                  <a:pos x="T4" y="T5"/>
+                </a:cxn>
+                <a:cxn ang="0">
+                  <a:pos x="T6" y="T7"/>
+                </a:cxn>
+                <a:cxn ang="0">
+                  <a:pos x="T8" y="T9"/>
+                </a:cxn>
+                <a:cxn ang="0">
+                  <a:pos x="T10" y="T11"/>
+                </a:cxn>
+                <a:cxn ang="0">
+                  <a:pos x="T12" y="T13"/>
+                </a:cxn>
+                <a:cxn ang="0">
+                  <a:pos x="T14" y="T15"/>
+                </a:cxn>
+                <a:cxn ang="0">
+                  <a:pos x="T16" y="T17"/>
+                </a:cxn>
+                <a:cxn ang="0">
+                  <a:pos x="T18" y="T19"/>
+                </a:cxn>
+                <a:cxn ang="0">
+                  <a:pos x="T20" y="T21"/>
+                </a:cxn>
+                <a:cxn ang="0">
+                  <a:pos x="T22" y="T23"/>
+                </a:cxn>
+                <a:cxn ang="0">
+                  <a:pos x="T24" y="T25"/>
+                </a:cxn>
+                <a:cxn ang="0">
+                  <a:pos x="T26" y="T27"/>
+                </a:cxn>
+                <a:cxn ang="0">
+                  <a:pos x="T28" y="T29"/>
+                </a:cxn>
+                <a:cxn ang="0">
+                  <a:pos x="T30" y="T31"/>
+                </a:cxn>
+                <a:cxn ang="0">
+                  <a:pos x="T32" y="T33"/>
+                </a:cxn>
+                <a:cxn ang="0">
+                  <a:pos x="T34" y="T35"/>
+                </a:cxn>
+                <a:cxn ang="0">
+                  <a:pos x="T36" y="T37"/>
+                </a:cxn>
+                <a:cxn ang="0">
+                  <a:pos x="T38" y="T39"/>
+                </a:cxn>
+                <a:cxn ang="0">
+                  <a:pos x="T40" y="T41"/>
+                </a:cxn>
+                <a:cxn ang="0">
+                  <a:pos x="T42" y="T43"/>
+                </a:cxn>
+                <a:cxn ang="0">
+                  <a:pos x="T44" y="T45"/>
+                </a:cxn>
+                <a:cxn ang="0">
+                  <a:pos x="T46" y="T47"/>
+                </a:cxn>
+                <a:cxn ang="0">
+                  <a:pos x="T48" y="T49"/>
+                </a:cxn>
+                <a:cxn ang="0">
+                  <a:pos x="T50" y="T51"/>
+                </a:cxn>
+                <a:cxn ang="0">
+                  <a:pos x="T52" y="T53"/>
+                </a:cxn>
+                <a:cxn ang="0">
+                  <a:pos x="T54" y="T55"/>
+                </a:cxn>
+                <a:cxn ang="0">
+                  <a:pos x="T56" y="T57"/>
+                </a:cxn>
+                <a:cxn ang="0">
+                  <a:pos x="T58" y="T59"/>
+                </a:cxn>
+              </a:cxnLst>
+              <a:rect l="0" t="0" r="r" b="b"/>
+              <a:pathLst>
+                <a:path w="147" h="147">
+                  <a:moveTo>
+                    <a:pt x="110" y="10"/>
+                  </a:moveTo>
+                  <a:cubicBezTo>
+                    <a:pt x="99" y="4"/>
+                    <a:pt x="87" y="0"/>
+                    <a:pt x="73" y="0"/>
+                  </a:cubicBezTo>
+                  <a:cubicBezTo>
+                    <a:pt x="60" y="0"/>
+                    <a:pt x="48" y="4"/>
+                    <a:pt x="36" y="10"/>
+                  </a:cubicBezTo>
+                  <a:cubicBezTo>
+                    <a:pt x="25" y="17"/>
+                    <a:pt x="16" y="26"/>
+                    <a:pt x="10" y="37"/>
+                  </a:cubicBezTo>
+                  <a:cubicBezTo>
+                    <a:pt x="3" y="48"/>
+                    <a:pt x="0" y="60"/>
+                    <a:pt x="0" y="74"/>
+                  </a:cubicBezTo>
+                  <a:cubicBezTo>
+                    <a:pt x="0" y="87"/>
+                    <a:pt x="3" y="99"/>
+                    <a:pt x="10" y="111"/>
+                  </a:cubicBezTo>
+                  <a:cubicBezTo>
+                    <a:pt x="16" y="122"/>
+                    <a:pt x="25" y="131"/>
+                    <a:pt x="36" y="137"/>
+                  </a:cubicBezTo>
+                  <a:cubicBezTo>
+                    <a:pt x="48" y="144"/>
+                    <a:pt x="60" y="147"/>
+                    <a:pt x="73" y="147"/>
+                  </a:cubicBezTo>
+                  <a:cubicBezTo>
+                    <a:pt x="87" y="147"/>
+                    <a:pt x="99" y="144"/>
+                    <a:pt x="110" y="137"/>
+                  </a:cubicBezTo>
+                  <a:cubicBezTo>
+                    <a:pt x="121" y="131"/>
+                    <a:pt x="130" y="122"/>
+                    <a:pt x="137" y="111"/>
+                  </a:cubicBezTo>
+                  <a:cubicBezTo>
+                    <a:pt x="143" y="99"/>
+                    <a:pt x="147" y="87"/>
+                    <a:pt x="147" y="74"/>
+                  </a:cubicBezTo>
+                  <a:cubicBezTo>
+                    <a:pt x="147" y="60"/>
+                    <a:pt x="143" y="48"/>
+                    <a:pt x="137" y="37"/>
+                  </a:cubicBezTo>
+                  <a:cubicBezTo>
+                    <a:pt x="130" y="26"/>
+                    <a:pt x="121" y="17"/>
+                    <a:pt x="110" y="10"/>
+                  </a:cubicBezTo>
+                  <a:close/>
+                  <a:moveTo>
+                    <a:pt x="121" y="63"/>
+                  </a:moveTo>
+                  <a:cubicBezTo>
+                    <a:pt x="69" y="114"/>
+                    <a:pt x="69" y="114"/>
+                    <a:pt x="69" y="114"/>
+                  </a:cubicBezTo>
+                  <a:cubicBezTo>
+                    <a:pt x="68" y="116"/>
+                    <a:pt x="66" y="116"/>
+                    <a:pt x="65" y="116"/>
+                  </a:cubicBezTo>
+                  <a:cubicBezTo>
+                    <a:pt x="63" y="116"/>
+                    <a:pt x="62" y="116"/>
+                    <a:pt x="60" y="114"/>
+                  </a:cubicBezTo>
+                  <a:cubicBezTo>
+                    <a:pt x="26" y="80"/>
+                    <a:pt x="26" y="80"/>
+                    <a:pt x="26" y="80"/>
+                  </a:cubicBezTo>
+                  <a:cubicBezTo>
+                    <a:pt x="25" y="79"/>
+                    <a:pt x="24" y="77"/>
+                    <a:pt x="24" y="76"/>
+                  </a:cubicBezTo>
+                  <a:cubicBezTo>
+                    <a:pt x="24" y="74"/>
+                    <a:pt x="25" y="72"/>
+                    <a:pt x="26" y="71"/>
+                  </a:cubicBezTo>
+                  <a:cubicBezTo>
+                    <a:pt x="34" y="63"/>
+                    <a:pt x="34" y="63"/>
+                    <a:pt x="34" y="63"/>
+                  </a:cubicBezTo>
+                  <a:cubicBezTo>
+                    <a:pt x="36" y="61"/>
+                    <a:pt x="37" y="61"/>
+                    <a:pt x="39" y="61"/>
+                  </a:cubicBezTo>
+                  <a:cubicBezTo>
+                    <a:pt x="40" y="61"/>
+                    <a:pt x="42" y="61"/>
+                    <a:pt x="43" y="63"/>
+                  </a:cubicBezTo>
+                  <a:cubicBezTo>
+                    <a:pt x="65" y="84"/>
+                    <a:pt x="65" y="84"/>
+                    <a:pt x="65" y="84"/>
+                  </a:cubicBezTo>
+                  <a:cubicBezTo>
+                    <a:pt x="104" y="45"/>
+                    <a:pt x="104" y="45"/>
+                    <a:pt x="104" y="45"/>
+                  </a:cubicBezTo>
+                  <a:cubicBezTo>
+                    <a:pt x="105" y="44"/>
+                    <a:pt x="106" y="43"/>
+                    <a:pt x="108" y="43"/>
+                  </a:cubicBezTo>
+                  <a:cubicBezTo>
+                    <a:pt x="110" y="43"/>
+                    <a:pt x="111" y="44"/>
+                    <a:pt x="112" y="45"/>
+                  </a:cubicBezTo>
+                  <a:cubicBezTo>
+                    <a:pt x="121" y="54"/>
+                    <a:pt x="121" y="54"/>
+                    <a:pt x="121" y="54"/>
+                  </a:cubicBezTo>
+                  <a:cubicBezTo>
+                    <a:pt x="122" y="55"/>
+                    <a:pt x="123" y="57"/>
+                    <a:pt x="123" y="58"/>
+                  </a:cubicBezTo>
+                  <a:cubicBezTo>
+                    <a:pt x="123" y="60"/>
+                    <a:pt x="122" y="61"/>
+                    <a:pt x="121" y="63"/>
+                  </a:cubicBezTo>
+                  <a:close/>
+                </a:path>
+              </a:pathLst>
+            </a:custGeom>
+            <a:solidFill>
+              <a:srgbClr val="00B050"/>
+            </a:solidFill>
+            <a:ln>
+              <a:noFill/>
+            </a:ln>
+            <a:extLst/>
+          </p:spPr>
+          <p:txBody>
+            <a:bodyPr vert="horz" wrap="square" lIns="91440" tIns="45720" rIns="91440" bIns="45720" numCol="1" anchor="t" anchorCtr="0" compatLnSpc="1">
+              <a:prstTxWarp prst="textNoShape">
+                <a:avLst/>
+              </a:prstTxWarp>
+            </a:bodyPr>
+            <a:lstStyle>
+              <a:defPPr>
+                <a:defRPr lang="en-US"/>
+              </a:defPPr>
+              <a:lvl1pPr marL="0" algn="l" defTabSz="914400" rtl="0" eaLnBrk="1" latinLnBrk="0" hangingPunct="1">
+                <a:defRPr sz="1800" kern="1200">
+                  <a:solidFill>
+                    <a:schemeClr val="tx1"/>
+                  </a:solidFill>
+                  <a:latin typeface="+mn-lt"/>
+                  <a:ea typeface="+mn-ea"/>
+                  <a:cs typeface="+mn-cs"/>
+                </a:defRPr>
+              </a:lvl1pPr>
+              <a:lvl2pPr marL="457200" algn="l" defTabSz="914400" rtl="0" eaLnBrk="1" latinLnBrk="0" hangingPunct="1">
+                <a:defRPr sz="1800" kern="1200">
+                  <a:solidFill>
+                    <a:schemeClr val="tx1"/>
+                  </a:solidFill>
+                  <a:latin typeface="+mn-lt"/>
+                  <a:ea typeface="+mn-ea"/>
+                  <a:cs typeface="+mn-cs"/>
+                </a:defRPr>
+              </a:lvl2pPr>
+              <a:lvl3pPr marL="914400" algn="l" defTabSz="914400" rtl="0" eaLnBrk="1" latinLnBrk="0" hangingPunct="1">
+                <a:defRPr sz="1800" kern="1200">
+                  <a:solidFill>
+                    <a:schemeClr val="tx1"/>
+                  </a:solidFill>
+                  <a:latin typeface="+mn-lt"/>
+                  <a:ea typeface="+mn-ea"/>
+                  <a:cs typeface="+mn-cs"/>
+                </a:defRPr>
+              </a:lvl3pPr>
+              <a:lvl4pPr marL="1371600" algn="l" defTabSz="914400" rtl="0" eaLnBrk="1" latinLnBrk="0" hangingPunct="1">
+                <a:defRPr sz="1800" kern="1200">
+                  <a:solidFill>
+                    <a:schemeClr val="tx1"/>
+                  </a:solidFill>
+                  <a:latin typeface="+mn-lt"/>
+                  <a:ea typeface="+mn-ea"/>
+                  <a:cs typeface="+mn-cs"/>
+                </a:defRPr>
+              </a:lvl4pPr>
+              <a:lvl5pPr marL="1828800" algn="l" defTabSz="914400" rtl="0" eaLnBrk="1" latinLnBrk="0" hangingPunct="1">
+                <a:defRPr sz="1800" kern="1200">
+                  <a:solidFill>
+                    <a:schemeClr val="tx1"/>
+                  </a:solidFill>
+                  <a:latin typeface="+mn-lt"/>
+                  <a:ea typeface="+mn-ea"/>
+                  <a:cs typeface="+mn-cs"/>
+                </a:defRPr>
+              </a:lvl5pPr>
+              <a:lvl6pPr marL="2286000" algn="l" defTabSz="914400" rtl="0" eaLnBrk="1" latinLnBrk="0" hangingPunct="1">
+                <a:defRPr sz="1800" kern="1200">
+                  <a:solidFill>
+                    <a:schemeClr val="tx1"/>
+                  </a:solidFill>
+                  <a:latin typeface="+mn-lt"/>
+                  <a:ea typeface="+mn-ea"/>
+                  <a:cs typeface="+mn-cs"/>
+                </a:defRPr>
+              </a:lvl6pPr>
+              <a:lvl7pPr marL="2743200" algn="l" defTabSz="914400" rtl="0" eaLnBrk="1" latinLnBrk="0" hangingPunct="1">
+                <a:defRPr sz="1800" kern="1200">
+                  <a:solidFill>
+                    <a:schemeClr val="tx1"/>
+                  </a:solidFill>
+                  <a:latin typeface="+mn-lt"/>
+                  <a:ea typeface="+mn-ea"/>
+                  <a:cs typeface="+mn-cs"/>
+                </a:defRPr>
+              </a:lvl7pPr>
+              <a:lvl8pPr marL="3200400" algn="l" defTabSz="914400" rtl="0" eaLnBrk="1" latinLnBrk="0" hangingPunct="1">
+                <a:defRPr sz="1800" kern="1200">
+                  <a:solidFill>
+                    <a:schemeClr val="tx1"/>
+                  </a:solidFill>
+                  <a:latin typeface="+mn-lt"/>
+                  <a:ea typeface="+mn-ea"/>
+                  <a:cs typeface="+mn-cs"/>
+                </a:defRPr>
+              </a:lvl8pPr>
+              <a:lvl9pPr marL="3657600" algn="l" defTabSz="914400" rtl="0" eaLnBrk="1" latinLnBrk="0" hangingPunct="1">
+                <a:defRPr sz="1800" kern="1200">
+                  <a:solidFill>
+                    <a:schemeClr val="tx1"/>
+                  </a:solidFill>
+                  <a:latin typeface="+mn-lt"/>
+                  <a:ea typeface="+mn-ea"/>
+                  <a:cs typeface="+mn-cs"/>
+                </a:defRPr>
+              </a:lvl9pPr>
+            </a:lstStyle>
+            <a:p>
+              <a:endParaRPr lang="en-CA"/>
+            </a:p>
+          </p:txBody>
+        </p:sp>
+      </p:grpSp>
+    </p:spTree>
+    <p:extLst>
+      <p:ext uri="{BB962C8B-B14F-4D97-AF65-F5344CB8AC3E}">
+        <p14:creationId xmlns:p14="http://schemas.microsoft.com/office/powerpoint/2010/main" val="294959676"/>
+      </p:ext>
+    </p:extLst>
+  </p:cSld>
+  <p:clrMapOvr>
+    <a:masterClrMapping/>
+  </p:clrMapOvr>
+  <p:timing>
+    <p:tnLst>
+      <p:par>
+        <p:cTn id="1" dur="indefinite" restart="never" nodeType="tmRoot"/>
+      </p:par>
+    </p:tnLst>
+  </p:timing>
+</p:sld>
+</file>
+
+<file path=ppt/slides/slide15.xml><?xml version="1.0" encoding="utf-8"?>
+<p:sld xmlns:a="http://schemas.openxmlformats.org/drawingml/2006/main" xmlns:r="http://schemas.openxmlformats.org/officeDocument/2006/relationships" xmlns:p="http://schemas.openxmlformats.org/presentationml/2006/main">
+  <p:cSld>
+    <p:spTree>
+      <p:nvGrpSpPr>
+        <p:cNvPr id="1" name=""/>
+        <p:cNvGrpSpPr/>
+        <p:nvPr/>
+      </p:nvGrpSpPr>
+      <p:grpSpPr>
+        <a:xfrm>
+          <a:off x="0" y="0"/>
+          <a:ext cx="0" cy="0"/>
+          <a:chOff x="0" y="0"/>
+          <a:chExt cx="0" cy="0"/>
+        </a:xfrm>
+      </p:grpSpPr>
+      <p:sp>
+        <p:nvSpPr>
+          <p:cNvPr id="2" name="Title 1"/>
+          <p:cNvSpPr>
+            <a:spLocks noGrp="1"/>
+          </p:cNvSpPr>
+          <p:nvPr>
+            <p:ph type="title"/>
+          </p:nvPr>
+        </p:nvSpPr>
+        <p:spPr/>
+        <p:txBody>
+          <a:bodyPr/>
+          <a:lstStyle/>
+          <a:p>
+            <a:r>
+              <a:rPr lang="en-CA" dirty="0" smtClean="0"/>
+              <a:t>Digital Task Force</a:t>
+            </a:r>
+            <a:endParaRPr lang="en-CA" dirty="0"/>
+          </a:p>
+        </p:txBody>
+      </p:sp>
+      <p:sp>
+        <p:nvSpPr>
+          <p:cNvPr id="4" name="Slide Number Placeholder 3"/>
+          <p:cNvSpPr>
+            <a:spLocks noGrp="1"/>
+          </p:cNvSpPr>
+          <p:nvPr>
+            <p:ph type="sldNum" sz="quarter" idx="4"/>
+          </p:nvPr>
+        </p:nvSpPr>
+        <p:spPr/>
+        <p:txBody>
+          <a:bodyPr/>
+          <a:lstStyle/>
+          <a:p>
+            <a:fld id="{105822BA-B7AE-4DDB-BAFC-C8E55FB5C986}" type="slidenum">
+              <a:rPr lang="en-CA" smtClean="0"/>
+              <a:pPr/>
+              <a:t>15</a:t>
             </a:fld>
             <a:r>
               <a:rPr lang="en-CA" smtClean="0"/>
@@ -8401,7 +10481,7 @@
 </p:sld>
 </file>
 
-<file path=ppt/slides/slide12.xml><?xml version="1.0" encoding="utf-8"?>
+<file path=ppt/slides/slide16.xml><?xml version="1.0" encoding="utf-8"?>
 <p:sld xmlns:a="http://schemas.openxmlformats.org/drawingml/2006/main" xmlns:r="http://schemas.openxmlformats.org/officeDocument/2006/relationships" xmlns:p="http://schemas.openxmlformats.org/presentationml/2006/main">
   <p:cSld>
     <p:spTree>
@@ -8516,7 +10596,7 @@
             <a:fld id="{105822BA-B7AE-4DDB-BAFC-C8E55FB5C986}" type="slidenum">
               <a:rPr lang="en-CA" smtClean="0"/>
               <a:pPr/>
-              <a:t>12</a:t>
+              <a:t>16</a:t>
             </a:fld>
             <a:r>
               <a:rPr lang="en-CA" smtClean="0"/>
@@ -8546,7 +10626,7 @@
 </p:sld>
 </file>
 
-<file path=ppt/slides/slide13.xml><?xml version="1.0" encoding="utf-8"?>
+<file path=ppt/slides/slide17.xml><?xml version="1.0" encoding="utf-8"?>
 <p:sld xmlns:a="http://schemas.openxmlformats.org/drawingml/2006/main" xmlns:r="http://schemas.openxmlformats.org/officeDocument/2006/relationships" xmlns:p="http://schemas.openxmlformats.org/presentationml/2006/main">
   <p:cSld>
     <p:spTree>
@@ -8577,10 +10657,10 @@
           <a:prstGeom prst="line">
             <a:avLst/>
           </a:prstGeom>
-          <a:ln w="50800" cap="rnd">
+          <a:ln w="63500" cap="rnd">
             <a:solidFill>
               <a:schemeClr val="bg1">
-                <a:lumMod val="75000"/>
+                <a:lumMod val="85000"/>
               </a:schemeClr>
             </a:solidFill>
           </a:ln>
@@ -8677,7 +10757,7 @@
             <a:fld id="{105822BA-B7AE-4DDB-BAFC-C8E55FB5C986}" type="slidenum">
               <a:rPr lang="en-CA" smtClean="0"/>
               <a:pPr/>
-              <a:t>13</a:t>
+              <a:t>17</a:t>
             </a:fld>
             <a:r>
               <a:rPr lang="en-CA" smtClean="0"/>
@@ -8741,8 +10821,8 @@
         </p:nvSpPr>
         <p:spPr>
           <a:xfrm>
-            <a:off x="4772214" y="5094668"/>
-            <a:ext cx="353085" cy="353085"/>
+            <a:off x="4963073" y="5210711"/>
+            <a:ext cx="237042" cy="237042"/>
           </a:xfrm>
           <a:prstGeom prst="ellipse">
             <a:avLst/>
@@ -8750,10 +10830,10 @@
           <a:solidFill>
             <a:schemeClr val="bg1"/>
           </a:solidFill>
-          <a:ln w="50800">
+          <a:ln w="63500">
             <a:solidFill>
               <a:schemeClr val="bg1">
-                <a:lumMod val="75000"/>
+                <a:lumMod val="65000"/>
               </a:schemeClr>
             </a:solidFill>
           </a:ln>
@@ -8791,8 +10871,8 @@
         </p:nvSpPr>
         <p:spPr>
           <a:xfrm>
-            <a:off x="5965009" y="5094668"/>
-            <a:ext cx="353085" cy="353085"/>
+            <a:off x="6081052" y="5210711"/>
+            <a:ext cx="237042" cy="237042"/>
           </a:xfrm>
           <a:prstGeom prst="ellipse">
             <a:avLst/>
@@ -8800,10 +10880,10 @@
           <a:solidFill>
             <a:schemeClr val="bg1"/>
           </a:solidFill>
-          <a:ln w="50800">
+          <a:ln w="63500">
             <a:solidFill>
               <a:schemeClr val="bg1">
-                <a:lumMod val="75000"/>
+                <a:lumMod val="65000"/>
               </a:schemeClr>
             </a:solidFill>
           </a:ln>
@@ -8841,8 +10921,8 @@
         </p:nvSpPr>
         <p:spPr>
           <a:xfrm>
-            <a:off x="7120646" y="5094668"/>
-            <a:ext cx="353085" cy="353085"/>
+            <a:off x="7153560" y="5210711"/>
+            <a:ext cx="237042" cy="237042"/>
           </a:xfrm>
           <a:prstGeom prst="ellipse">
             <a:avLst/>
@@ -8850,10 +10930,10 @@
           <a:solidFill>
             <a:schemeClr val="bg1"/>
           </a:solidFill>
-          <a:ln w="50800">
+          <a:ln w="63500">
             <a:solidFill>
               <a:schemeClr val="bg1">
-                <a:lumMod val="75000"/>
+                <a:lumMod val="65000"/>
               </a:schemeClr>
             </a:solidFill>
           </a:ln>
@@ -8895,17 +10975,17 @@
         <p:spPr>
           <a:xfrm>
             <a:off x="2729582" y="3393903"/>
-            <a:ext cx="2042632" cy="1877308"/>
+            <a:ext cx="2233491" cy="1935329"/>
           </a:xfrm>
           <a:prstGeom prst="curvedConnector3">
             <a:avLst>
               <a:gd name="adj1" fmla="val 50000"/>
             </a:avLst>
           </a:prstGeom>
-          <a:ln w="50800">
+          <a:ln w="63500">
             <a:solidFill>
               <a:schemeClr val="bg1">
-                <a:lumMod val="75000"/>
+                <a:lumMod val="65000"/>
               </a:schemeClr>
             </a:solidFill>
           </a:ln>
@@ -8936,16 +11016,16 @@
         </p:nvCxnSpPr>
         <p:spPr>
           <a:xfrm flipV="1">
-            <a:off x="7473731" y="3408487"/>
-            <a:ext cx="1853065" cy="1862724"/>
+            <a:off x="7390602" y="3389641"/>
+            <a:ext cx="1936194" cy="1939591"/>
           </a:xfrm>
           <a:prstGeom prst="curvedConnector3">
             <a:avLst/>
           </a:prstGeom>
-          <a:ln w="50800">
+          <a:ln w="63500">
             <a:solidFill>
               <a:schemeClr val="bg1">
-                <a:lumMod val="75000"/>
+                <a:lumMod val="65000"/>
               </a:schemeClr>
             </a:solidFill>
           </a:ln>
@@ -8976,16 +11056,16 @@
         </p:nvCxnSpPr>
         <p:spPr>
           <a:xfrm>
-            <a:off x="5125299" y="5271211"/>
-            <a:ext cx="839710" cy="0"/>
+            <a:off x="5200115" y="5329232"/>
+            <a:ext cx="880937" cy="0"/>
           </a:xfrm>
           <a:prstGeom prst="line">
             <a:avLst/>
           </a:prstGeom>
-          <a:ln w="50800">
+          <a:ln w="63500">
             <a:solidFill>
               <a:schemeClr val="bg1">
-                <a:lumMod val="75000"/>
+                <a:lumMod val="65000"/>
               </a:schemeClr>
             </a:solidFill>
           </a:ln>
@@ -9016,16 +11096,16 @@
         </p:nvCxnSpPr>
         <p:spPr>
           <a:xfrm>
-            <a:off x="6318094" y="5271211"/>
-            <a:ext cx="802552" cy="0"/>
+            <a:off x="6318094" y="5329232"/>
+            <a:ext cx="835466" cy="0"/>
           </a:xfrm>
           <a:prstGeom prst="line">
             <a:avLst/>
           </a:prstGeom>
-          <a:ln w="50800">
+          <a:ln w="63500">
             <a:solidFill>
               <a:schemeClr val="bg1">
-                <a:lumMod val="75000"/>
+                <a:lumMod val="65000"/>
               </a:schemeClr>
             </a:solidFill>
           </a:ln>
@@ -9055,7 +11135,7 @@
         </p:nvSpPr>
         <p:spPr bwMode="auto">
           <a:xfrm>
-            <a:off x="2292612" y="3200906"/>
+            <a:off x="2284299" y="3209219"/>
             <a:ext cx="260427" cy="387780"/>
           </a:xfrm>
           <a:custGeom>
@@ -9684,8 +11764,8 @@
         </p:nvSpPr>
         <p:spPr>
           <a:xfrm>
-            <a:off x="1572801" y="3782576"/>
-            <a:ext cx="1637933" cy="307777"/>
+            <a:off x="1517654" y="3766121"/>
+            <a:ext cx="1749801" cy="523220"/>
           </a:xfrm>
           <a:prstGeom prst="rect">
             <a:avLst/>
@@ -9701,7 +11781,14 @@
             <a:pPr algn="ctr"/>
             <a:r>
               <a:rPr lang="en-CA" sz="1400" dirty="0" smtClean="0"/>
-              <a:t>Branch</a:t>
+              <a:t>Create a</a:t>
+            </a:r>
+          </a:p>
+          <a:p>
+            <a:pPr algn="ctr"/>
+            <a:r>
+              <a:rPr lang="en-CA" sz="1400" dirty="0" smtClean="0"/>
+              <a:t>branch</a:t>
             </a:r>
             <a:endParaRPr lang="en-CA" sz="1400" dirty="0"/>
           </a:p>
@@ -9715,8 +11802,8 @@
         </p:nvSpPr>
         <p:spPr>
           <a:xfrm>
-            <a:off x="8858218" y="3803955"/>
-            <a:ext cx="1637933" cy="307777"/>
+            <a:off x="8859365" y="3753783"/>
+            <a:ext cx="1637933" cy="523220"/>
           </a:xfrm>
           <a:prstGeom prst="rect">
             <a:avLst/>
@@ -9732,7 +11819,14 @@
             <a:pPr algn="ctr"/>
             <a:r>
               <a:rPr lang="en-CA" sz="1400" dirty="0" smtClean="0"/>
-              <a:t>Merge</a:t>
+              <a:t>Merge </a:t>
+            </a:r>
+            <a:br>
+              <a:rPr lang="en-CA" sz="1400" dirty="0" smtClean="0"/>
+            </a:br>
+            <a:r>
+              <a:rPr lang="en-CA" sz="1400" dirty="0" smtClean="0"/>
+              <a:t>changes</a:t>
             </a:r>
             <a:endParaRPr lang="en-CA" sz="1400" dirty="0"/>
           </a:p>
@@ -9747,7 +11841,7 @@
         <p:spPr>
           <a:xfrm>
             <a:off x="5138879" y="5575382"/>
-            <a:ext cx="2005344" cy="307777"/>
+            <a:ext cx="2005344" cy="523220"/>
           </a:xfrm>
           <a:prstGeom prst="rect">
             <a:avLst/>
@@ -9763,7 +11857,22 @@
             <a:pPr algn="ctr"/>
             <a:r>
               <a:rPr lang="en-CA" sz="1400" dirty="0" smtClean="0"/>
-              <a:t>Make changes</a:t>
+              <a:t>Make </a:t>
+            </a:r>
+            <a:r>
+              <a:rPr lang="en-CA" sz="1400" dirty="0" smtClean="0"/>
+              <a:t>changes </a:t>
+            </a:r>
+          </a:p>
+          <a:p>
+            <a:pPr algn="ctr"/>
+            <a:r>
+              <a:rPr lang="en-CA" sz="1400" dirty="0"/>
+              <a:t>i</a:t>
+            </a:r>
+            <a:r>
+              <a:rPr lang="en-CA" sz="1400" dirty="0" smtClean="0"/>
+              <a:t>n branch</a:t>
             </a:r>
             <a:endParaRPr lang="en-CA" sz="1400" dirty="0"/>
           </a:p>
@@ -9808,7 +11917,7 @@
         </p:nvSpPr>
         <p:spPr>
           <a:xfrm>
-            <a:off x="9326796" y="3058097"/>
+            <a:off x="9326796" y="3039251"/>
             <a:ext cx="700779" cy="700779"/>
           </a:xfrm>
           <a:prstGeom prst="ellipse">
@@ -9868,7 +11977,7 @@
         </p:blipFill>
         <p:spPr>
           <a:xfrm>
-            <a:off x="9506334" y="3221731"/>
+            <a:off x="9506334" y="3194572"/>
             <a:ext cx="347093" cy="373512"/>
           </a:xfrm>
           <a:prstGeom prst="rect">
@@ -9884,8 +11993,8 @@
         </p:nvSpPr>
         <p:spPr>
           <a:xfrm>
-            <a:off x="11050821" y="3217361"/>
-            <a:ext cx="353085" cy="353085"/>
+            <a:off x="10663557" y="3262807"/>
+            <a:ext cx="237042" cy="237042"/>
           </a:xfrm>
           <a:prstGeom prst="ellipse">
             <a:avLst/>
@@ -9893,60 +12002,10 @@
           <a:solidFill>
             <a:schemeClr val="bg1"/>
           </a:solidFill>
-          <a:ln w="50800">
+          <a:ln w="63500">
             <a:solidFill>
               <a:schemeClr val="bg1">
-                <a:lumMod val="75000"/>
-              </a:schemeClr>
-            </a:solidFill>
-          </a:ln>
-        </p:spPr>
-        <p:style>
-          <a:lnRef idx="2">
-            <a:schemeClr val="accent1">
-              <a:shade val="50000"/>
-            </a:schemeClr>
-          </a:lnRef>
-          <a:fillRef idx="1">
-            <a:schemeClr val="accent1"/>
-          </a:fillRef>
-          <a:effectRef idx="0">
-            <a:schemeClr val="accent1"/>
-          </a:effectRef>
-          <a:fontRef idx="minor">
-            <a:schemeClr val="lt1"/>
-          </a:fontRef>
-        </p:style>
-        <p:txBody>
-          <a:bodyPr rtlCol="0" anchor="ctr"/>
-          <a:lstStyle/>
-          <a:p>
-            <a:pPr algn="ctr"/>
-            <a:endParaRPr lang="en-CA"/>
-          </a:p>
-        </p:txBody>
-      </p:sp>
-      <p:sp>
-        <p:nvSpPr>
-          <p:cNvPr id="84" name="Oval 83"/>
-          <p:cNvSpPr/>
-          <p:nvPr/>
-        </p:nvSpPr>
-        <p:spPr>
-          <a:xfrm>
-            <a:off x="753767" y="3217361"/>
-            <a:ext cx="353085" cy="353085"/>
-          </a:xfrm>
-          <a:prstGeom prst="ellipse">
-            <a:avLst/>
-          </a:prstGeom>
-          <a:solidFill>
-            <a:schemeClr val="bg1"/>
-          </a:solidFill>
-          <a:ln w="50800">
-            <a:solidFill>
-              <a:schemeClr val="bg1">
-                <a:lumMod val="75000"/>
+                <a:lumMod val="85000"/>
               </a:schemeClr>
             </a:solidFill>
           </a:ln>
@@ -10566,431 +12625,160 @@
           </p:spPr>
         </p:pic>
       </p:grpSp>
-    </p:spTree>
-    <p:extLst>
-      <p:ext uri="{BB962C8B-B14F-4D97-AF65-F5344CB8AC3E}">
-        <p14:creationId xmlns:p14="http://schemas.microsoft.com/office/powerpoint/2010/main" val="4178867683"/>
-      </p:ext>
-    </p:extLst>
-  </p:cSld>
-  <p:clrMapOvr>
-    <a:masterClrMapping/>
-  </p:clrMapOvr>
-  <p:timing>
-    <p:tnLst>
-      <p:par>
-        <p:cTn id="1" dur="indefinite" restart="never" nodeType="tmRoot"/>
-      </p:par>
-    </p:tnLst>
-  </p:timing>
-</p:sld>
-</file>
-
-<file path=ppt/slides/slide14.xml><?xml version="1.0" encoding="utf-8"?>
-<p:sld xmlns:a="http://schemas.openxmlformats.org/drawingml/2006/main" xmlns:r="http://schemas.openxmlformats.org/officeDocument/2006/relationships" xmlns:p="http://schemas.openxmlformats.org/presentationml/2006/main">
-  <p:cSld>
-    <p:spTree>
-      <p:nvGrpSpPr>
-        <p:cNvPr id="1" name=""/>
-        <p:cNvGrpSpPr/>
-        <p:nvPr/>
-      </p:nvGrpSpPr>
-      <p:grpSpPr>
-        <a:xfrm>
-          <a:off x="0" y="0"/>
-          <a:ext cx="0" cy="0"/>
-          <a:chOff x="0" y="0"/>
-          <a:chExt cx="0" cy="0"/>
-        </a:xfrm>
-      </p:grpSpPr>
       <p:sp>
         <p:nvSpPr>
-          <p:cNvPr id="2" name="Title 1"/>
-          <p:cNvSpPr>
-            <a:spLocks noGrp="1"/>
-          </p:cNvSpPr>
-          <p:nvPr>
-            <p:ph type="title"/>
-          </p:nvPr>
+          <p:cNvPr id="33" name="Oval 32"/>
+          <p:cNvSpPr/>
+          <p:nvPr/>
         </p:nvSpPr>
-        <p:spPr/>
+        <p:spPr>
+          <a:xfrm>
+            <a:off x="11673177" y="3262807"/>
+            <a:ext cx="237042" cy="237042"/>
+          </a:xfrm>
+          <a:prstGeom prst="ellipse">
+            <a:avLst/>
+          </a:prstGeom>
+          <a:solidFill>
+            <a:schemeClr val="bg1"/>
+          </a:solidFill>
+          <a:ln w="63500">
+            <a:solidFill>
+              <a:schemeClr val="bg1">
+                <a:lumMod val="85000"/>
+              </a:schemeClr>
+            </a:solidFill>
+          </a:ln>
+        </p:spPr>
+        <p:style>
+          <a:lnRef idx="2">
+            <a:schemeClr val="accent1">
+              <a:shade val="50000"/>
+            </a:schemeClr>
+          </a:lnRef>
+          <a:fillRef idx="1">
+            <a:schemeClr val="accent1"/>
+          </a:fillRef>
+          <a:effectRef idx="0">
+            <a:schemeClr val="accent1"/>
+          </a:effectRef>
+          <a:fontRef idx="minor">
+            <a:schemeClr val="lt1"/>
+          </a:fontRef>
+        </p:style>
         <p:txBody>
-          <a:bodyPr/>
+          <a:bodyPr rtlCol="0" anchor="ctr"/>
           <a:lstStyle/>
           <a:p>
-            <a:r>
-              <a:rPr lang="en-CA" dirty="0" smtClean="0"/>
-              <a:t>DevOps</a:t>
-            </a:r>
-            <a:endParaRPr lang="en-CA" dirty="0"/>
+            <a:pPr algn="ctr"/>
+            <a:endParaRPr lang="en-CA"/>
           </a:p>
         </p:txBody>
       </p:sp>
       <p:sp>
         <p:nvSpPr>
-          <p:cNvPr id="3" name="Content Placeholder 2"/>
-          <p:cNvSpPr>
-            <a:spLocks noGrp="1"/>
-          </p:cNvSpPr>
-          <p:nvPr>
-            <p:ph idx="1"/>
-          </p:nvPr>
+          <p:cNvPr id="34" name="Oval 33"/>
+          <p:cNvSpPr/>
+          <p:nvPr/>
         </p:nvSpPr>
-        <p:spPr/>
+        <p:spPr>
+          <a:xfrm>
+            <a:off x="262629" y="3262807"/>
+            <a:ext cx="237042" cy="237042"/>
+          </a:xfrm>
+          <a:prstGeom prst="ellipse">
+            <a:avLst/>
+          </a:prstGeom>
+          <a:solidFill>
+            <a:schemeClr val="bg1"/>
+          </a:solidFill>
+          <a:ln w="63500">
+            <a:solidFill>
+              <a:schemeClr val="bg1">
+                <a:lumMod val="85000"/>
+              </a:schemeClr>
+            </a:solidFill>
+          </a:ln>
+        </p:spPr>
+        <p:style>
+          <a:lnRef idx="2">
+            <a:schemeClr val="accent1">
+              <a:shade val="50000"/>
+            </a:schemeClr>
+          </a:lnRef>
+          <a:fillRef idx="1">
+            <a:schemeClr val="accent1"/>
+          </a:fillRef>
+          <a:effectRef idx="0">
+            <a:schemeClr val="accent1"/>
+          </a:effectRef>
+          <a:fontRef idx="minor">
+            <a:schemeClr val="lt1"/>
+          </a:fontRef>
+        </p:style>
         <p:txBody>
-          <a:bodyPr/>
+          <a:bodyPr rtlCol="0" anchor="ctr"/>
           <a:lstStyle/>
           <a:p>
-            <a:pPr marL="285750" indent="-285750">
-              <a:buFont typeface="Arial" panose="020B0604020202020204" pitchFamily="34" charset="0"/>
-              <a:buChar char="•"/>
-            </a:pPr>
-            <a:r>
-              <a:rPr lang="en-CA" dirty="0" smtClean="0"/>
-              <a:t>Essential for delivery a modern digital service</a:t>
-            </a:r>
-            <a:br>
-              <a:rPr lang="en-CA" dirty="0" smtClean="0"/>
-            </a:br>
-            <a:endParaRPr lang="en-CA" dirty="0" smtClean="0"/>
-          </a:p>
-          <a:p>
-            <a:pPr marL="285750" indent="-285750">
-              <a:buFont typeface="Arial" panose="020B0604020202020204" pitchFamily="34" charset="0"/>
-              <a:buChar char="•"/>
-            </a:pPr>
-            <a:r>
-              <a:rPr lang="en-CA" dirty="0" smtClean="0"/>
-              <a:t>Continuous integration, delivery, deployment and testing</a:t>
-            </a:r>
-            <a:br>
-              <a:rPr lang="en-CA" dirty="0" smtClean="0"/>
-            </a:br>
-            <a:endParaRPr lang="en-CA" dirty="0" smtClean="0"/>
+            <a:pPr algn="ctr"/>
+            <a:endParaRPr lang="en-CA"/>
           </a:p>
         </p:txBody>
       </p:sp>
       <p:sp>
         <p:nvSpPr>
-          <p:cNvPr id="4" name="Slide Number Placeholder 3"/>
-          <p:cNvSpPr>
-            <a:spLocks noGrp="1"/>
-          </p:cNvSpPr>
-          <p:nvPr>
-            <p:ph type="sldNum" sz="quarter" idx="4"/>
-          </p:nvPr>
+          <p:cNvPr id="35" name="Oval 34"/>
+          <p:cNvSpPr/>
+          <p:nvPr/>
         </p:nvSpPr>
-        <p:spPr/>
+        <p:spPr>
+          <a:xfrm>
+            <a:off x="1214059" y="3262807"/>
+            <a:ext cx="237042" cy="237042"/>
+          </a:xfrm>
+          <a:prstGeom prst="ellipse">
+            <a:avLst/>
+          </a:prstGeom>
+          <a:solidFill>
+            <a:schemeClr val="bg1"/>
+          </a:solidFill>
+          <a:ln w="63500">
+            <a:solidFill>
+              <a:schemeClr val="bg1">
+                <a:lumMod val="85000"/>
+              </a:schemeClr>
+            </a:solidFill>
+          </a:ln>
+        </p:spPr>
+        <p:style>
+          <a:lnRef idx="2">
+            <a:schemeClr val="accent1">
+              <a:shade val="50000"/>
+            </a:schemeClr>
+          </a:lnRef>
+          <a:fillRef idx="1">
+            <a:schemeClr val="accent1"/>
+          </a:fillRef>
+          <a:effectRef idx="0">
+            <a:schemeClr val="accent1"/>
+          </a:effectRef>
+          <a:fontRef idx="minor">
+            <a:schemeClr val="lt1"/>
+          </a:fontRef>
+        </p:style>
         <p:txBody>
-          <a:bodyPr/>
+          <a:bodyPr rtlCol="0" anchor="ctr"/>
           <a:lstStyle/>
           <a:p>
-            <a:fld id="{105822BA-B7AE-4DDB-BAFC-C8E55FB5C986}" type="slidenum">
-              <a:rPr lang="en-CA" smtClean="0"/>
-              <a:pPr/>
-              <a:t>14</a:t>
-            </a:fld>
-            <a:r>
-              <a:rPr lang="en-CA" smtClean="0"/>
-              <a:t> </a:t>
-            </a:r>
-            <a:endParaRPr lang="en-CA" dirty="0"/>
+            <a:pPr algn="ctr"/>
+            <a:endParaRPr lang="en-CA"/>
           </a:p>
         </p:txBody>
       </p:sp>
     </p:spTree>
     <p:extLst>
       <p:ext uri="{BB962C8B-B14F-4D97-AF65-F5344CB8AC3E}">
-        <p14:creationId xmlns:p14="http://schemas.microsoft.com/office/powerpoint/2010/main" val="1789839604"/>
-      </p:ext>
-    </p:extLst>
-  </p:cSld>
-  <p:clrMapOvr>
-    <a:masterClrMapping/>
-  </p:clrMapOvr>
-  <p:timing>
-    <p:tnLst>
-      <p:par>
-        <p:cTn id="1" dur="indefinite" restart="never" nodeType="tmRoot"/>
-      </p:par>
-    </p:tnLst>
-  </p:timing>
-</p:sld>
-</file>
-
-<file path=ppt/slides/slide15.xml><?xml version="1.0" encoding="utf-8"?>
-<p:sld xmlns:a="http://schemas.openxmlformats.org/drawingml/2006/main" xmlns:r="http://schemas.openxmlformats.org/officeDocument/2006/relationships" xmlns:p="http://schemas.openxmlformats.org/presentationml/2006/main">
-  <p:cSld>
-    <p:spTree>
-      <p:nvGrpSpPr>
-        <p:cNvPr id="1" name=""/>
-        <p:cNvGrpSpPr/>
-        <p:nvPr/>
-      </p:nvGrpSpPr>
-      <p:grpSpPr>
-        <a:xfrm>
-          <a:off x="0" y="0"/>
-          <a:ext cx="0" cy="0"/>
-          <a:chOff x="0" y="0"/>
-          <a:chExt cx="0" cy="0"/>
-        </a:xfrm>
-      </p:grpSpPr>
-      <p:sp>
-        <p:nvSpPr>
-          <p:cNvPr id="2" name="Title 1"/>
-          <p:cNvSpPr>
-            <a:spLocks noGrp="1"/>
-          </p:cNvSpPr>
-          <p:nvPr>
-            <p:ph type="title"/>
-          </p:nvPr>
-        </p:nvSpPr>
-        <p:spPr/>
-        <p:txBody>
-          <a:bodyPr/>
-          <a:lstStyle/>
-          <a:p>
-            <a:r>
-              <a:rPr lang="en-CA" dirty="0" smtClean="0"/>
-              <a:t>Movie of pipeline/automated tests running</a:t>
-            </a:r>
-            <a:endParaRPr lang="en-CA" dirty="0"/>
-          </a:p>
-        </p:txBody>
-      </p:sp>
-      <p:sp>
-        <p:nvSpPr>
-          <p:cNvPr id="4" name="Slide Number Placeholder 3"/>
-          <p:cNvSpPr>
-            <a:spLocks noGrp="1"/>
-          </p:cNvSpPr>
-          <p:nvPr>
-            <p:ph type="sldNum" sz="quarter" idx="4"/>
-          </p:nvPr>
-        </p:nvSpPr>
-        <p:spPr/>
-        <p:txBody>
-          <a:bodyPr/>
-          <a:lstStyle/>
-          <a:p>
-            <a:fld id="{105822BA-B7AE-4DDB-BAFC-C8E55FB5C986}" type="slidenum">
-              <a:rPr lang="en-CA" smtClean="0"/>
-              <a:pPr/>
-              <a:t>15</a:t>
-            </a:fld>
-            <a:r>
-              <a:rPr lang="en-CA" smtClean="0"/>
-              <a:t> </a:t>
-            </a:r>
-            <a:endParaRPr lang="en-CA" dirty="0"/>
-          </a:p>
-        </p:txBody>
-      </p:sp>
-    </p:spTree>
-    <p:extLst>
-      <p:ext uri="{BB962C8B-B14F-4D97-AF65-F5344CB8AC3E}">
-        <p14:creationId xmlns:p14="http://schemas.microsoft.com/office/powerpoint/2010/main" val="2270575679"/>
-      </p:ext>
-    </p:extLst>
-  </p:cSld>
-  <p:clrMapOvr>
-    <a:masterClrMapping/>
-  </p:clrMapOvr>
-  <p:timing>
-    <p:tnLst>
-      <p:par>
-        <p:cTn id="1" dur="indefinite" restart="never" nodeType="tmRoot"/>
-      </p:par>
-    </p:tnLst>
-  </p:timing>
-</p:sld>
-</file>
-
-<file path=ppt/slides/slide16.xml><?xml version="1.0" encoding="utf-8"?>
-<p:sld xmlns:a="http://schemas.openxmlformats.org/drawingml/2006/main" xmlns:r="http://schemas.openxmlformats.org/officeDocument/2006/relationships" xmlns:p="http://schemas.openxmlformats.org/presentationml/2006/main">
-  <p:cSld>
-    <p:bg>
-      <p:bgPr>
-        <a:solidFill>
-          <a:srgbClr val="000000"/>
-        </a:solidFill>
-        <a:effectLst/>
-      </p:bgPr>
-    </p:bg>
-    <p:spTree>
-      <p:nvGrpSpPr>
-        <p:cNvPr id="1" name=""/>
-        <p:cNvGrpSpPr/>
-        <p:nvPr/>
-      </p:nvGrpSpPr>
-      <p:grpSpPr>
-        <a:xfrm>
-          <a:off x="0" y="0"/>
-          <a:ext cx="0" cy="0"/>
-          <a:chOff x="0" y="0"/>
-          <a:chExt cx="0" cy="0"/>
-        </a:xfrm>
-      </p:grpSpPr>
-      <p:pic>
-        <p:nvPicPr>
-          <p:cNvPr id="4" name="Picture 3"/>
-          <p:cNvPicPr>
-            <a:picLocks noChangeAspect="1"/>
-          </p:cNvPicPr>
-          <p:nvPr/>
-        </p:nvPicPr>
-        <p:blipFill>
-          <a:blip r:embed="rId2">
-            <a:extLst>
-              <a:ext uri="{28A0092B-C50C-407E-A947-70E740481C1C}">
-                <a14:useLocalDpi xmlns:a14="http://schemas.microsoft.com/office/drawing/2010/main" val="0"/>
-              </a:ext>
-            </a:extLst>
-          </a:blip>
-          <a:stretch>
-            <a:fillRect/>
-          </a:stretch>
-        </p:blipFill>
-        <p:spPr>
-          <a:xfrm>
-            <a:off x="0" y="-1828802"/>
-            <a:ext cx="12192000" cy="7752935"/>
-          </a:xfrm>
-          <a:prstGeom prst="rect">
-            <a:avLst/>
-          </a:prstGeom>
-        </p:spPr>
-      </p:pic>
-      <p:sp>
-        <p:nvSpPr>
-          <p:cNvPr id="7" name="TextBox 6"/>
-          <p:cNvSpPr txBox="1"/>
-          <p:nvPr/>
-        </p:nvSpPr>
-        <p:spPr>
-          <a:xfrm>
-            <a:off x="576000" y="5078100"/>
-            <a:ext cx="3470822" cy="1200329"/>
-          </a:xfrm>
-          <a:prstGeom prst="rect">
-            <a:avLst/>
-          </a:prstGeom>
-          <a:noFill/>
-        </p:spPr>
-        <p:txBody>
-          <a:bodyPr wrap="none" rtlCol="0">
-            <a:spAutoFit/>
-          </a:bodyPr>
-          <a:lstStyle/>
-          <a:p>
-            <a:r>
-              <a:rPr lang="en-CA" sz="7200" b="1" dirty="0" smtClean="0">
-                <a:solidFill>
-                  <a:schemeClr val="bg1"/>
-                </a:solidFill>
-              </a:rPr>
-              <a:t>Ansible</a:t>
-            </a:r>
-            <a:endParaRPr lang="en-CA" sz="7200" b="1" dirty="0">
-              <a:solidFill>
-                <a:schemeClr val="bg1"/>
-              </a:solidFill>
-            </a:endParaRPr>
-          </a:p>
-        </p:txBody>
-      </p:sp>
-    </p:spTree>
-    <p:extLst>
-      <p:ext uri="{BB962C8B-B14F-4D97-AF65-F5344CB8AC3E}">
-        <p14:creationId xmlns:p14="http://schemas.microsoft.com/office/powerpoint/2010/main" val="664330095"/>
-      </p:ext>
-    </p:extLst>
-  </p:cSld>
-  <p:clrMapOvr>
-    <a:masterClrMapping/>
-  </p:clrMapOvr>
-  <p:timing>
-    <p:tnLst>
-      <p:par>
-        <p:cTn id="1" dur="indefinite" restart="never" nodeType="tmRoot"/>
-      </p:par>
-    </p:tnLst>
-  </p:timing>
-</p:sld>
-</file>
-
-<file path=ppt/slides/slide17.xml><?xml version="1.0" encoding="utf-8"?>
-<p:sld xmlns:a="http://schemas.openxmlformats.org/drawingml/2006/main" xmlns:r="http://schemas.openxmlformats.org/officeDocument/2006/relationships" xmlns:p="http://schemas.openxmlformats.org/presentationml/2006/main">
-  <p:cSld>
-    <p:spTree>
-      <p:nvGrpSpPr>
-        <p:cNvPr id="1" name=""/>
-        <p:cNvGrpSpPr/>
-        <p:nvPr/>
-      </p:nvGrpSpPr>
-      <p:grpSpPr>
-        <a:xfrm>
-          <a:off x="0" y="0"/>
-          <a:ext cx="0" cy="0"/>
-          <a:chOff x="0" y="0"/>
-          <a:chExt cx="0" cy="0"/>
-        </a:xfrm>
-      </p:grpSpPr>
-      <p:sp>
-        <p:nvSpPr>
-          <p:cNvPr id="2" name="Title 1"/>
-          <p:cNvSpPr>
-            <a:spLocks noGrp="1"/>
-          </p:cNvSpPr>
-          <p:nvPr>
-            <p:ph type="title"/>
-          </p:nvPr>
-        </p:nvSpPr>
-        <p:spPr/>
-        <p:txBody>
-          <a:bodyPr/>
-          <a:lstStyle/>
-          <a:p>
-            <a:r>
-              <a:rPr lang="en-CA" dirty="0" smtClean="0"/>
-              <a:t>Movie of Ansible command running</a:t>
-            </a:r>
-            <a:endParaRPr lang="en-CA" dirty="0"/>
-          </a:p>
-        </p:txBody>
-      </p:sp>
-      <p:sp>
-        <p:nvSpPr>
-          <p:cNvPr id="4" name="Slide Number Placeholder 3"/>
-          <p:cNvSpPr>
-            <a:spLocks noGrp="1"/>
-          </p:cNvSpPr>
-          <p:nvPr>
-            <p:ph type="sldNum" sz="quarter" idx="4"/>
-          </p:nvPr>
-        </p:nvSpPr>
-        <p:spPr/>
-        <p:txBody>
-          <a:bodyPr/>
-          <a:lstStyle/>
-          <a:p>
-            <a:fld id="{105822BA-B7AE-4DDB-BAFC-C8E55FB5C986}" type="slidenum">
-              <a:rPr lang="en-CA" smtClean="0"/>
-              <a:pPr/>
-              <a:t>17</a:t>
-            </a:fld>
-            <a:r>
-              <a:rPr lang="en-CA" smtClean="0"/>
-              <a:t> </a:t>
-            </a:r>
-            <a:endParaRPr lang="en-CA" dirty="0"/>
-          </a:p>
-        </p:txBody>
-      </p:sp>
-    </p:spTree>
-    <p:extLst>
-      <p:ext uri="{BB962C8B-B14F-4D97-AF65-F5344CB8AC3E}">
-        <p14:creationId xmlns:p14="http://schemas.microsoft.com/office/powerpoint/2010/main" val="834750226"/>
+        <p14:creationId xmlns:p14="http://schemas.microsoft.com/office/powerpoint/2010/main" val="4178867683"/>
       </p:ext>
     </p:extLst>
   </p:cSld>
@@ -11026,656 +12814,31 @@
       </p:grpSpPr>
       <p:sp>
         <p:nvSpPr>
-          <p:cNvPr id="2" name="Title 1"/>
-          <p:cNvSpPr>
-            <a:spLocks noGrp="1"/>
-          </p:cNvSpPr>
-          <p:nvPr>
-            <p:ph type="title"/>
-          </p:nvPr>
-        </p:nvSpPr>
-        <p:spPr/>
-        <p:txBody>
-          <a:bodyPr/>
-          <a:lstStyle/>
-          <a:p>
-            <a:r>
-              <a:rPr lang="en-CA" dirty="0" smtClean="0"/>
-              <a:t>Ansible</a:t>
-            </a:r>
-            <a:endParaRPr lang="en-CA" dirty="0"/>
-          </a:p>
-        </p:txBody>
-      </p:sp>
-      <p:sp>
-        <p:nvSpPr>
-          <p:cNvPr id="3" name="Content Placeholder 2"/>
-          <p:cNvSpPr>
-            <a:spLocks noGrp="1"/>
-          </p:cNvSpPr>
-          <p:nvPr>
-            <p:ph idx="1"/>
-          </p:nvPr>
-        </p:nvSpPr>
-        <p:spPr>
-          <a:xfrm>
-            <a:off x="428400" y="1032710"/>
-            <a:ext cx="11336400" cy="5001199"/>
-          </a:xfrm>
-        </p:spPr>
-        <p:txBody>
-          <a:bodyPr/>
-          <a:lstStyle/>
-          <a:p>
-            <a:pPr marL="285750" indent="-285750">
-              <a:buFont typeface="Arial" panose="020B0604020202020204" pitchFamily="34" charset="0"/>
-              <a:buChar char="•"/>
-            </a:pPr>
-            <a:r>
-              <a:rPr lang="en-CA" dirty="0" smtClean="0"/>
-              <a:t>Allows you to define your </a:t>
-            </a:r>
-            <a:r>
-              <a:rPr lang="en-CA" b="1" dirty="0" smtClean="0"/>
-              <a:t>configuration as code</a:t>
-            </a:r>
-          </a:p>
-          <a:p>
-            <a:pPr marL="285750" indent="-285750">
-              <a:buFont typeface="Arial" panose="020B0604020202020204" pitchFamily="34" charset="0"/>
-              <a:buChar char="•"/>
-            </a:pPr>
-            <a:r>
-              <a:rPr lang="en-CA" dirty="0" smtClean="0"/>
-              <a:t>Repeatable, automated configuration of services</a:t>
-            </a:r>
-          </a:p>
-        </p:txBody>
-      </p:sp>
-      <p:sp>
-        <p:nvSpPr>
-          <p:cNvPr id="4" name="Slide Number Placeholder 3"/>
-          <p:cNvSpPr>
-            <a:spLocks noGrp="1"/>
-          </p:cNvSpPr>
-          <p:nvPr>
-            <p:ph type="sldNum" sz="quarter" idx="4"/>
-          </p:nvPr>
-        </p:nvSpPr>
-        <p:spPr/>
-        <p:txBody>
-          <a:bodyPr/>
-          <a:lstStyle/>
-          <a:p>
-            <a:fld id="{105822BA-B7AE-4DDB-BAFC-C8E55FB5C986}" type="slidenum">
-              <a:rPr lang="en-CA" smtClean="0"/>
-              <a:pPr/>
-              <a:t>18</a:t>
-            </a:fld>
-            <a:r>
-              <a:rPr lang="en-CA" smtClean="0"/>
-              <a:t> </a:t>
-            </a:r>
-            <a:endParaRPr lang="en-CA" dirty="0"/>
-          </a:p>
-        </p:txBody>
-      </p:sp>
-      <p:grpSp>
-        <p:nvGrpSpPr>
-          <p:cNvPr id="7" name="Group 6"/>
-          <p:cNvGrpSpPr/>
-          <p:nvPr/>
-        </p:nvGrpSpPr>
-        <p:grpSpPr>
-          <a:xfrm>
-            <a:off x="556499" y="3533310"/>
-            <a:ext cx="1250576" cy="973152"/>
-            <a:chOff x="2729753" y="4146437"/>
-            <a:chExt cx="968188" cy="753408"/>
-          </a:xfrm>
-        </p:grpSpPr>
-        <p:sp>
-          <p:nvSpPr>
-            <p:cNvPr id="8" name="Rectangle 7"/>
-            <p:cNvSpPr/>
-            <p:nvPr/>
-          </p:nvSpPr>
-          <p:spPr>
-            <a:xfrm>
-              <a:off x="2729753" y="4277488"/>
-              <a:ext cx="968188" cy="622357"/>
-            </a:xfrm>
-            <a:prstGeom prst="rect">
-              <a:avLst/>
-            </a:prstGeom>
-            <a:solidFill>
-              <a:schemeClr val="bg2">
-                <a:lumMod val="25000"/>
-              </a:schemeClr>
-            </a:solidFill>
-            <a:ln>
-              <a:noFill/>
-            </a:ln>
-          </p:spPr>
-          <p:style>
-            <a:lnRef idx="2">
-              <a:schemeClr val="accent1">
-                <a:shade val="50000"/>
-              </a:schemeClr>
-            </a:lnRef>
-            <a:fillRef idx="1">
-              <a:schemeClr val="accent1"/>
-            </a:fillRef>
-            <a:effectRef idx="0">
-              <a:schemeClr val="accent1"/>
-            </a:effectRef>
-            <a:fontRef idx="minor">
-              <a:schemeClr val="lt1"/>
-            </a:fontRef>
-          </p:style>
-          <p:txBody>
-            <a:bodyPr rtlCol="0" anchor="ctr"/>
-            <a:lstStyle/>
-            <a:p>
-              <a:pPr algn="ctr"/>
-              <a:endParaRPr lang="en-CA"/>
-            </a:p>
-          </p:txBody>
-        </p:sp>
-        <p:sp>
-          <p:nvSpPr>
-            <p:cNvPr id="9" name="Rectangle 8"/>
-            <p:cNvSpPr/>
-            <p:nvPr/>
-          </p:nvSpPr>
-          <p:spPr>
-            <a:xfrm>
-              <a:off x="2729753" y="4146437"/>
-              <a:ext cx="968188" cy="157670"/>
-            </a:xfrm>
-            <a:prstGeom prst="rect">
-              <a:avLst/>
-            </a:prstGeom>
-            <a:solidFill>
-              <a:srgbClr val="621E75"/>
-            </a:solidFill>
-            <a:ln>
-              <a:noFill/>
-            </a:ln>
-          </p:spPr>
-          <p:style>
-            <a:lnRef idx="2">
-              <a:schemeClr val="accent1">
-                <a:shade val="50000"/>
-              </a:schemeClr>
-            </a:lnRef>
-            <a:fillRef idx="1">
-              <a:schemeClr val="accent1"/>
-            </a:fillRef>
-            <a:effectRef idx="0">
-              <a:schemeClr val="accent1"/>
-            </a:effectRef>
-            <a:fontRef idx="minor">
-              <a:schemeClr val="lt1"/>
-            </a:fontRef>
-          </p:style>
-          <p:txBody>
-            <a:bodyPr rtlCol="0" anchor="ctr"/>
-            <a:lstStyle/>
-            <a:p>
-              <a:pPr algn="ctr"/>
-              <a:endParaRPr lang="en-CA"/>
-            </a:p>
-          </p:txBody>
-        </p:sp>
-        <p:sp>
-          <p:nvSpPr>
-            <p:cNvPr id="10" name="Freeform 9"/>
-            <p:cNvSpPr>
-              <a:spLocks/>
-            </p:cNvSpPr>
-            <p:nvPr/>
-          </p:nvSpPr>
-          <p:spPr bwMode="auto">
-            <a:xfrm>
-              <a:off x="2838721" y="4457616"/>
-              <a:ext cx="153316" cy="262099"/>
-            </a:xfrm>
-            <a:custGeom>
-              <a:avLst/>
-              <a:gdLst>
-                <a:gd name="T0" fmla="*/ 137 w 140"/>
-                <a:gd name="T1" fmla="*/ 126 h 240"/>
-                <a:gd name="T2" fmla="*/ 25 w 140"/>
-                <a:gd name="T3" fmla="*/ 238 h 240"/>
-                <a:gd name="T4" fmla="*/ 20 w 140"/>
-                <a:gd name="T5" fmla="*/ 240 h 240"/>
-                <a:gd name="T6" fmla="*/ 14 w 140"/>
-                <a:gd name="T7" fmla="*/ 238 h 240"/>
-                <a:gd name="T8" fmla="*/ 2 w 140"/>
-                <a:gd name="T9" fmla="*/ 226 h 240"/>
-                <a:gd name="T10" fmla="*/ 0 w 140"/>
-                <a:gd name="T11" fmla="*/ 220 h 240"/>
-                <a:gd name="T12" fmla="*/ 2 w 140"/>
-                <a:gd name="T13" fmla="*/ 215 h 240"/>
-                <a:gd name="T14" fmla="*/ 97 w 140"/>
-                <a:gd name="T15" fmla="*/ 120 h 240"/>
-                <a:gd name="T16" fmla="*/ 2 w 140"/>
-                <a:gd name="T17" fmla="*/ 26 h 240"/>
-                <a:gd name="T18" fmla="*/ 0 w 140"/>
-                <a:gd name="T19" fmla="*/ 20 h 240"/>
-                <a:gd name="T20" fmla="*/ 2 w 140"/>
-                <a:gd name="T21" fmla="*/ 15 h 240"/>
-                <a:gd name="T22" fmla="*/ 14 w 140"/>
-                <a:gd name="T23" fmla="*/ 3 h 240"/>
-                <a:gd name="T24" fmla="*/ 20 w 140"/>
-                <a:gd name="T25" fmla="*/ 0 h 240"/>
-                <a:gd name="T26" fmla="*/ 25 w 140"/>
-                <a:gd name="T27" fmla="*/ 3 h 240"/>
-                <a:gd name="T28" fmla="*/ 137 w 140"/>
-                <a:gd name="T29" fmla="*/ 115 h 240"/>
-                <a:gd name="T30" fmla="*/ 140 w 140"/>
-                <a:gd name="T31" fmla="*/ 120 h 240"/>
-                <a:gd name="T32" fmla="*/ 137 w 140"/>
-                <a:gd name="T33" fmla="*/ 126 h 240"/>
-              </a:gdLst>
-              <a:ahLst/>
-              <a:cxnLst>
-                <a:cxn ang="0">
-                  <a:pos x="T0" y="T1"/>
-                </a:cxn>
-                <a:cxn ang="0">
-                  <a:pos x="T2" y="T3"/>
-                </a:cxn>
-                <a:cxn ang="0">
-                  <a:pos x="T4" y="T5"/>
-                </a:cxn>
-                <a:cxn ang="0">
-                  <a:pos x="T6" y="T7"/>
-                </a:cxn>
-                <a:cxn ang="0">
-                  <a:pos x="T8" y="T9"/>
-                </a:cxn>
-                <a:cxn ang="0">
-                  <a:pos x="T10" y="T11"/>
-                </a:cxn>
-                <a:cxn ang="0">
-                  <a:pos x="T12" y="T13"/>
-                </a:cxn>
-                <a:cxn ang="0">
-                  <a:pos x="T14" y="T15"/>
-                </a:cxn>
-                <a:cxn ang="0">
-                  <a:pos x="T16" y="T17"/>
-                </a:cxn>
-                <a:cxn ang="0">
-                  <a:pos x="T18" y="T19"/>
-                </a:cxn>
-                <a:cxn ang="0">
-                  <a:pos x="T20" y="T21"/>
-                </a:cxn>
-                <a:cxn ang="0">
-                  <a:pos x="T22" y="T23"/>
-                </a:cxn>
-                <a:cxn ang="0">
-                  <a:pos x="T24" y="T25"/>
-                </a:cxn>
-                <a:cxn ang="0">
-                  <a:pos x="T26" y="T27"/>
-                </a:cxn>
-                <a:cxn ang="0">
-                  <a:pos x="T28" y="T29"/>
-                </a:cxn>
-                <a:cxn ang="0">
-                  <a:pos x="T30" y="T31"/>
-                </a:cxn>
-                <a:cxn ang="0">
-                  <a:pos x="T32" y="T33"/>
-                </a:cxn>
-              </a:cxnLst>
-              <a:rect l="0" t="0" r="r" b="b"/>
-              <a:pathLst>
-                <a:path w="140" h="240">
-                  <a:moveTo>
-                    <a:pt x="137" y="126"/>
-                  </a:moveTo>
-                  <a:cubicBezTo>
-                    <a:pt x="25" y="238"/>
-                    <a:pt x="25" y="238"/>
-                    <a:pt x="25" y="238"/>
-                  </a:cubicBezTo>
-                  <a:cubicBezTo>
-                    <a:pt x="24" y="239"/>
-                    <a:pt x="22" y="240"/>
-                    <a:pt x="20" y="240"/>
-                  </a:cubicBezTo>
-                  <a:cubicBezTo>
-                    <a:pt x="18" y="240"/>
-                    <a:pt x="15" y="239"/>
-                    <a:pt x="14" y="238"/>
-                  </a:cubicBezTo>
-                  <a:cubicBezTo>
-                    <a:pt x="2" y="226"/>
-                    <a:pt x="2" y="226"/>
-                    <a:pt x="2" y="226"/>
-                  </a:cubicBezTo>
-                  <a:cubicBezTo>
-                    <a:pt x="1" y="225"/>
-                    <a:pt x="0" y="223"/>
-                    <a:pt x="0" y="220"/>
-                  </a:cubicBezTo>
-                  <a:cubicBezTo>
-                    <a:pt x="0" y="219"/>
-                    <a:pt x="1" y="216"/>
-                    <a:pt x="2" y="215"/>
-                  </a:cubicBezTo>
-                  <a:cubicBezTo>
-                    <a:pt x="97" y="120"/>
-                    <a:pt x="97" y="120"/>
-                    <a:pt x="97" y="120"/>
-                  </a:cubicBezTo>
-                  <a:cubicBezTo>
-                    <a:pt x="2" y="26"/>
-                    <a:pt x="2" y="26"/>
-                    <a:pt x="2" y="26"/>
-                  </a:cubicBezTo>
-                  <a:cubicBezTo>
-                    <a:pt x="1" y="24"/>
-                    <a:pt x="0" y="22"/>
-                    <a:pt x="0" y="20"/>
-                  </a:cubicBezTo>
-                  <a:cubicBezTo>
-                    <a:pt x="0" y="18"/>
-                    <a:pt x="1" y="16"/>
-                    <a:pt x="2" y="15"/>
-                  </a:cubicBezTo>
-                  <a:cubicBezTo>
-                    <a:pt x="14" y="3"/>
-                    <a:pt x="14" y="3"/>
-                    <a:pt x="14" y="3"/>
-                  </a:cubicBezTo>
-                  <a:cubicBezTo>
-                    <a:pt x="15" y="1"/>
-                    <a:pt x="18" y="0"/>
-                    <a:pt x="20" y="0"/>
-                  </a:cubicBezTo>
-                  <a:cubicBezTo>
-                    <a:pt x="22" y="0"/>
-                    <a:pt x="24" y="1"/>
-                    <a:pt x="25" y="3"/>
-                  </a:cubicBezTo>
-                  <a:cubicBezTo>
-                    <a:pt x="137" y="115"/>
-                    <a:pt x="137" y="115"/>
-                    <a:pt x="137" y="115"/>
-                  </a:cubicBezTo>
-                  <a:cubicBezTo>
-                    <a:pt x="139" y="116"/>
-                    <a:pt x="140" y="118"/>
-                    <a:pt x="140" y="120"/>
-                  </a:cubicBezTo>
-                  <a:cubicBezTo>
-                    <a:pt x="140" y="122"/>
-                    <a:pt x="139" y="125"/>
-                    <a:pt x="137" y="126"/>
-                  </a:cubicBezTo>
-                  <a:close/>
-                </a:path>
-              </a:pathLst>
-            </a:custGeom>
-            <a:solidFill>
-              <a:schemeClr val="bg1"/>
-            </a:solidFill>
-            <a:ln>
-              <a:noFill/>
-            </a:ln>
-          </p:spPr>
-          <p:txBody>
-            <a:bodyPr vert="horz" wrap="square" lIns="91440" tIns="45720" rIns="91440" bIns="45720" numCol="1" anchor="t" anchorCtr="0" compatLnSpc="1">
-              <a:prstTxWarp prst="textNoShape">
-                <a:avLst/>
-              </a:prstTxWarp>
-            </a:bodyPr>
-            <a:lstStyle>
-              <a:defPPr>
-                <a:defRPr lang="en-US"/>
-              </a:defPPr>
-              <a:lvl1pPr marL="0" algn="l" defTabSz="914400" rtl="0" eaLnBrk="1" latinLnBrk="0" hangingPunct="1">
-                <a:defRPr sz="1800" kern="1200">
-                  <a:solidFill>
-                    <a:schemeClr val="tx1"/>
-                  </a:solidFill>
-                  <a:latin typeface="+mn-lt"/>
-                  <a:ea typeface="+mn-ea"/>
-                  <a:cs typeface="+mn-cs"/>
-                </a:defRPr>
-              </a:lvl1pPr>
-              <a:lvl2pPr marL="457200" algn="l" defTabSz="914400" rtl="0" eaLnBrk="1" latinLnBrk="0" hangingPunct="1">
-                <a:defRPr sz="1800" kern="1200">
-                  <a:solidFill>
-                    <a:schemeClr val="tx1"/>
-                  </a:solidFill>
-                  <a:latin typeface="+mn-lt"/>
-                  <a:ea typeface="+mn-ea"/>
-                  <a:cs typeface="+mn-cs"/>
-                </a:defRPr>
-              </a:lvl2pPr>
-              <a:lvl3pPr marL="914400" algn="l" defTabSz="914400" rtl="0" eaLnBrk="1" latinLnBrk="0" hangingPunct="1">
-                <a:defRPr sz="1800" kern="1200">
-                  <a:solidFill>
-                    <a:schemeClr val="tx1"/>
-                  </a:solidFill>
-                  <a:latin typeface="+mn-lt"/>
-                  <a:ea typeface="+mn-ea"/>
-                  <a:cs typeface="+mn-cs"/>
-                </a:defRPr>
-              </a:lvl3pPr>
-              <a:lvl4pPr marL="1371600" algn="l" defTabSz="914400" rtl="0" eaLnBrk="1" latinLnBrk="0" hangingPunct="1">
-                <a:defRPr sz="1800" kern="1200">
-                  <a:solidFill>
-                    <a:schemeClr val="tx1"/>
-                  </a:solidFill>
-                  <a:latin typeface="+mn-lt"/>
-                  <a:ea typeface="+mn-ea"/>
-                  <a:cs typeface="+mn-cs"/>
-                </a:defRPr>
-              </a:lvl4pPr>
-              <a:lvl5pPr marL="1828800" algn="l" defTabSz="914400" rtl="0" eaLnBrk="1" latinLnBrk="0" hangingPunct="1">
-                <a:defRPr sz="1800" kern="1200">
-                  <a:solidFill>
-                    <a:schemeClr val="tx1"/>
-                  </a:solidFill>
-                  <a:latin typeface="+mn-lt"/>
-                  <a:ea typeface="+mn-ea"/>
-                  <a:cs typeface="+mn-cs"/>
-                </a:defRPr>
-              </a:lvl5pPr>
-              <a:lvl6pPr marL="2286000" algn="l" defTabSz="914400" rtl="0" eaLnBrk="1" latinLnBrk="0" hangingPunct="1">
-                <a:defRPr sz="1800" kern="1200">
-                  <a:solidFill>
-                    <a:schemeClr val="tx1"/>
-                  </a:solidFill>
-                  <a:latin typeface="+mn-lt"/>
-                  <a:ea typeface="+mn-ea"/>
-                  <a:cs typeface="+mn-cs"/>
-                </a:defRPr>
-              </a:lvl6pPr>
-              <a:lvl7pPr marL="2743200" algn="l" defTabSz="914400" rtl="0" eaLnBrk="1" latinLnBrk="0" hangingPunct="1">
-                <a:defRPr sz="1800" kern="1200">
-                  <a:solidFill>
-                    <a:schemeClr val="tx1"/>
-                  </a:solidFill>
-                  <a:latin typeface="+mn-lt"/>
-                  <a:ea typeface="+mn-ea"/>
-                  <a:cs typeface="+mn-cs"/>
-                </a:defRPr>
-              </a:lvl7pPr>
-              <a:lvl8pPr marL="3200400" algn="l" defTabSz="914400" rtl="0" eaLnBrk="1" latinLnBrk="0" hangingPunct="1">
-                <a:defRPr sz="1800" kern="1200">
-                  <a:solidFill>
-                    <a:schemeClr val="tx1"/>
-                  </a:solidFill>
-                  <a:latin typeface="+mn-lt"/>
-                  <a:ea typeface="+mn-ea"/>
-                  <a:cs typeface="+mn-cs"/>
-                </a:defRPr>
-              </a:lvl8pPr>
-              <a:lvl9pPr marL="3657600" algn="l" defTabSz="914400" rtl="0" eaLnBrk="1" latinLnBrk="0" hangingPunct="1">
-                <a:defRPr sz="1800" kern="1200">
-                  <a:solidFill>
-                    <a:schemeClr val="tx1"/>
-                  </a:solidFill>
-                  <a:latin typeface="+mn-lt"/>
-                  <a:ea typeface="+mn-ea"/>
-                  <a:cs typeface="+mn-cs"/>
-                </a:defRPr>
-              </a:lvl9pPr>
-            </a:lstStyle>
-            <a:p>
-              <a:endParaRPr lang="en-CA"/>
-            </a:p>
-          </p:txBody>
-        </p:sp>
-        <p:cxnSp>
-          <p:nvCxnSpPr>
-            <p:cNvPr id="11" name="Straight Connector 10"/>
-            <p:cNvCxnSpPr/>
-            <p:nvPr/>
-          </p:nvCxnSpPr>
-          <p:spPr>
-            <a:xfrm>
-              <a:off x="3067050" y="4457616"/>
-              <a:ext cx="495300" cy="0"/>
-            </a:xfrm>
-            <a:prstGeom prst="line">
-              <a:avLst/>
-            </a:prstGeom>
-            <a:ln w="34925" cap="rnd">
-              <a:solidFill>
-                <a:schemeClr val="bg1">
-                  <a:lumMod val="75000"/>
-                </a:schemeClr>
-              </a:solidFill>
-            </a:ln>
-          </p:spPr>
-          <p:style>
-            <a:lnRef idx="1">
-              <a:schemeClr val="accent1"/>
-            </a:lnRef>
-            <a:fillRef idx="0">
-              <a:schemeClr val="accent1"/>
-            </a:fillRef>
-            <a:effectRef idx="0">
-              <a:schemeClr val="accent1"/>
-            </a:effectRef>
-            <a:fontRef idx="minor">
-              <a:schemeClr val="tx1"/>
-            </a:fontRef>
-          </p:style>
-        </p:cxnSp>
-        <p:cxnSp>
-          <p:nvCxnSpPr>
-            <p:cNvPr id="12" name="Straight Connector 11"/>
-            <p:cNvCxnSpPr/>
-            <p:nvPr/>
-          </p:nvCxnSpPr>
-          <p:spPr>
-            <a:xfrm>
-              <a:off x="3067050" y="4588665"/>
-              <a:ext cx="495300" cy="0"/>
-            </a:xfrm>
-            <a:prstGeom prst="line">
-              <a:avLst/>
-            </a:prstGeom>
-            <a:ln w="34925" cap="rnd">
-              <a:solidFill>
-                <a:schemeClr val="bg1">
-                  <a:lumMod val="75000"/>
-                </a:schemeClr>
-              </a:solidFill>
-            </a:ln>
-          </p:spPr>
-          <p:style>
-            <a:lnRef idx="1">
-              <a:schemeClr val="accent1"/>
-            </a:lnRef>
-            <a:fillRef idx="0">
-              <a:schemeClr val="accent1"/>
-            </a:fillRef>
-            <a:effectRef idx="0">
-              <a:schemeClr val="accent1"/>
-            </a:effectRef>
-            <a:fontRef idx="minor">
-              <a:schemeClr val="tx1"/>
-            </a:fontRef>
-          </p:style>
-        </p:cxnSp>
-        <p:cxnSp>
-          <p:nvCxnSpPr>
-            <p:cNvPr id="13" name="Straight Connector 12"/>
-            <p:cNvCxnSpPr/>
-            <p:nvPr/>
-          </p:nvCxnSpPr>
-          <p:spPr>
-            <a:xfrm>
-              <a:off x="3067050" y="4723680"/>
-              <a:ext cx="311150" cy="0"/>
-            </a:xfrm>
-            <a:prstGeom prst="line">
-              <a:avLst/>
-            </a:prstGeom>
-            <a:ln w="34925" cap="rnd">
-              <a:solidFill>
-                <a:schemeClr val="bg1">
-                  <a:lumMod val="75000"/>
-                </a:schemeClr>
-              </a:solidFill>
-            </a:ln>
-          </p:spPr>
-          <p:style>
-            <a:lnRef idx="1">
-              <a:schemeClr val="accent1"/>
-            </a:lnRef>
-            <a:fillRef idx="0">
-              <a:schemeClr val="accent1"/>
-            </a:fillRef>
-            <a:effectRef idx="0">
-              <a:schemeClr val="accent1"/>
-            </a:effectRef>
-            <a:fontRef idx="minor">
-              <a:schemeClr val="tx1"/>
-            </a:fontRef>
-          </p:style>
-        </p:cxnSp>
-      </p:grpSp>
-      <p:sp>
-        <p:nvSpPr>
-          <p:cNvPr id="15" name="Rectangle 14"/>
+          <p:cNvPr id="5" name="Rectangle 4"/>
           <p:cNvSpPr/>
           <p:nvPr/>
         </p:nvSpPr>
         <p:spPr>
           <a:xfrm>
-            <a:off x="3473123" y="3804630"/>
-            <a:ext cx="1228765" cy="442228"/>
+            <a:off x="814814" y="2829624"/>
+            <a:ext cx="1674891" cy="1946496"/>
           </a:xfrm>
           <a:prstGeom prst="rect">
             <a:avLst/>
           </a:prstGeom>
-          <a:gradFill>
-            <a:gsLst>
-              <a:gs pos="0">
-                <a:srgbClr val="201B7B"/>
-              </a:gs>
-              <a:gs pos="100000">
-                <a:srgbClr val="631E75"/>
-              </a:gs>
-            </a:gsLst>
-            <a:lin ang="0" scaled="0"/>
-          </a:gradFill>
+          <a:solidFill>
+            <a:srgbClr val="29229A"/>
+          </a:solidFill>
           <a:ln>
             <a:noFill/>
           </a:ln>
+          <a:effectLst>
+            <a:outerShdw blurRad="101600" dist="38100" dir="5400000" algn="t" rotWithShape="0">
+              <a:prstClr val="black">
+                <a:alpha val="20000"/>
+              </a:prstClr>
+            </a:outerShdw>
+          </a:effectLst>
         </p:spPr>
         <p:style>
           <a:lnRef idx="2">
@@ -11698,24 +12861,905 @@
           <a:lstStyle/>
           <a:p>
             <a:pPr algn="ctr"/>
-            <a:r>
-              <a:rPr lang="en-CA" b="1" dirty="0" smtClean="0"/>
-              <a:t>PLAY</a:t>
-            </a:r>
-            <a:endParaRPr lang="en-CA" b="1" dirty="0"/>
+            <a:endParaRPr lang="en-CA" dirty="0"/>
+          </a:p>
+        </p:txBody>
+      </p:sp>
+      <p:sp>
+        <p:nvSpPr>
+          <p:cNvPr id="2" name="Title 1"/>
+          <p:cNvSpPr>
+            <a:spLocks noGrp="1"/>
+          </p:cNvSpPr>
+          <p:nvPr>
+            <p:ph type="title"/>
+          </p:nvPr>
+        </p:nvSpPr>
+        <p:spPr/>
+        <p:txBody>
+          <a:bodyPr/>
+          <a:lstStyle/>
+          <a:p>
+            <a:r>
+              <a:rPr lang="en-CA" dirty="0" smtClean="0"/>
+              <a:t>DevOps</a:t>
+            </a:r>
+            <a:endParaRPr lang="en-CA" dirty="0"/>
+          </a:p>
+        </p:txBody>
+      </p:sp>
+      <p:sp>
+        <p:nvSpPr>
+          <p:cNvPr id="3" name="Content Placeholder 2"/>
+          <p:cNvSpPr>
+            <a:spLocks noGrp="1"/>
+          </p:cNvSpPr>
+          <p:nvPr>
+            <p:ph idx="1"/>
+          </p:nvPr>
+        </p:nvSpPr>
+        <p:spPr/>
+        <p:txBody>
+          <a:bodyPr/>
+          <a:lstStyle/>
+          <a:p>
+            <a:pPr marL="285750" indent="-285750">
+              <a:buFont typeface="Arial" panose="020B0604020202020204" pitchFamily="34" charset="0"/>
+              <a:buChar char="•"/>
+            </a:pPr>
+            <a:r>
+              <a:rPr lang="en-CA" dirty="0" smtClean="0"/>
+              <a:t>Essential for </a:t>
+            </a:r>
+            <a:r>
+              <a:rPr lang="en-CA" dirty="0" smtClean="0"/>
+              <a:t>delivering modern </a:t>
+            </a:r>
+            <a:r>
+              <a:rPr lang="en-CA" dirty="0" smtClean="0"/>
+              <a:t>digital </a:t>
+            </a:r>
+            <a:r>
+              <a:rPr lang="en-CA" dirty="0" smtClean="0"/>
+              <a:t>services</a:t>
+            </a:r>
+          </a:p>
+          <a:p>
+            <a:pPr marL="285750" indent="-285750">
+              <a:buFont typeface="Arial" panose="020B0604020202020204" pitchFamily="34" charset="0"/>
+              <a:buChar char="•"/>
+            </a:pPr>
+            <a:r>
+              <a:rPr lang="en-CA" dirty="0" smtClean="0"/>
+              <a:t>Essential for agile</a:t>
+            </a:r>
+          </a:p>
+        </p:txBody>
+      </p:sp>
+      <p:sp>
+        <p:nvSpPr>
+          <p:cNvPr id="4" name="Slide Number Placeholder 3"/>
+          <p:cNvSpPr>
+            <a:spLocks noGrp="1"/>
+          </p:cNvSpPr>
+          <p:nvPr>
+            <p:ph type="sldNum" sz="quarter" idx="4"/>
+          </p:nvPr>
+        </p:nvSpPr>
+        <p:spPr/>
+        <p:txBody>
+          <a:bodyPr/>
+          <a:lstStyle/>
+          <a:p>
+            <a:fld id="{105822BA-B7AE-4DDB-BAFC-C8E55FB5C986}" type="slidenum">
+              <a:rPr lang="en-CA" smtClean="0"/>
+              <a:pPr/>
+              <a:t>18</a:t>
+            </a:fld>
+            <a:r>
+              <a:rPr lang="en-CA" smtClean="0"/>
+              <a:t> </a:t>
+            </a:r>
+            <a:endParaRPr lang="en-CA" dirty="0"/>
+          </a:p>
+        </p:txBody>
+      </p:sp>
+      <p:sp>
+        <p:nvSpPr>
+          <p:cNvPr id="6" name="Rectangle 5"/>
+          <p:cNvSpPr/>
+          <p:nvPr/>
+        </p:nvSpPr>
+        <p:spPr>
+          <a:xfrm>
+            <a:off x="3592719" y="2829623"/>
+            <a:ext cx="1674891" cy="1946496"/>
+          </a:xfrm>
+          <a:prstGeom prst="rect">
+            <a:avLst/>
+          </a:prstGeom>
+          <a:solidFill>
+            <a:srgbClr val="3D218D"/>
+          </a:solidFill>
+          <a:ln>
+            <a:noFill/>
+          </a:ln>
+          <a:effectLst>
+            <a:outerShdw blurRad="101600" dist="38100" dir="5400000" algn="t" rotWithShape="0">
+              <a:prstClr val="black">
+                <a:alpha val="20000"/>
+              </a:prstClr>
+            </a:outerShdw>
+          </a:effectLst>
+        </p:spPr>
+        <p:style>
+          <a:lnRef idx="2">
+            <a:schemeClr val="accent1">
+              <a:shade val="50000"/>
+            </a:schemeClr>
+          </a:lnRef>
+          <a:fillRef idx="1">
+            <a:schemeClr val="accent1"/>
+          </a:fillRef>
+          <a:effectRef idx="0">
+            <a:schemeClr val="accent1"/>
+          </a:effectRef>
+          <a:fontRef idx="minor">
+            <a:schemeClr val="lt1"/>
+          </a:fontRef>
+        </p:style>
+        <p:txBody>
+          <a:bodyPr rtlCol="0" anchor="ctr"/>
+          <a:lstStyle/>
+          <a:p>
+            <a:pPr algn="ctr"/>
+            <a:endParaRPr lang="en-CA"/>
+          </a:p>
+        </p:txBody>
+      </p:sp>
+      <p:sp>
+        <p:nvSpPr>
+          <p:cNvPr id="7" name="Rectangle 6"/>
+          <p:cNvSpPr/>
+          <p:nvPr/>
+        </p:nvSpPr>
+        <p:spPr>
+          <a:xfrm>
+            <a:off x="6421083" y="2829622"/>
+            <a:ext cx="1674891" cy="1946496"/>
+          </a:xfrm>
+          <a:prstGeom prst="rect">
+            <a:avLst/>
+          </a:prstGeom>
+          <a:solidFill>
+            <a:srgbClr val="4C2084"/>
+          </a:solidFill>
+          <a:ln>
+            <a:noFill/>
+          </a:ln>
+          <a:effectLst>
+            <a:outerShdw blurRad="101600" dist="38100" dir="5400000" algn="t" rotWithShape="0">
+              <a:prstClr val="black">
+                <a:alpha val="20000"/>
+              </a:prstClr>
+            </a:outerShdw>
+          </a:effectLst>
+        </p:spPr>
+        <p:style>
+          <a:lnRef idx="2">
+            <a:schemeClr val="accent1">
+              <a:shade val="50000"/>
+            </a:schemeClr>
+          </a:lnRef>
+          <a:fillRef idx="1">
+            <a:schemeClr val="accent1"/>
+          </a:fillRef>
+          <a:effectRef idx="0">
+            <a:schemeClr val="accent1"/>
+          </a:effectRef>
+          <a:fontRef idx="minor">
+            <a:schemeClr val="lt1"/>
+          </a:fontRef>
+        </p:style>
+        <p:txBody>
+          <a:bodyPr rtlCol="0" anchor="ctr"/>
+          <a:lstStyle/>
+          <a:p>
+            <a:pPr algn="ctr"/>
+            <a:endParaRPr lang="en-CA"/>
+          </a:p>
+        </p:txBody>
+      </p:sp>
+      <p:sp>
+        <p:nvSpPr>
+          <p:cNvPr id="8" name="Rectangle 7"/>
+          <p:cNvSpPr/>
+          <p:nvPr/>
+        </p:nvSpPr>
+        <p:spPr>
+          <a:xfrm>
+            <a:off x="9249447" y="2829622"/>
+            <a:ext cx="1674891" cy="1946496"/>
+          </a:xfrm>
+          <a:prstGeom prst="rect">
+            <a:avLst/>
+          </a:prstGeom>
+          <a:solidFill>
+            <a:srgbClr val="601E77"/>
+          </a:solidFill>
+          <a:ln>
+            <a:noFill/>
+          </a:ln>
+          <a:effectLst>
+            <a:outerShdw blurRad="101600" dist="38100" dir="5400000" algn="t" rotWithShape="0">
+              <a:prstClr val="black">
+                <a:alpha val="20000"/>
+              </a:prstClr>
+            </a:outerShdw>
+          </a:effectLst>
+        </p:spPr>
+        <p:style>
+          <a:lnRef idx="2">
+            <a:schemeClr val="accent1">
+              <a:shade val="50000"/>
+            </a:schemeClr>
+          </a:lnRef>
+          <a:fillRef idx="1">
+            <a:schemeClr val="accent1"/>
+          </a:fillRef>
+          <a:effectRef idx="0">
+            <a:schemeClr val="accent1"/>
+          </a:effectRef>
+          <a:fontRef idx="minor">
+            <a:schemeClr val="lt1"/>
+          </a:fontRef>
+        </p:style>
+        <p:txBody>
+          <a:bodyPr rtlCol="0" anchor="ctr"/>
+          <a:lstStyle/>
+          <a:p>
+            <a:pPr algn="ctr"/>
+            <a:endParaRPr lang="en-CA"/>
+          </a:p>
+        </p:txBody>
+      </p:sp>
+      <p:sp>
+        <p:nvSpPr>
+          <p:cNvPr id="13" name="TextBox 12"/>
+          <p:cNvSpPr txBox="1"/>
+          <p:nvPr/>
+        </p:nvSpPr>
+        <p:spPr>
+          <a:xfrm>
+            <a:off x="1192035" y="3040497"/>
+            <a:ext cx="920445" cy="584775"/>
+          </a:xfrm>
+          <a:prstGeom prst="rect">
+            <a:avLst/>
+          </a:prstGeom>
+          <a:noFill/>
+        </p:spPr>
+        <p:txBody>
+          <a:bodyPr wrap="none" rtlCol="0">
+            <a:spAutoFit/>
+          </a:bodyPr>
+          <a:lstStyle/>
+          <a:p>
+            <a:pPr algn="ctr"/>
+            <a:r>
+              <a:rPr lang="en-CA" sz="1600" b="1" dirty="0" smtClean="0">
+                <a:solidFill>
+                  <a:schemeClr val="bg1"/>
+                </a:solidFill>
+              </a:rPr>
+              <a:t>Version</a:t>
+            </a:r>
+            <a:br>
+              <a:rPr lang="en-CA" sz="1600" b="1" dirty="0" smtClean="0">
+                <a:solidFill>
+                  <a:schemeClr val="bg1"/>
+                </a:solidFill>
+              </a:rPr>
+            </a:br>
+            <a:r>
+              <a:rPr lang="en-CA" sz="1600" b="1" dirty="0" smtClean="0">
+                <a:solidFill>
+                  <a:schemeClr val="bg1"/>
+                </a:solidFill>
+              </a:rPr>
+              <a:t>Control</a:t>
+            </a:r>
+            <a:endParaRPr lang="en-CA" sz="1600" b="1" dirty="0">
+              <a:solidFill>
+                <a:schemeClr val="bg1"/>
+              </a:solidFill>
+            </a:endParaRPr>
+          </a:p>
+        </p:txBody>
+      </p:sp>
+      <p:sp>
+        <p:nvSpPr>
+          <p:cNvPr id="14" name="TextBox 13"/>
+          <p:cNvSpPr txBox="1"/>
+          <p:nvPr/>
+        </p:nvSpPr>
+        <p:spPr>
+          <a:xfrm>
+            <a:off x="3779184" y="3040497"/>
+            <a:ext cx="1301959" cy="584775"/>
+          </a:xfrm>
+          <a:prstGeom prst="rect">
+            <a:avLst/>
+          </a:prstGeom>
+          <a:noFill/>
+        </p:spPr>
+        <p:txBody>
+          <a:bodyPr wrap="none" rtlCol="0">
+            <a:spAutoFit/>
+          </a:bodyPr>
+          <a:lstStyle/>
+          <a:p>
+            <a:pPr algn="ctr"/>
+            <a:r>
+              <a:rPr lang="en-CA" sz="1600" b="1" dirty="0" smtClean="0">
+                <a:solidFill>
+                  <a:schemeClr val="bg1"/>
+                </a:solidFill>
+              </a:rPr>
+              <a:t>Continuous</a:t>
+            </a:r>
+            <a:br>
+              <a:rPr lang="en-CA" sz="1600" b="1" dirty="0" smtClean="0">
+                <a:solidFill>
+                  <a:schemeClr val="bg1"/>
+                </a:solidFill>
+              </a:rPr>
+            </a:br>
+            <a:r>
+              <a:rPr lang="en-CA" sz="1600" b="1" dirty="0" smtClean="0">
+                <a:solidFill>
+                  <a:schemeClr val="bg1"/>
+                </a:solidFill>
+              </a:rPr>
+              <a:t>Integration</a:t>
+            </a:r>
+            <a:endParaRPr lang="en-CA" sz="1600" b="1" dirty="0">
+              <a:solidFill>
+                <a:schemeClr val="bg1"/>
+              </a:solidFill>
+            </a:endParaRPr>
+          </a:p>
+        </p:txBody>
+      </p:sp>
+      <p:sp>
+        <p:nvSpPr>
+          <p:cNvPr id="15" name="TextBox 14"/>
+          <p:cNvSpPr txBox="1"/>
+          <p:nvPr/>
+        </p:nvSpPr>
+        <p:spPr>
+          <a:xfrm>
+            <a:off x="6607548" y="3040497"/>
+            <a:ext cx="1301959" cy="584775"/>
+          </a:xfrm>
+          <a:prstGeom prst="rect">
+            <a:avLst/>
+          </a:prstGeom>
+          <a:noFill/>
+        </p:spPr>
+        <p:txBody>
+          <a:bodyPr wrap="none" rtlCol="0">
+            <a:spAutoFit/>
+          </a:bodyPr>
+          <a:lstStyle/>
+          <a:p>
+            <a:pPr algn="ctr"/>
+            <a:r>
+              <a:rPr lang="en-CA" sz="1600" b="1" dirty="0" smtClean="0">
+                <a:solidFill>
+                  <a:schemeClr val="bg1"/>
+                </a:solidFill>
+              </a:rPr>
+              <a:t>Continuous</a:t>
+            </a:r>
+          </a:p>
+          <a:p>
+            <a:pPr algn="ctr"/>
+            <a:r>
+              <a:rPr lang="en-CA" sz="1600" b="1" dirty="0" smtClean="0">
+                <a:solidFill>
+                  <a:schemeClr val="bg1"/>
+                </a:solidFill>
+              </a:rPr>
+              <a:t>Delivery</a:t>
+            </a:r>
+            <a:endParaRPr lang="en-CA" sz="1600" b="1" dirty="0">
+              <a:solidFill>
+                <a:schemeClr val="bg1"/>
+              </a:solidFill>
+            </a:endParaRPr>
+          </a:p>
+        </p:txBody>
+      </p:sp>
+      <p:sp>
+        <p:nvSpPr>
+          <p:cNvPr id="16" name="TextBox 15"/>
+          <p:cNvSpPr txBox="1"/>
+          <p:nvPr/>
+        </p:nvSpPr>
+        <p:spPr>
+          <a:xfrm>
+            <a:off x="9388623" y="3040497"/>
+            <a:ext cx="1396537" cy="584775"/>
+          </a:xfrm>
+          <a:prstGeom prst="rect">
+            <a:avLst/>
+          </a:prstGeom>
+          <a:noFill/>
+        </p:spPr>
+        <p:txBody>
+          <a:bodyPr wrap="none" rtlCol="0">
+            <a:spAutoFit/>
+          </a:bodyPr>
+          <a:lstStyle/>
+          <a:p>
+            <a:pPr algn="ctr"/>
+            <a:r>
+              <a:rPr lang="en-CA" sz="1600" b="1" dirty="0" smtClean="0">
+                <a:solidFill>
+                  <a:schemeClr val="bg1"/>
+                </a:solidFill>
+              </a:rPr>
+              <a:t>Continuous</a:t>
+            </a:r>
+          </a:p>
+          <a:p>
+            <a:pPr algn="ctr"/>
+            <a:r>
+              <a:rPr lang="en-CA" sz="1600" b="1" dirty="0" smtClean="0">
+                <a:solidFill>
+                  <a:schemeClr val="bg1"/>
+                </a:solidFill>
+              </a:rPr>
+              <a:t>Deployment</a:t>
+            </a:r>
+            <a:endParaRPr lang="en-CA" sz="1600" b="1" dirty="0">
+              <a:solidFill>
+                <a:schemeClr val="bg1"/>
+              </a:solidFill>
+            </a:endParaRPr>
+          </a:p>
+        </p:txBody>
+      </p:sp>
+      <p:sp>
+        <p:nvSpPr>
+          <p:cNvPr id="17" name="TextBox 16"/>
+          <p:cNvSpPr txBox="1"/>
+          <p:nvPr/>
+        </p:nvSpPr>
+        <p:spPr>
+          <a:xfrm>
+            <a:off x="4964051" y="5475769"/>
+            <a:ext cx="1786066" cy="338554"/>
+          </a:xfrm>
+          <a:prstGeom prst="rect">
+            <a:avLst/>
+          </a:prstGeom>
+          <a:noFill/>
+        </p:spPr>
+        <p:txBody>
+          <a:bodyPr wrap="none" rtlCol="0">
+            <a:spAutoFit/>
+          </a:bodyPr>
+          <a:lstStyle/>
+          <a:p>
+            <a:pPr algn="ctr"/>
+            <a:r>
+              <a:rPr lang="en-CA" sz="1600" b="1" dirty="0" smtClean="0"/>
+              <a:t>Monitor and test</a:t>
+            </a:r>
+            <a:endParaRPr lang="en-CA" sz="1600" b="1" dirty="0"/>
           </a:p>
         </p:txBody>
       </p:sp>
       <p:cxnSp>
         <p:nvCxnSpPr>
-          <p:cNvPr id="22" name="Straight Arrow Connector 21"/>
+          <p:cNvPr id="18" name="Straight Arrow Connector 17"/>
           <p:cNvCxnSpPr/>
           <p:nvPr/>
         </p:nvCxnSpPr>
         <p:spPr>
           <a:xfrm>
-            <a:off x="2084295" y="4037286"/>
-            <a:ext cx="1116106" cy="0"/>
+            <a:off x="1652257" y="5322204"/>
+            <a:ext cx="8551000" cy="0"/>
+          </a:xfrm>
+          <a:prstGeom prst="straightConnector1">
+            <a:avLst/>
+          </a:prstGeom>
+          <a:ln w="63500" cap="rnd">
+            <a:solidFill>
+              <a:schemeClr val="bg1">
+                <a:lumMod val="75000"/>
+              </a:schemeClr>
+            </a:solidFill>
+            <a:prstDash val="sysDot"/>
+            <a:tailEnd type="none"/>
+          </a:ln>
+        </p:spPr>
+        <p:style>
+          <a:lnRef idx="1">
+            <a:schemeClr val="accent1"/>
+          </a:lnRef>
+          <a:fillRef idx="0">
+            <a:schemeClr val="accent1"/>
+          </a:fillRef>
+          <a:effectRef idx="0">
+            <a:schemeClr val="accent1"/>
+          </a:effectRef>
+          <a:fontRef idx="minor">
+            <a:schemeClr val="tx1"/>
+          </a:fontRef>
+        </p:style>
+      </p:cxnSp>
+      <p:cxnSp>
+        <p:nvCxnSpPr>
+          <p:cNvPr id="20" name="Straight Arrow Connector 19"/>
+          <p:cNvCxnSpPr/>
+          <p:nvPr/>
+        </p:nvCxnSpPr>
+        <p:spPr>
+          <a:xfrm flipV="1">
+            <a:off x="1652257" y="4878584"/>
+            <a:ext cx="0" cy="322842"/>
+          </a:xfrm>
+          <a:prstGeom prst="straightConnector1">
+            <a:avLst/>
+          </a:prstGeom>
+          <a:ln w="63500" cap="rnd">
+            <a:solidFill>
+              <a:schemeClr val="bg1">
+                <a:lumMod val="75000"/>
+              </a:schemeClr>
+            </a:solidFill>
+            <a:prstDash val="sysDot"/>
+            <a:tailEnd type="none"/>
+          </a:ln>
+        </p:spPr>
+        <p:style>
+          <a:lnRef idx="1">
+            <a:schemeClr val="accent1"/>
+          </a:lnRef>
+          <a:fillRef idx="0">
+            <a:schemeClr val="accent1"/>
+          </a:fillRef>
+          <a:effectRef idx="0">
+            <a:schemeClr val="accent1"/>
+          </a:effectRef>
+          <a:fontRef idx="minor">
+            <a:schemeClr val="tx1"/>
+          </a:fontRef>
+        </p:style>
+      </p:cxnSp>
+      <p:cxnSp>
+        <p:nvCxnSpPr>
+          <p:cNvPr id="24" name="Straight Arrow Connector 23"/>
+          <p:cNvCxnSpPr/>
+          <p:nvPr/>
+        </p:nvCxnSpPr>
+        <p:spPr>
+          <a:xfrm flipV="1">
+            <a:off x="4439219" y="4878584"/>
+            <a:ext cx="0" cy="322842"/>
+          </a:xfrm>
+          <a:prstGeom prst="straightConnector1">
+            <a:avLst/>
+          </a:prstGeom>
+          <a:ln w="63500" cap="rnd">
+            <a:solidFill>
+              <a:schemeClr val="bg1">
+                <a:lumMod val="75000"/>
+              </a:schemeClr>
+            </a:solidFill>
+            <a:prstDash val="sysDot"/>
+            <a:tailEnd type="none"/>
+          </a:ln>
+        </p:spPr>
+        <p:style>
+          <a:lnRef idx="1">
+            <a:schemeClr val="accent1"/>
+          </a:lnRef>
+          <a:fillRef idx="0">
+            <a:schemeClr val="accent1"/>
+          </a:fillRef>
+          <a:effectRef idx="0">
+            <a:schemeClr val="accent1"/>
+          </a:effectRef>
+          <a:fontRef idx="minor">
+            <a:schemeClr val="tx1"/>
+          </a:fontRef>
+        </p:style>
+      </p:cxnSp>
+      <p:cxnSp>
+        <p:nvCxnSpPr>
+          <p:cNvPr id="25" name="Straight Arrow Connector 24"/>
+          <p:cNvCxnSpPr/>
+          <p:nvPr/>
+        </p:nvCxnSpPr>
+        <p:spPr>
+          <a:xfrm flipV="1">
+            <a:off x="7276633" y="4887741"/>
+            <a:ext cx="0" cy="322842"/>
+          </a:xfrm>
+          <a:prstGeom prst="straightConnector1">
+            <a:avLst/>
+          </a:prstGeom>
+          <a:ln w="63500" cap="rnd">
+            <a:solidFill>
+              <a:schemeClr val="bg1">
+                <a:lumMod val="75000"/>
+              </a:schemeClr>
+            </a:solidFill>
+            <a:prstDash val="sysDot"/>
+            <a:tailEnd type="none"/>
+          </a:ln>
+        </p:spPr>
+        <p:style>
+          <a:lnRef idx="1">
+            <a:schemeClr val="accent1"/>
+          </a:lnRef>
+          <a:fillRef idx="0">
+            <a:schemeClr val="accent1"/>
+          </a:fillRef>
+          <a:effectRef idx="0">
+            <a:schemeClr val="accent1"/>
+          </a:effectRef>
+          <a:fontRef idx="minor">
+            <a:schemeClr val="tx1"/>
+          </a:fontRef>
+        </p:style>
+      </p:cxnSp>
+      <p:cxnSp>
+        <p:nvCxnSpPr>
+          <p:cNvPr id="26" name="Straight Arrow Connector 25"/>
+          <p:cNvCxnSpPr/>
+          <p:nvPr/>
+        </p:nvCxnSpPr>
+        <p:spPr>
+          <a:xfrm flipV="1">
+            <a:off x="10157992" y="4878792"/>
+            <a:ext cx="0" cy="322842"/>
+          </a:xfrm>
+          <a:prstGeom prst="straightConnector1">
+            <a:avLst/>
+          </a:prstGeom>
+          <a:ln w="63500" cap="rnd">
+            <a:solidFill>
+              <a:schemeClr val="bg1">
+                <a:lumMod val="75000"/>
+              </a:schemeClr>
+            </a:solidFill>
+            <a:prstDash val="sysDot"/>
+            <a:tailEnd type="none"/>
+          </a:ln>
+        </p:spPr>
+        <p:style>
+          <a:lnRef idx="1">
+            <a:schemeClr val="accent1"/>
+          </a:lnRef>
+          <a:fillRef idx="0">
+            <a:schemeClr val="accent1"/>
+          </a:fillRef>
+          <a:effectRef idx="0">
+            <a:schemeClr val="accent1"/>
+          </a:effectRef>
+          <a:fontRef idx="minor">
+            <a:schemeClr val="tx1"/>
+          </a:fontRef>
+        </p:style>
+      </p:cxnSp>
+      <p:sp>
+        <p:nvSpPr>
+          <p:cNvPr id="28" name="TextBox 27"/>
+          <p:cNvSpPr txBox="1"/>
+          <p:nvPr/>
+        </p:nvSpPr>
+        <p:spPr>
+          <a:xfrm>
+            <a:off x="986827" y="4031362"/>
+            <a:ext cx="1330859" cy="523220"/>
+          </a:xfrm>
+          <a:prstGeom prst="rect">
+            <a:avLst/>
+          </a:prstGeom>
+          <a:noFill/>
+        </p:spPr>
+        <p:txBody>
+          <a:bodyPr wrap="square" rtlCol="0">
+            <a:spAutoFit/>
+          </a:bodyPr>
+          <a:lstStyle/>
+          <a:p>
+            <a:pPr algn="ctr"/>
+            <a:r>
+              <a:rPr lang="en-CA" sz="1400" dirty="0" smtClean="0">
+                <a:solidFill>
+                  <a:schemeClr val="bg1"/>
+                </a:solidFill>
+              </a:rPr>
+              <a:t>The project’s history</a:t>
+            </a:r>
+            <a:endParaRPr lang="en-CA" sz="1400" dirty="0">
+              <a:solidFill>
+                <a:schemeClr val="bg1"/>
+              </a:solidFill>
+            </a:endParaRPr>
+          </a:p>
+        </p:txBody>
+      </p:sp>
+      <p:sp>
+        <p:nvSpPr>
+          <p:cNvPr id="29" name="TextBox 28"/>
+          <p:cNvSpPr txBox="1"/>
+          <p:nvPr/>
+        </p:nvSpPr>
+        <p:spPr>
+          <a:xfrm>
+            <a:off x="3643178" y="4048525"/>
+            <a:ext cx="1593381" cy="523220"/>
+          </a:xfrm>
+          <a:prstGeom prst="rect">
+            <a:avLst/>
+          </a:prstGeom>
+          <a:noFill/>
+        </p:spPr>
+        <p:txBody>
+          <a:bodyPr wrap="square" rtlCol="0">
+            <a:spAutoFit/>
+          </a:bodyPr>
+          <a:lstStyle/>
+          <a:p>
+            <a:pPr algn="ctr"/>
+            <a:r>
+              <a:rPr lang="en-CA" sz="1400" dirty="0" smtClean="0">
+                <a:solidFill>
+                  <a:schemeClr val="bg1"/>
+                </a:solidFill>
+              </a:rPr>
+              <a:t>Build and test changes</a:t>
+            </a:r>
+            <a:endParaRPr lang="en-CA" sz="1400" dirty="0">
+              <a:solidFill>
+                <a:schemeClr val="bg1"/>
+              </a:solidFill>
+            </a:endParaRPr>
+          </a:p>
+        </p:txBody>
+      </p:sp>
+      <p:sp>
+        <p:nvSpPr>
+          <p:cNvPr id="30" name="TextBox 29"/>
+          <p:cNvSpPr txBox="1"/>
+          <p:nvPr/>
+        </p:nvSpPr>
+        <p:spPr>
+          <a:xfrm>
+            <a:off x="6561525" y="4031362"/>
+            <a:ext cx="1430215" cy="523220"/>
+          </a:xfrm>
+          <a:prstGeom prst="rect">
+            <a:avLst/>
+          </a:prstGeom>
+          <a:noFill/>
+        </p:spPr>
+        <p:txBody>
+          <a:bodyPr wrap="square" rtlCol="0">
+            <a:spAutoFit/>
+          </a:bodyPr>
+          <a:lstStyle/>
+          <a:p>
+            <a:pPr algn="ctr"/>
+            <a:r>
+              <a:rPr lang="en-CA" sz="1400" dirty="0" smtClean="0">
+                <a:solidFill>
+                  <a:schemeClr val="bg1"/>
+                </a:solidFill>
+              </a:rPr>
+              <a:t>Deploy to test servers</a:t>
+            </a:r>
+            <a:endParaRPr lang="en-CA" sz="1400" dirty="0">
+              <a:solidFill>
+                <a:schemeClr val="bg1"/>
+              </a:solidFill>
+            </a:endParaRPr>
+          </a:p>
+        </p:txBody>
+      </p:sp>
+      <p:sp>
+        <p:nvSpPr>
+          <p:cNvPr id="31" name="TextBox 30"/>
+          <p:cNvSpPr txBox="1"/>
+          <p:nvPr/>
+        </p:nvSpPr>
+        <p:spPr>
+          <a:xfrm>
+            <a:off x="9378883" y="4031362"/>
+            <a:ext cx="1430215" cy="523220"/>
+          </a:xfrm>
+          <a:prstGeom prst="rect">
+            <a:avLst/>
+          </a:prstGeom>
+          <a:noFill/>
+        </p:spPr>
+        <p:txBody>
+          <a:bodyPr wrap="square" rtlCol="0">
+            <a:spAutoFit/>
+          </a:bodyPr>
+          <a:lstStyle/>
+          <a:p>
+            <a:pPr algn="ctr"/>
+            <a:r>
+              <a:rPr lang="en-CA" sz="1400" dirty="0" smtClean="0">
+                <a:solidFill>
+                  <a:schemeClr val="bg1"/>
+                </a:solidFill>
+              </a:rPr>
+              <a:t>Release new versions</a:t>
+            </a:r>
+            <a:endParaRPr lang="en-CA" sz="1400" dirty="0">
+              <a:solidFill>
+                <a:schemeClr val="bg1"/>
+              </a:solidFill>
+            </a:endParaRPr>
+          </a:p>
+        </p:txBody>
+      </p:sp>
+      <p:cxnSp>
+        <p:nvCxnSpPr>
+          <p:cNvPr id="33" name="Straight Connector 32"/>
+          <p:cNvCxnSpPr/>
+          <p:nvPr/>
+        </p:nvCxnSpPr>
+        <p:spPr>
+          <a:xfrm flipV="1">
+            <a:off x="814814" y="3823143"/>
+            <a:ext cx="10109524" cy="2"/>
+          </a:xfrm>
+          <a:prstGeom prst="line">
+            <a:avLst/>
+          </a:prstGeom>
+          <a:ln w="25400">
+            <a:solidFill>
+              <a:schemeClr val="bg1">
+                <a:alpha val="20000"/>
+              </a:schemeClr>
+            </a:solidFill>
+          </a:ln>
+        </p:spPr>
+        <p:style>
+          <a:lnRef idx="1">
+            <a:schemeClr val="accent1"/>
+          </a:lnRef>
+          <a:fillRef idx="0">
+            <a:schemeClr val="accent1"/>
+          </a:fillRef>
+          <a:effectRef idx="0">
+            <a:schemeClr val="accent1"/>
+          </a:effectRef>
+          <a:fontRef idx="minor">
+            <a:schemeClr val="tx1"/>
+          </a:fontRef>
+        </p:style>
+      </p:cxnSp>
+      <p:cxnSp>
+        <p:nvCxnSpPr>
+          <p:cNvPr id="9" name="Straight Arrow Connector 8"/>
+          <p:cNvCxnSpPr/>
+          <p:nvPr/>
+        </p:nvCxnSpPr>
+        <p:spPr>
+          <a:xfrm>
+            <a:off x="2663717" y="3816158"/>
+            <a:ext cx="758493" cy="0"/>
           </a:xfrm>
           <a:prstGeom prst="straightConnector1">
             <a:avLst/>
@@ -11747,14 +13791,14 @@
       </p:cxnSp>
       <p:cxnSp>
         <p:nvCxnSpPr>
-          <p:cNvPr id="23" name="Straight Arrow Connector 22"/>
+          <p:cNvPr id="11" name="Straight Arrow Connector 10"/>
           <p:cNvCxnSpPr/>
           <p:nvPr/>
         </p:nvCxnSpPr>
         <p:spPr>
           <a:xfrm>
-            <a:off x="4988856" y="4004594"/>
-            <a:ext cx="1116106" cy="0"/>
+            <a:off x="5477836" y="3823143"/>
+            <a:ext cx="758493" cy="0"/>
           </a:xfrm>
           <a:prstGeom prst="straightConnector1">
             <a:avLst/>
@@ -11786,14 +13830,14 @@
       </p:cxnSp>
       <p:cxnSp>
         <p:nvCxnSpPr>
-          <p:cNvPr id="24" name="Straight Arrow Connector 23"/>
+          <p:cNvPr id="12" name="Straight Arrow Connector 11"/>
           <p:cNvCxnSpPr/>
           <p:nvPr/>
         </p:nvCxnSpPr>
         <p:spPr>
           <a:xfrm>
-            <a:off x="8248794" y="4025744"/>
-            <a:ext cx="1116106" cy="0"/>
+            <a:off x="8282901" y="3823143"/>
+            <a:ext cx="758493" cy="0"/>
           </a:xfrm>
           <a:prstGeom prst="straightConnector1">
             <a:avLst/>
@@ -11825,31 +13869,24 @@
       </p:cxnSp>
       <p:sp>
         <p:nvSpPr>
-          <p:cNvPr id="26" name="Rectangle 25"/>
+          <p:cNvPr id="35" name="Oval 34"/>
           <p:cNvSpPr/>
           <p:nvPr/>
         </p:nvSpPr>
         <p:spPr>
           <a:xfrm>
-            <a:off x="9558401" y="3041868"/>
-            <a:ext cx="1842247" cy="2079201"/>
-          </a:xfrm>
-          <a:prstGeom prst="rect">
+            <a:off x="604587" y="2621392"/>
+            <a:ext cx="416459" cy="416459"/>
+          </a:xfrm>
+          <a:prstGeom prst="ellipse">
             <a:avLst/>
           </a:prstGeom>
           <a:solidFill>
-            <a:schemeClr val="bg1"/>
+            <a:srgbClr val="00B050"/>
           </a:solidFill>
           <a:ln>
             <a:noFill/>
           </a:ln>
-          <a:effectLst>
-            <a:outerShdw blurRad="127000" dist="38100" dir="5400000" algn="t" rotWithShape="0">
-              <a:prstClr val="black">
-                <a:alpha val="20000"/>
-              </a:prstClr>
-            </a:outerShdw>
-          </a:effectLst>
         </p:spPr>
         <p:style>
           <a:lnRef idx="2">
@@ -11872,168 +13909,34 @@
           <a:lstStyle/>
           <a:p>
             <a:pPr algn="ctr"/>
-            <a:endParaRPr lang="en-CA"/>
+            <a:r>
+              <a:rPr lang="en-CA" b="1" dirty="0" smtClean="0"/>
+              <a:t>1</a:t>
+            </a:r>
+            <a:endParaRPr lang="en-CA" b="1" dirty="0"/>
           </a:p>
         </p:txBody>
       </p:sp>
       <p:sp>
         <p:nvSpPr>
-          <p:cNvPr id="33" name="TextBox 32"/>
-          <p:cNvSpPr txBox="1"/>
-          <p:nvPr/>
-        </p:nvSpPr>
-        <p:spPr>
-          <a:xfrm>
-            <a:off x="362820" y="4558354"/>
-            <a:ext cx="1637933" cy="307777"/>
-          </a:xfrm>
-          <a:prstGeom prst="rect">
-            <a:avLst/>
-          </a:prstGeom>
-          <a:noFill/>
-        </p:spPr>
-        <p:txBody>
-          <a:bodyPr wrap="square" rtlCol="0">
-            <a:spAutoFit/>
-          </a:bodyPr>
-          <a:lstStyle/>
-          <a:p>
-            <a:pPr algn="ctr"/>
-            <a:r>
-              <a:rPr lang="en-CA" sz="1400" dirty="0" smtClean="0"/>
-              <a:t>Ansible</a:t>
-            </a:r>
-            <a:endParaRPr lang="en-CA" sz="1400" dirty="0"/>
-          </a:p>
-        </p:txBody>
-      </p:sp>
-      <p:sp>
-        <p:nvSpPr>
-          <p:cNvPr id="34" name="TextBox 33"/>
-          <p:cNvSpPr txBox="1"/>
-          <p:nvPr/>
-        </p:nvSpPr>
-        <p:spPr>
-          <a:xfrm>
-            <a:off x="6068081" y="5662560"/>
-            <a:ext cx="2175249" cy="307777"/>
-          </a:xfrm>
-          <a:prstGeom prst="rect">
-            <a:avLst/>
-          </a:prstGeom>
-          <a:noFill/>
-        </p:spPr>
-        <p:txBody>
-          <a:bodyPr wrap="square" rtlCol="0">
-            <a:spAutoFit/>
-          </a:bodyPr>
-          <a:lstStyle/>
-          <a:p>
-            <a:pPr algn="ctr"/>
-            <a:r>
-              <a:rPr lang="en-CA" sz="1400" dirty="0" smtClean="0"/>
-              <a:t>New servers</a:t>
-            </a:r>
-            <a:endParaRPr lang="en-CA" sz="1400" dirty="0"/>
-          </a:p>
-        </p:txBody>
-      </p:sp>
-      <p:sp>
-        <p:nvSpPr>
-          <p:cNvPr id="35" name="TextBox 34"/>
-          <p:cNvSpPr txBox="1"/>
-          <p:nvPr/>
-        </p:nvSpPr>
-        <p:spPr>
-          <a:xfrm>
-            <a:off x="9364900" y="5232375"/>
-            <a:ext cx="2175249" cy="523220"/>
-          </a:xfrm>
-          <a:prstGeom prst="rect">
-            <a:avLst/>
-          </a:prstGeom>
-          <a:noFill/>
-        </p:spPr>
-        <p:txBody>
-          <a:bodyPr wrap="square" rtlCol="0">
-            <a:spAutoFit/>
-          </a:bodyPr>
-          <a:lstStyle/>
-          <a:p>
-            <a:pPr algn="ctr"/>
-            <a:r>
-              <a:rPr lang="en-CA" sz="1400" dirty="0" smtClean="0"/>
-              <a:t>Configured</a:t>
-            </a:r>
-            <a:br>
-              <a:rPr lang="en-CA" sz="1400" dirty="0" smtClean="0"/>
-            </a:br>
-            <a:r>
-              <a:rPr lang="en-CA" sz="1400" dirty="0" smtClean="0"/>
-              <a:t>service</a:t>
-            </a:r>
-            <a:endParaRPr lang="en-CA" sz="1400" dirty="0"/>
-          </a:p>
-        </p:txBody>
-      </p:sp>
-      <p:sp>
-        <p:nvSpPr>
-          <p:cNvPr id="36" name="TextBox 35"/>
-          <p:cNvSpPr txBox="1"/>
-          <p:nvPr/>
-        </p:nvSpPr>
-        <p:spPr>
-          <a:xfrm>
-            <a:off x="3268537" y="4558354"/>
-            <a:ext cx="1637933" cy="307777"/>
-          </a:xfrm>
-          <a:prstGeom prst="rect">
-            <a:avLst/>
-          </a:prstGeom>
-          <a:noFill/>
-        </p:spPr>
-        <p:txBody>
-          <a:bodyPr wrap="square" rtlCol="0">
-            <a:spAutoFit/>
-          </a:bodyPr>
-          <a:lstStyle/>
-          <a:p>
-            <a:pPr algn="ctr"/>
-            <a:r>
-              <a:rPr lang="en-CA" sz="1400" dirty="0" smtClean="0"/>
-              <a:t>Build</a:t>
-            </a:r>
-            <a:endParaRPr lang="en-CA" sz="1400" dirty="0"/>
-          </a:p>
-        </p:txBody>
-      </p:sp>
-      <p:sp>
-        <p:nvSpPr>
-          <p:cNvPr id="40" name="Rectangle 39"/>
+          <p:cNvPr id="36" name="Oval 35"/>
           <p:cNvSpPr/>
           <p:nvPr/>
         </p:nvSpPr>
         <p:spPr>
           <a:xfrm>
-            <a:off x="6242758" y="4712242"/>
-            <a:ext cx="1842247" cy="865247"/>
-          </a:xfrm>
-          <a:prstGeom prst="rect">
+            <a:off x="3405792" y="2598133"/>
+            <a:ext cx="416459" cy="416459"/>
+          </a:xfrm>
+          <a:prstGeom prst="ellipse">
             <a:avLst/>
           </a:prstGeom>
           <a:solidFill>
-            <a:schemeClr val="bg1"/>
+            <a:srgbClr val="00B050"/>
           </a:solidFill>
           <a:ln>
             <a:noFill/>
           </a:ln>
-          <a:effectLst>
-            <a:outerShdw blurRad="127000" dist="38100" dir="5400000" algn="t" rotWithShape="0">
-              <a:prstClr val="black">
-                <a:alpha val="20000"/>
-              </a:prstClr>
-            </a:outerShdw>
-          </a:effectLst>
         </p:spPr>
         <p:style>
           <a:lnRef idx="2">
@@ -12056,37 +13959,34 @@
           <a:lstStyle/>
           <a:p>
             <a:pPr algn="ctr"/>
-            <a:endParaRPr lang="en-CA"/>
+            <a:r>
+              <a:rPr lang="en-CA" b="1" dirty="0" smtClean="0"/>
+              <a:t>2</a:t>
+            </a:r>
+            <a:endParaRPr lang="en-CA" b="1" dirty="0"/>
           </a:p>
         </p:txBody>
       </p:sp>
       <p:sp>
         <p:nvSpPr>
-          <p:cNvPr id="44" name="Rectangle 43"/>
+          <p:cNvPr id="37" name="Oval 36"/>
           <p:cNvSpPr/>
           <p:nvPr/>
         </p:nvSpPr>
         <p:spPr>
           <a:xfrm>
-            <a:off x="6237635" y="3593735"/>
-            <a:ext cx="1842247" cy="865247"/>
-          </a:xfrm>
-          <a:prstGeom prst="rect">
+            <a:off x="6191089" y="2634396"/>
+            <a:ext cx="416459" cy="416459"/>
+          </a:xfrm>
+          <a:prstGeom prst="ellipse">
             <a:avLst/>
           </a:prstGeom>
           <a:solidFill>
-            <a:schemeClr val="bg1"/>
+            <a:srgbClr val="00B050"/>
           </a:solidFill>
           <a:ln>
             <a:noFill/>
           </a:ln>
-          <a:effectLst>
-            <a:outerShdw blurRad="127000" dist="38100" dir="5400000" algn="t" rotWithShape="0">
-              <a:prstClr val="black">
-                <a:alpha val="20000"/>
-              </a:prstClr>
-            </a:outerShdw>
-          </a:effectLst>
         </p:spPr>
         <p:style>
           <a:lnRef idx="2">
@@ -12109,37 +14009,34 @@
           <a:lstStyle/>
           <a:p>
             <a:pPr algn="ctr"/>
-            <a:endParaRPr lang="en-CA"/>
+            <a:r>
+              <a:rPr lang="en-CA" b="1" dirty="0" smtClean="0"/>
+              <a:t>3</a:t>
+            </a:r>
+            <a:endParaRPr lang="en-CA" b="1" dirty="0"/>
           </a:p>
         </p:txBody>
       </p:sp>
       <p:sp>
         <p:nvSpPr>
-          <p:cNvPr id="45" name="Rectangle 44"/>
+          <p:cNvPr id="38" name="Oval 37"/>
           <p:cNvSpPr/>
           <p:nvPr/>
         </p:nvSpPr>
         <p:spPr>
           <a:xfrm>
-            <a:off x="6234581" y="2479586"/>
-            <a:ext cx="1842247" cy="865247"/>
-          </a:xfrm>
-          <a:prstGeom prst="rect">
+            <a:off x="9062980" y="2634395"/>
+            <a:ext cx="416459" cy="416459"/>
+          </a:xfrm>
+          <a:prstGeom prst="ellipse">
             <a:avLst/>
           </a:prstGeom>
           <a:solidFill>
-            <a:schemeClr val="bg1"/>
+            <a:srgbClr val="00B050"/>
           </a:solidFill>
           <a:ln>
             <a:noFill/>
           </a:ln>
-          <a:effectLst>
-            <a:outerShdw blurRad="127000" dist="38100" dir="5400000" algn="t" rotWithShape="0">
-              <a:prstClr val="black">
-                <a:alpha val="20000"/>
-              </a:prstClr>
-            </a:outerShdw>
-          </a:effectLst>
         </p:spPr>
         <p:style>
           <a:lnRef idx="2">
@@ -12162,633 +14059,18 @@
           <a:lstStyle/>
           <a:p>
             <a:pPr algn="ctr"/>
-            <a:endParaRPr lang="en-CA"/>
+            <a:r>
+              <a:rPr lang="en-CA" b="1" dirty="0"/>
+              <a:t>4</a:t>
+            </a:r>
+            <a:endParaRPr lang="en-CA" b="1" dirty="0"/>
           </a:p>
         </p:txBody>
       </p:sp>
-      <p:pic>
-        <p:nvPicPr>
-          <p:cNvPr id="5" name="Picture 4"/>
-          <p:cNvPicPr>
-            <a:picLocks noChangeAspect="1"/>
-          </p:cNvPicPr>
-          <p:nvPr/>
-        </p:nvPicPr>
-        <p:blipFill>
-          <a:blip r:embed="rId2" cstate="print">
-            <a:extLst>
-              <a:ext uri="{28A0092B-C50C-407E-A947-70E740481C1C}">
-                <a14:useLocalDpi xmlns:a14="http://schemas.microsoft.com/office/drawing/2010/main" val="0"/>
-              </a:ext>
-            </a:extLst>
-          </a:blip>
-          <a:stretch>
-            <a:fillRect/>
-          </a:stretch>
-        </p:blipFill>
-        <p:spPr>
-          <a:xfrm>
-            <a:off x="6696196" y="2782549"/>
-            <a:ext cx="919016" cy="259319"/>
-          </a:xfrm>
-          <a:prstGeom prst="rect">
-            <a:avLst/>
-          </a:prstGeom>
-        </p:spPr>
-      </p:pic>
-      <p:pic>
-        <p:nvPicPr>
-          <p:cNvPr id="46" name="Picture 45"/>
-          <p:cNvPicPr>
-            <a:picLocks noChangeAspect="1"/>
-          </p:cNvPicPr>
-          <p:nvPr/>
-        </p:nvPicPr>
-        <p:blipFill>
-          <a:blip r:embed="rId2" cstate="print">
-            <a:extLst>
-              <a:ext uri="{28A0092B-C50C-407E-A947-70E740481C1C}">
-                <a14:useLocalDpi xmlns:a14="http://schemas.microsoft.com/office/drawing/2010/main" val="0"/>
-              </a:ext>
-            </a:extLst>
-          </a:blip>
-          <a:stretch>
-            <a:fillRect/>
-          </a:stretch>
-        </p:blipFill>
-        <p:spPr>
-          <a:xfrm>
-            <a:off x="6696196" y="3874934"/>
-            <a:ext cx="919016" cy="259319"/>
-          </a:xfrm>
-          <a:prstGeom prst="rect">
-            <a:avLst/>
-          </a:prstGeom>
-        </p:spPr>
-      </p:pic>
-      <p:pic>
-        <p:nvPicPr>
-          <p:cNvPr id="47" name="Picture 46"/>
-          <p:cNvPicPr>
-            <a:picLocks noChangeAspect="1"/>
-          </p:cNvPicPr>
-          <p:nvPr/>
-        </p:nvPicPr>
-        <p:blipFill>
-          <a:blip r:embed="rId2" cstate="print">
-            <a:extLst>
-              <a:ext uri="{28A0092B-C50C-407E-A947-70E740481C1C}">
-                <a14:useLocalDpi xmlns:a14="http://schemas.microsoft.com/office/drawing/2010/main" val="0"/>
-              </a:ext>
-            </a:extLst>
-          </a:blip>
-          <a:stretch>
-            <a:fillRect/>
-          </a:stretch>
-        </p:blipFill>
-        <p:spPr>
-          <a:xfrm>
-            <a:off x="6704373" y="5015205"/>
-            <a:ext cx="919016" cy="259319"/>
-          </a:xfrm>
-          <a:prstGeom prst="rect">
-            <a:avLst/>
-          </a:prstGeom>
-        </p:spPr>
-      </p:pic>
-      <p:pic>
-        <p:nvPicPr>
-          <p:cNvPr id="43" name="Picture 42"/>
-          <p:cNvPicPr>
-            <a:picLocks noChangeAspect="1"/>
-          </p:cNvPicPr>
-          <p:nvPr/>
-        </p:nvPicPr>
-        <p:blipFill>
-          <a:blip r:embed="rId3" cstate="print">
-            <a:extLst>
-              <a:ext uri="{28A0092B-C50C-407E-A947-70E740481C1C}">
-                <a14:useLocalDpi xmlns:a14="http://schemas.microsoft.com/office/drawing/2010/main" val="0"/>
-              </a:ext>
-            </a:extLst>
-          </a:blip>
-          <a:stretch>
-            <a:fillRect/>
-          </a:stretch>
-        </p:blipFill>
-        <p:spPr>
-          <a:xfrm>
-            <a:off x="9832189" y="3520948"/>
-            <a:ext cx="1250768" cy="1157736"/>
-          </a:xfrm>
-          <a:prstGeom prst="rect">
-            <a:avLst/>
-          </a:prstGeom>
-        </p:spPr>
-      </p:pic>
-      <p:grpSp>
-        <p:nvGrpSpPr>
-          <p:cNvPr id="48" name="Group 47"/>
-          <p:cNvGrpSpPr/>
-          <p:nvPr/>
-        </p:nvGrpSpPr>
-        <p:grpSpPr>
-          <a:xfrm>
-            <a:off x="11227722" y="4954061"/>
-            <a:ext cx="345852" cy="346848"/>
-            <a:chOff x="11095777" y="3669465"/>
-            <a:chExt cx="500683" cy="502125"/>
-          </a:xfrm>
-        </p:grpSpPr>
-        <p:sp>
-          <p:nvSpPr>
-            <p:cNvPr id="49" name="Oval 48"/>
-            <p:cNvSpPr/>
-            <p:nvPr/>
-          </p:nvSpPr>
-          <p:spPr>
-            <a:xfrm>
-              <a:off x="11098217" y="3669465"/>
-              <a:ext cx="469383" cy="469383"/>
-            </a:xfrm>
-            <a:prstGeom prst="ellipse">
-              <a:avLst/>
-            </a:prstGeom>
-            <a:solidFill>
-              <a:schemeClr val="bg1"/>
-            </a:solidFill>
-            <a:ln>
-              <a:noFill/>
-            </a:ln>
-          </p:spPr>
-          <p:style>
-            <a:lnRef idx="2">
-              <a:schemeClr val="accent1">
-                <a:shade val="50000"/>
-              </a:schemeClr>
-            </a:lnRef>
-            <a:fillRef idx="1">
-              <a:schemeClr val="accent1"/>
-            </a:fillRef>
-            <a:effectRef idx="0">
-              <a:schemeClr val="accent1"/>
-            </a:effectRef>
-            <a:fontRef idx="minor">
-              <a:schemeClr val="lt1"/>
-            </a:fontRef>
-          </p:style>
-          <p:txBody>
-            <a:bodyPr rtlCol="0" anchor="ctr"/>
-            <a:lstStyle/>
-            <a:p>
-              <a:pPr algn="ctr"/>
-              <a:endParaRPr lang="en-CA"/>
-            </a:p>
-          </p:txBody>
-        </p:sp>
-        <p:sp>
-          <p:nvSpPr>
-            <p:cNvPr id="50" name="Freeform 49"/>
-            <p:cNvSpPr>
-              <a:spLocks noEditPoints="1"/>
-            </p:cNvSpPr>
-            <p:nvPr/>
-          </p:nvSpPr>
-          <p:spPr bwMode="auto">
-            <a:xfrm>
-              <a:off x="11095777" y="3669465"/>
-              <a:ext cx="500683" cy="502125"/>
-            </a:xfrm>
-            <a:custGeom>
-              <a:avLst/>
-              <a:gdLst>
-                <a:gd name="T0" fmla="*/ 110 w 147"/>
-                <a:gd name="T1" fmla="*/ 10 h 147"/>
-                <a:gd name="T2" fmla="*/ 73 w 147"/>
-                <a:gd name="T3" fmla="*/ 0 h 147"/>
-                <a:gd name="T4" fmla="*/ 36 w 147"/>
-                <a:gd name="T5" fmla="*/ 10 h 147"/>
-                <a:gd name="T6" fmla="*/ 10 w 147"/>
-                <a:gd name="T7" fmla="*/ 37 h 147"/>
-                <a:gd name="T8" fmla="*/ 0 w 147"/>
-                <a:gd name="T9" fmla="*/ 74 h 147"/>
-                <a:gd name="T10" fmla="*/ 10 w 147"/>
-                <a:gd name="T11" fmla="*/ 111 h 147"/>
-                <a:gd name="T12" fmla="*/ 36 w 147"/>
-                <a:gd name="T13" fmla="*/ 137 h 147"/>
-                <a:gd name="T14" fmla="*/ 73 w 147"/>
-                <a:gd name="T15" fmla="*/ 147 h 147"/>
-                <a:gd name="T16" fmla="*/ 110 w 147"/>
-                <a:gd name="T17" fmla="*/ 137 h 147"/>
-                <a:gd name="T18" fmla="*/ 137 w 147"/>
-                <a:gd name="T19" fmla="*/ 111 h 147"/>
-                <a:gd name="T20" fmla="*/ 147 w 147"/>
-                <a:gd name="T21" fmla="*/ 74 h 147"/>
-                <a:gd name="T22" fmla="*/ 137 w 147"/>
-                <a:gd name="T23" fmla="*/ 37 h 147"/>
-                <a:gd name="T24" fmla="*/ 110 w 147"/>
-                <a:gd name="T25" fmla="*/ 10 h 147"/>
-                <a:gd name="T26" fmla="*/ 121 w 147"/>
-                <a:gd name="T27" fmla="*/ 63 h 147"/>
-                <a:gd name="T28" fmla="*/ 69 w 147"/>
-                <a:gd name="T29" fmla="*/ 114 h 147"/>
-                <a:gd name="T30" fmla="*/ 65 w 147"/>
-                <a:gd name="T31" fmla="*/ 116 h 147"/>
-                <a:gd name="T32" fmla="*/ 60 w 147"/>
-                <a:gd name="T33" fmla="*/ 114 h 147"/>
-                <a:gd name="T34" fmla="*/ 26 w 147"/>
-                <a:gd name="T35" fmla="*/ 80 h 147"/>
-                <a:gd name="T36" fmla="*/ 24 w 147"/>
-                <a:gd name="T37" fmla="*/ 76 h 147"/>
-                <a:gd name="T38" fmla="*/ 26 w 147"/>
-                <a:gd name="T39" fmla="*/ 71 h 147"/>
-                <a:gd name="T40" fmla="*/ 34 w 147"/>
-                <a:gd name="T41" fmla="*/ 63 h 147"/>
-                <a:gd name="T42" fmla="*/ 39 w 147"/>
-                <a:gd name="T43" fmla="*/ 61 h 147"/>
-                <a:gd name="T44" fmla="*/ 43 w 147"/>
-                <a:gd name="T45" fmla="*/ 63 h 147"/>
-                <a:gd name="T46" fmla="*/ 65 w 147"/>
-                <a:gd name="T47" fmla="*/ 84 h 147"/>
-                <a:gd name="T48" fmla="*/ 104 w 147"/>
-                <a:gd name="T49" fmla="*/ 45 h 147"/>
-                <a:gd name="T50" fmla="*/ 108 w 147"/>
-                <a:gd name="T51" fmla="*/ 43 h 147"/>
-                <a:gd name="T52" fmla="*/ 112 w 147"/>
-                <a:gd name="T53" fmla="*/ 45 h 147"/>
-                <a:gd name="T54" fmla="*/ 121 w 147"/>
-                <a:gd name="T55" fmla="*/ 54 h 147"/>
-                <a:gd name="T56" fmla="*/ 123 w 147"/>
-                <a:gd name="T57" fmla="*/ 58 h 147"/>
-                <a:gd name="T58" fmla="*/ 121 w 147"/>
-                <a:gd name="T59" fmla="*/ 63 h 147"/>
-              </a:gdLst>
-              <a:ahLst/>
-              <a:cxnLst>
-                <a:cxn ang="0">
-                  <a:pos x="T0" y="T1"/>
-                </a:cxn>
-                <a:cxn ang="0">
-                  <a:pos x="T2" y="T3"/>
-                </a:cxn>
-                <a:cxn ang="0">
-                  <a:pos x="T4" y="T5"/>
-                </a:cxn>
-                <a:cxn ang="0">
-                  <a:pos x="T6" y="T7"/>
-                </a:cxn>
-                <a:cxn ang="0">
-                  <a:pos x="T8" y="T9"/>
-                </a:cxn>
-                <a:cxn ang="0">
-                  <a:pos x="T10" y="T11"/>
-                </a:cxn>
-                <a:cxn ang="0">
-                  <a:pos x="T12" y="T13"/>
-                </a:cxn>
-                <a:cxn ang="0">
-                  <a:pos x="T14" y="T15"/>
-                </a:cxn>
-                <a:cxn ang="0">
-                  <a:pos x="T16" y="T17"/>
-                </a:cxn>
-                <a:cxn ang="0">
-                  <a:pos x="T18" y="T19"/>
-                </a:cxn>
-                <a:cxn ang="0">
-                  <a:pos x="T20" y="T21"/>
-                </a:cxn>
-                <a:cxn ang="0">
-                  <a:pos x="T22" y="T23"/>
-                </a:cxn>
-                <a:cxn ang="0">
-                  <a:pos x="T24" y="T25"/>
-                </a:cxn>
-                <a:cxn ang="0">
-                  <a:pos x="T26" y="T27"/>
-                </a:cxn>
-                <a:cxn ang="0">
-                  <a:pos x="T28" y="T29"/>
-                </a:cxn>
-                <a:cxn ang="0">
-                  <a:pos x="T30" y="T31"/>
-                </a:cxn>
-                <a:cxn ang="0">
-                  <a:pos x="T32" y="T33"/>
-                </a:cxn>
-                <a:cxn ang="0">
-                  <a:pos x="T34" y="T35"/>
-                </a:cxn>
-                <a:cxn ang="0">
-                  <a:pos x="T36" y="T37"/>
-                </a:cxn>
-                <a:cxn ang="0">
-                  <a:pos x="T38" y="T39"/>
-                </a:cxn>
-                <a:cxn ang="0">
-                  <a:pos x="T40" y="T41"/>
-                </a:cxn>
-                <a:cxn ang="0">
-                  <a:pos x="T42" y="T43"/>
-                </a:cxn>
-                <a:cxn ang="0">
-                  <a:pos x="T44" y="T45"/>
-                </a:cxn>
-                <a:cxn ang="0">
-                  <a:pos x="T46" y="T47"/>
-                </a:cxn>
-                <a:cxn ang="0">
-                  <a:pos x="T48" y="T49"/>
-                </a:cxn>
-                <a:cxn ang="0">
-                  <a:pos x="T50" y="T51"/>
-                </a:cxn>
-                <a:cxn ang="0">
-                  <a:pos x="T52" y="T53"/>
-                </a:cxn>
-                <a:cxn ang="0">
-                  <a:pos x="T54" y="T55"/>
-                </a:cxn>
-                <a:cxn ang="0">
-                  <a:pos x="T56" y="T57"/>
-                </a:cxn>
-                <a:cxn ang="0">
-                  <a:pos x="T58" y="T59"/>
-                </a:cxn>
-              </a:cxnLst>
-              <a:rect l="0" t="0" r="r" b="b"/>
-              <a:pathLst>
-                <a:path w="147" h="147">
-                  <a:moveTo>
-                    <a:pt x="110" y="10"/>
-                  </a:moveTo>
-                  <a:cubicBezTo>
-                    <a:pt x="99" y="4"/>
-                    <a:pt x="87" y="0"/>
-                    <a:pt x="73" y="0"/>
-                  </a:cubicBezTo>
-                  <a:cubicBezTo>
-                    <a:pt x="60" y="0"/>
-                    <a:pt x="48" y="4"/>
-                    <a:pt x="36" y="10"/>
-                  </a:cubicBezTo>
-                  <a:cubicBezTo>
-                    <a:pt x="25" y="17"/>
-                    <a:pt x="16" y="26"/>
-                    <a:pt x="10" y="37"/>
-                  </a:cubicBezTo>
-                  <a:cubicBezTo>
-                    <a:pt x="3" y="48"/>
-                    <a:pt x="0" y="60"/>
-                    <a:pt x="0" y="74"/>
-                  </a:cubicBezTo>
-                  <a:cubicBezTo>
-                    <a:pt x="0" y="87"/>
-                    <a:pt x="3" y="99"/>
-                    <a:pt x="10" y="111"/>
-                  </a:cubicBezTo>
-                  <a:cubicBezTo>
-                    <a:pt x="16" y="122"/>
-                    <a:pt x="25" y="131"/>
-                    <a:pt x="36" y="137"/>
-                  </a:cubicBezTo>
-                  <a:cubicBezTo>
-                    <a:pt x="48" y="144"/>
-                    <a:pt x="60" y="147"/>
-                    <a:pt x="73" y="147"/>
-                  </a:cubicBezTo>
-                  <a:cubicBezTo>
-                    <a:pt x="87" y="147"/>
-                    <a:pt x="99" y="144"/>
-                    <a:pt x="110" y="137"/>
-                  </a:cubicBezTo>
-                  <a:cubicBezTo>
-                    <a:pt x="121" y="131"/>
-                    <a:pt x="130" y="122"/>
-                    <a:pt x="137" y="111"/>
-                  </a:cubicBezTo>
-                  <a:cubicBezTo>
-                    <a:pt x="143" y="99"/>
-                    <a:pt x="147" y="87"/>
-                    <a:pt x="147" y="74"/>
-                  </a:cubicBezTo>
-                  <a:cubicBezTo>
-                    <a:pt x="147" y="60"/>
-                    <a:pt x="143" y="48"/>
-                    <a:pt x="137" y="37"/>
-                  </a:cubicBezTo>
-                  <a:cubicBezTo>
-                    <a:pt x="130" y="26"/>
-                    <a:pt x="121" y="17"/>
-                    <a:pt x="110" y="10"/>
-                  </a:cubicBezTo>
-                  <a:close/>
-                  <a:moveTo>
-                    <a:pt x="121" y="63"/>
-                  </a:moveTo>
-                  <a:cubicBezTo>
-                    <a:pt x="69" y="114"/>
-                    <a:pt x="69" y="114"/>
-                    <a:pt x="69" y="114"/>
-                  </a:cubicBezTo>
-                  <a:cubicBezTo>
-                    <a:pt x="68" y="116"/>
-                    <a:pt x="66" y="116"/>
-                    <a:pt x="65" y="116"/>
-                  </a:cubicBezTo>
-                  <a:cubicBezTo>
-                    <a:pt x="63" y="116"/>
-                    <a:pt x="62" y="116"/>
-                    <a:pt x="60" y="114"/>
-                  </a:cubicBezTo>
-                  <a:cubicBezTo>
-                    <a:pt x="26" y="80"/>
-                    <a:pt x="26" y="80"/>
-                    <a:pt x="26" y="80"/>
-                  </a:cubicBezTo>
-                  <a:cubicBezTo>
-                    <a:pt x="25" y="79"/>
-                    <a:pt x="24" y="77"/>
-                    <a:pt x="24" y="76"/>
-                  </a:cubicBezTo>
-                  <a:cubicBezTo>
-                    <a:pt x="24" y="74"/>
-                    <a:pt x="25" y="72"/>
-                    <a:pt x="26" y="71"/>
-                  </a:cubicBezTo>
-                  <a:cubicBezTo>
-                    <a:pt x="34" y="63"/>
-                    <a:pt x="34" y="63"/>
-                    <a:pt x="34" y="63"/>
-                  </a:cubicBezTo>
-                  <a:cubicBezTo>
-                    <a:pt x="36" y="61"/>
-                    <a:pt x="37" y="61"/>
-                    <a:pt x="39" y="61"/>
-                  </a:cubicBezTo>
-                  <a:cubicBezTo>
-                    <a:pt x="40" y="61"/>
-                    <a:pt x="42" y="61"/>
-                    <a:pt x="43" y="63"/>
-                  </a:cubicBezTo>
-                  <a:cubicBezTo>
-                    <a:pt x="65" y="84"/>
-                    <a:pt x="65" y="84"/>
-                    <a:pt x="65" y="84"/>
-                  </a:cubicBezTo>
-                  <a:cubicBezTo>
-                    <a:pt x="104" y="45"/>
-                    <a:pt x="104" y="45"/>
-                    <a:pt x="104" y="45"/>
-                  </a:cubicBezTo>
-                  <a:cubicBezTo>
-                    <a:pt x="105" y="44"/>
-                    <a:pt x="106" y="43"/>
-                    <a:pt x="108" y="43"/>
-                  </a:cubicBezTo>
-                  <a:cubicBezTo>
-                    <a:pt x="110" y="43"/>
-                    <a:pt x="111" y="44"/>
-                    <a:pt x="112" y="45"/>
-                  </a:cubicBezTo>
-                  <a:cubicBezTo>
-                    <a:pt x="121" y="54"/>
-                    <a:pt x="121" y="54"/>
-                    <a:pt x="121" y="54"/>
-                  </a:cubicBezTo>
-                  <a:cubicBezTo>
-                    <a:pt x="122" y="55"/>
-                    <a:pt x="123" y="57"/>
-                    <a:pt x="123" y="58"/>
-                  </a:cubicBezTo>
-                  <a:cubicBezTo>
-                    <a:pt x="123" y="60"/>
-                    <a:pt x="122" y="61"/>
-                    <a:pt x="121" y="63"/>
-                  </a:cubicBezTo>
-                  <a:close/>
-                </a:path>
-              </a:pathLst>
-            </a:custGeom>
-            <a:solidFill>
-              <a:srgbClr val="00B050"/>
-            </a:solidFill>
-            <a:ln>
-              <a:noFill/>
-            </a:ln>
-            <a:extLst/>
-          </p:spPr>
-          <p:txBody>
-            <a:bodyPr vert="horz" wrap="square" lIns="91440" tIns="45720" rIns="91440" bIns="45720" numCol="1" anchor="t" anchorCtr="0" compatLnSpc="1">
-              <a:prstTxWarp prst="textNoShape">
-                <a:avLst/>
-              </a:prstTxWarp>
-            </a:bodyPr>
-            <a:lstStyle>
-              <a:defPPr>
-                <a:defRPr lang="en-US"/>
-              </a:defPPr>
-              <a:lvl1pPr marL="0" algn="l" defTabSz="914400" rtl="0" eaLnBrk="1" latinLnBrk="0" hangingPunct="1">
-                <a:defRPr sz="1800" kern="1200">
-                  <a:solidFill>
-                    <a:schemeClr val="tx1"/>
-                  </a:solidFill>
-                  <a:latin typeface="+mn-lt"/>
-                  <a:ea typeface="+mn-ea"/>
-                  <a:cs typeface="+mn-cs"/>
-                </a:defRPr>
-              </a:lvl1pPr>
-              <a:lvl2pPr marL="457200" algn="l" defTabSz="914400" rtl="0" eaLnBrk="1" latinLnBrk="0" hangingPunct="1">
-                <a:defRPr sz="1800" kern="1200">
-                  <a:solidFill>
-                    <a:schemeClr val="tx1"/>
-                  </a:solidFill>
-                  <a:latin typeface="+mn-lt"/>
-                  <a:ea typeface="+mn-ea"/>
-                  <a:cs typeface="+mn-cs"/>
-                </a:defRPr>
-              </a:lvl2pPr>
-              <a:lvl3pPr marL="914400" algn="l" defTabSz="914400" rtl="0" eaLnBrk="1" latinLnBrk="0" hangingPunct="1">
-                <a:defRPr sz="1800" kern="1200">
-                  <a:solidFill>
-                    <a:schemeClr val="tx1"/>
-                  </a:solidFill>
-                  <a:latin typeface="+mn-lt"/>
-                  <a:ea typeface="+mn-ea"/>
-                  <a:cs typeface="+mn-cs"/>
-                </a:defRPr>
-              </a:lvl3pPr>
-              <a:lvl4pPr marL="1371600" algn="l" defTabSz="914400" rtl="0" eaLnBrk="1" latinLnBrk="0" hangingPunct="1">
-                <a:defRPr sz="1800" kern="1200">
-                  <a:solidFill>
-                    <a:schemeClr val="tx1"/>
-                  </a:solidFill>
-                  <a:latin typeface="+mn-lt"/>
-                  <a:ea typeface="+mn-ea"/>
-                  <a:cs typeface="+mn-cs"/>
-                </a:defRPr>
-              </a:lvl4pPr>
-              <a:lvl5pPr marL="1828800" algn="l" defTabSz="914400" rtl="0" eaLnBrk="1" latinLnBrk="0" hangingPunct="1">
-                <a:defRPr sz="1800" kern="1200">
-                  <a:solidFill>
-                    <a:schemeClr val="tx1"/>
-                  </a:solidFill>
-                  <a:latin typeface="+mn-lt"/>
-                  <a:ea typeface="+mn-ea"/>
-                  <a:cs typeface="+mn-cs"/>
-                </a:defRPr>
-              </a:lvl5pPr>
-              <a:lvl6pPr marL="2286000" algn="l" defTabSz="914400" rtl="0" eaLnBrk="1" latinLnBrk="0" hangingPunct="1">
-                <a:defRPr sz="1800" kern="1200">
-                  <a:solidFill>
-                    <a:schemeClr val="tx1"/>
-                  </a:solidFill>
-                  <a:latin typeface="+mn-lt"/>
-                  <a:ea typeface="+mn-ea"/>
-                  <a:cs typeface="+mn-cs"/>
-                </a:defRPr>
-              </a:lvl6pPr>
-              <a:lvl7pPr marL="2743200" algn="l" defTabSz="914400" rtl="0" eaLnBrk="1" latinLnBrk="0" hangingPunct="1">
-                <a:defRPr sz="1800" kern="1200">
-                  <a:solidFill>
-                    <a:schemeClr val="tx1"/>
-                  </a:solidFill>
-                  <a:latin typeface="+mn-lt"/>
-                  <a:ea typeface="+mn-ea"/>
-                  <a:cs typeface="+mn-cs"/>
-                </a:defRPr>
-              </a:lvl7pPr>
-              <a:lvl8pPr marL="3200400" algn="l" defTabSz="914400" rtl="0" eaLnBrk="1" latinLnBrk="0" hangingPunct="1">
-                <a:defRPr sz="1800" kern="1200">
-                  <a:solidFill>
-                    <a:schemeClr val="tx1"/>
-                  </a:solidFill>
-                  <a:latin typeface="+mn-lt"/>
-                  <a:ea typeface="+mn-ea"/>
-                  <a:cs typeface="+mn-cs"/>
-                </a:defRPr>
-              </a:lvl8pPr>
-              <a:lvl9pPr marL="3657600" algn="l" defTabSz="914400" rtl="0" eaLnBrk="1" latinLnBrk="0" hangingPunct="1">
-                <a:defRPr sz="1800" kern="1200">
-                  <a:solidFill>
-                    <a:schemeClr val="tx1"/>
-                  </a:solidFill>
-                  <a:latin typeface="+mn-lt"/>
-                  <a:ea typeface="+mn-ea"/>
-                  <a:cs typeface="+mn-cs"/>
-                </a:defRPr>
-              </a:lvl9pPr>
-            </a:lstStyle>
-            <a:p>
-              <a:endParaRPr lang="en-CA"/>
-            </a:p>
-          </p:txBody>
-        </p:sp>
-      </p:grpSp>
     </p:spTree>
     <p:extLst>
       <p:ext uri="{BB962C8B-B14F-4D97-AF65-F5344CB8AC3E}">
-        <p14:creationId xmlns:p14="http://schemas.microsoft.com/office/powerpoint/2010/main" val="294959676"/>
+        <p14:creationId xmlns:p14="http://schemas.microsoft.com/office/powerpoint/2010/main" val="1789839604"/>
       </p:ext>
     </p:extLst>
   </p:cSld>
@@ -12839,91 +14121,8 @@
           <a:p>
             <a:r>
               <a:rPr lang="en-CA" dirty="0" smtClean="0"/>
-              <a:t>Get in touch</a:t>
-            </a:r>
-            <a:endParaRPr lang="en-CA" dirty="0"/>
-          </a:p>
-        </p:txBody>
-      </p:sp>
-      <p:sp>
-        <p:nvSpPr>
-          <p:cNvPr id="3" name="Content Placeholder 2"/>
-          <p:cNvSpPr>
-            <a:spLocks noGrp="1"/>
-          </p:cNvSpPr>
-          <p:nvPr>
-            <p:ph idx="1"/>
-          </p:nvPr>
-        </p:nvSpPr>
-        <p:spPr>
-          <a:xfrm>
-            <a:off x="2236500" y="2361857"/>
-            <a:ext cx="5729092" cy="2527463"/>
-          </a:xfrm>
-        </p:spPr>
-        <p:txBody>
-          <a:bodyPr/>
-          <a:lstStyle/>
-          <a:p>
-            <a:pPr marL="285750" indent="-285750">
-              <a:buFont typeface="Arial" panose="020B0604020202020204" pitchFamily="34" charset="0"/>
-              <a:buChar char="•"/>
-            </a:pPr>
-            <a:r>
-              <a:rPr lang="en-CA" b="1" dirty="0" smtClean="0"/>
-              <a:t>Philippe.Lefebvre2</a:t>
-            </a:r>
-            <a:r>
-              <a:rPr lang="en-CA" dirty="0" smtClean="0"/>
-              <a:t>@canada.ca</a:t>
-            </a:r>
-            <a:br>
-              <a:rPr lang="en-CA" dirty="0" smtClean="0"/>
-            </a:br>
-            <a:endParaRPr lang="en-CA" dirty="0" smtClean="0"/>
-          </a:p>
-          <a:p>
-            <a:pPr marL="285750" indent="-285750">
-              <a:buFont typeface="Arial" panose="020B0604020202020204" pitchFamily="34" charset="0"/>
-              <a:buChar char="•"/>
-            </a:pPr>
-            <a:r>
-              <a:rPr lang="en-CA" b="1" dirty="0" smtClean="0"/>
-              <a:t>Brittany.Hurley</a:t>
-            </a:r>
-            <a:r>
-              <a:rPr lang="en-CA" dirty="0" smtClean="0"/>
-              <a:t>@canada.ca</a:t>
-            </a:r>
-            <a:br>
-              <a:rPr lang="en-CA" dirty="0" smtClean="0"/>
-            </a:br>
-            <a:endParaRPr lang="en-CA" dirty="0" smtClean="0"/>
-          </a:p>
-          <a:p>
-            <a:pPr marL="285750" indent="-285750">
-              <a:buFont typeface="Arial" panose="020B0604020202020204" pitchFamily="34" charset="0"/>
-              <a:buChar char="•"/>
-            </a:pPr>
-            <a:r>
-              <a:rPr lang="en-CA" dirty="0" smtClean="0"/>
-              <a:t>github.com</a:t>
-            </a:r>
-            <a:r>
-              <a:rPr lang="en-CA" b="1" dirty="0" smtClean="0"/>
-              <a:t>/dtf-</a:t>
-            </a:r>
-            <a:r>
-              <a:rPr lang="en-CA" b="1" dirty="0" err="1" smtClean="0"/>
-              <a:t>ein</a:t>
-            </a:r>
-            <a:endParaRPr lang="en-CA" dirty="0" smtClean="0"/>
-          </a:p>
-          <a:p>
-            <a:pPr marL="285750" indent="-285750">
-              <a:buFont typeface="Arial" panose="020B0604020202020204" pitchFamily="34" charset="0"/>
-              <a:buChar char="•"/>
-            </a:pPr>
+              <a:t>Movie of pipeline/automated tests running</a:t>
+            </a:r>
             <a:endParaRPr lang="en-CA" dirty="0"/>
           </a:p>
         </p:txBody>
@@ -12956,40 +14155,10 @@
           </a:p>
         </p:txBody>
       </p:sp>
-      <p:pic>
-        <p:nvPicPr>
-          <p:cNvPr id="5" name="Picture 4"/>
-          <p:cNvPicPr>
-            <a:picLocks noChangeAspect="1"/>
-          </p:cNvPicPr>
-          <p:nvPr/>
-        </p:nvPicPr>
-        <p:blipFill>
-          <a:blip r:embed="rId2">
-            <a:extLst>
-              <a:ext uri="{28A0092B-C50C-407E-A947-70E740481C1C}">
-                <a14:useLocalDpi xmlns:a14="http://schemas.microsoft.com/office/drawing/2010/main" val="0"/>
-              </a:ext>
-            </a:extLst>
-          </a:blip>
-          <a:stretch>
-            <a:fillRect/>
-          </a:stretch>
-        </p:blipFill>
-        <p:spPr>
-          <a:xfrm>
-            <a:off x="6813643" y="2086132"/>
-            <a:ext cx="2143125" cy="2143125"/>
-          </a:xfrm>
-          <a:prstGeom prst="rect">
-            <a:avLst/>
-          </a:prstGeom>
-        </p:spPr>
-      </p:pic>
     </p:spTree>
     <p:extLst>
       <p:ext uri="{BB962C8B-B14F-4D97-AF65-F5344CB8AC3E}">
-        <p14:creationId xmlns:p14="http://schemas.microsoft.com/office/powerpoint/2010/main" val="3818403737"/>
+        <p14:creationId xmlns:p14="http://schemas.microsoft.com/office/powerpoint/2010/main" val="2270575679"/>
       </p:ext>
     </p:extLst>
   </p:cSld>
@@ -13447,6 +14616,207 @@
     <p:extLst>
       <p:ext uri="{BB962C8B-B14F-4D97-AF65-F5344CB8AC3E}">
         <p14:creationId xmlns:p14="http://schemas.microsoft.com/office/powerpoint/2010/main" val="2070067586"/>
+      </p:ext>
+    </p:extLst>
+  </p:cSld>
+  <p:clrMapOvr>
+    <a:masterClrMapping/>
+  </p:clrMapOvr>
+  <p:timing>
+    <p:tnLst>
+      <p:par>
+        <p:cTn id="1" dur="indefinite" restart="never" nodeType="tmRoot"/>
+      </p:par>
+    </p:tnLst>
+  </p:timing>
+</p:sld>
+</file>
+
+<file path=ppt/slides/slide20.xml><?xml version="1.0" encoding="utf-8"?>
+<p:sld xmlns:a="http://schemas.openxmlformats.org/drawingml/2006/main" xmlns:r="http://schemas.openxmlformats.org/officeDocument/2006/relationships" xmlns:p="http://schemas.openxmlformats.org/presentationml/2006/main">
+  <p:cSld>
+    <p:spTree>
+      <p:nvGrpSpPr>
+        <p:cNvPr id="1" name=""/>
+        <p:cNvGrpSpPr/>
+        <p:nvPr/>
+      </p:nvGrpSpPr>
+      <p:grpSpPr>
+        <a:xfrm>
+          <a:off x="0" y="0"/>
+          <a:ext cx="0" cy="0"/>
+          <a:chOff x="0" y="0"/>
+          <a:chExt cx="0" cy="0"/>
+        </a:xfrm>
+      </p:grpSpPr>
+      <p:sp>
+        <p:nvSpPr>
+          <p:cNvPr id="2" name="Title 1"/>
+          <p:cNvSpPr>
+            <a:spLocks noGrp="1"/>
+          </p:cNvSpPr>
+          <p:nvPr>
+            <p:ph type="title"/>
+          </p:nvPr>
+        </p:nvSpPr>
+        <p:spPr/>
+        <p:txBody>
+          <a:bodyPr/>
+          <a:lstStyle/>
+          <a:p>
+            <a:r>
+              <a:rPr lang="en-CA" dirty="0" smtClean="0"/>
+              <a:t>Get in touch</a:t>
+            </a:r>
+            <a:endParaRPr lang="en-CA" dirty="0"/>
+          </a:p>
+        </p:txBody>
+      </p:sp>
+      <p:sp>
+        <p:nvSpPr>
+          <p:cNvPr id="3" name="Content Placeholder 2"/>
+          <p:cNvSpPr>
+            <a:spLocks noGrp="1"/>
+          </p:cNvSpPr>
+          <p:nvPr>
+            <p:ph idx="1"/>
+          </p:nvPr>
+        </p:nvSpPr>
+        <p:spPr>
+          <a:xfrm>
+            <a:off x="2236500" y="2361857"/>
+            <a:ext cx="5729092" cy="2527463"/>
+          </a:xfrm>
+        </p:spPr>
+        <p:txBody>
+          <a:bodyPr/>
+          <a:lstStyle/>
+          <a:p>
+            <a:pPr marL="285750" indent="-285750">
+              <a:buFont typeface="Arial" panose="020B0604020202020204" pitchFamily="34" charset="0"/>
+              <a:buChar char="•"/>
+            </a:pPr>
+            <a:r>
+              <a:rPr lang="en-CA" b="1" dirty="0" smtClean="0"/>
+              <a:t>Philippe.Lefebvre2</a:t>
+            </a:r>
+            <a:r>
+              <a:rPr lang="en-CA" dirty="0" smtClean="0"/>
+              <a:t>@canada.ca</a:t>
+            </a:r>
+            <a:br>
+              <a:rPr lang="en-CA" dirty="0" smtClean="0"/>
+            </a:br>
+            <a:endParaRPr lang="en-CA" dirty="0" smtClean="0"/>
+          </a:p>
+          <a:p>
+            <a:pPr marL="285750" indent="-285750">
+              <a:buFont typeface="Arial" panose="020B0604020202020204" pitchFamily="34" charset="0"/>
+              <a:buChar char="•"/>
+            </a:pPr>
+            <a:r>
+              <a:rPr lang="en-CA" b="1" dirty="0" smtClean="0"/>
+              <a:t>Brittany.Hurley</a:t>
+            </a:r>
+            <a:r>
+              <a:rPr lang="en-CA" dirty="0" smtClean="0"/>
+              <a:t>@canada.ca</a:t>
+            </a:r>
+            <a:br>
+              <a:rPr lang="en-CA" dirty="0" smtClean="0"/>
+            </a:br>
+            <a:endParaRPr lang="en-CA" dirty="0" smtClean="0"/>
+          </a:p>
+          <a:p>
+            <a:pPr marL="285750" indent="-285750">
+              <a:buFont typeface="Arial" panose="020B0604020202020204" pitchFamily="34" charset="0"/>
+              <a:buChar char="•"/>
+            </a:pPr>
+            <a:r>
+              <a:rPr lang="en-CA" dirty="0" smtClean="0"/>
+              <a:t>github.com</a:t>
+            </a:r>
+            <a:r>
+              <a:rPr lang="en-CA" b="1" dirty="0" smtClean="0"/>
+              <a:t>/dtf-</a:t>
+            </a:r>
+            <a:r>
+              <a:rPr lang="en-CA" b="1" dirty="0" err="1" smtClean="0"/>
+              <a:t>ein</a:t>
+            </a:r>
+            <a:endParaRPr lang="en-CA" dirty="0" smtClean="0"/>
+          </a:p>
+          <a:p>
+            <a:pPr marL="285750" indent="-285750">
+              <a:buFont typeface="Arial" panose="020B0604020202020204" pitchFamily="34" charset="0"/>
+              <a:buChar char="•"/>
+            </a:pPr>
+            <a:endParaRPr lang="en-CA" dirty="0"/>
+          </a:p>
+        </p:txBody>
+      </p:sp>
+      <p:sp>
+        <p:nvSpPr>
+          <p:cNvPr id="4" name="Slide Number Placeholder 3"/>
+          <p:cNvSpPr>
+            <a:spLocks noGrp="1"/>
+          </p:cNvSpPr>
+          <p:nvPr>
+            <p:ph type="sldNum" sz="quarter" idx="4"/>
+          </p:nvPr>
+        </p:nvSpPr>
+        <p:spPr/>
+        <p:txBody>
+          <a:bodyPr/>
+          <a:lstStyle/>
+          <a:p>
+            <a:fld id="{105822BA-B7AE-4DDB-BAFC-C8E55FB5C986}" type="slidenum">
+              <a:rPr lang="en-CA" smtClean="0"/>
+              <a:pPr/>
+              <a:t>20</a:t>
+            </a:fld>
+            <a:r>
+              <a:rPr lang="en-CA" smtClean="0"/>
+              <a:t> </a:t>
+            </a:r>
+            <a:endParaRPr lang="en-CA" dirty="0"/>
+          </a:p>
+        </p:txBody>
+      </p:sp>
+      <p:pic>
+        <p:nvPicPr>
+          <p:cNvPr id="5" name="Picture 4"/>
+          <p:cNvPicPr>
+            <a:picLocks noChangeAspect="1"/>
+          </p:cNvPicPr>
+          <p:nvPr/>
+        </p:nvPicPr>
+        <p:blipFill>
+          <a:blip r:embed="rId2">
+            <a:extLst>
+              <a:ext uri="{28A0092B-C50C-407E-A947-70E740481C1C}">
+                <a14:useLocalDpi xmlns:a14="http://schemas.microsoft.com/office/drawing/2010/main" val="0"/>
+              </a:ext>
+            </a:extLst>
+          </a:blip>
+          <a:stretch>
+            <a:fillRect/>
+          </a:stretch>
+        </p:blipFill>
+        <p:spPr>
+          <a:xfrm>
+            <a:off x="6813643" y="2086132"/>
+            <a:ext cx="2143125" cy="2143125"/>
+          </a:xfrm>
+          <a:prstGeom prst="rect">
+            <a:avLst/>
+          </a:prstGeom>
+        </p:spPr>
+      </p:pic>
+    </p:spTree>
+    <p:extLst>
+      <p:ext uri="{BB962C8B-B14F-4D97-AF65-F5344CB8AC3E}">
+        <p14:creationId xmlns:p14="http://schemas.microsoft.com/office/powerpoint/2010/main" val="3818403737"/>
       </p:ext>
     </p:extLst>
   </p:cSld>
@@ -13952,8 +15322,17 @@
             </a:pPr>
             <a:r>
               <a:rPr lang="en-CA" dirty="0" smtClean="0"/>
-              <a:t>Different  service models you can pick from</a:t>
-            </a:r>
+              <a:t>Different  </a:t>
+            </a:r>
+            <a:r>
+              <a:rPr lang="en-CA" dirty="0" smtClean="0"/>
+              <a:t>service </a:t>
+            </a:r>
+            <a:r>
+              <a:rPr lang="en-CA" dirty="0" smtClean="0"/>
+              <a:t>models </a:t>
+            </a:r>
+            <a:endParaRPr lang="en-CA" dirty="0"/>
           </a:p>
           <a:p>
             <a:pPr marL="285750" indent="-285750">
@@ -13961,8 +15340,12 @@
               <a:buChar char="•"/>
             </a:pPr>
             <a:r>
+              <a:rPr lang="en-CA" dirty="0" smtClean="0"/>
+              <a:t>You </a:t>
+            </a:r>
+            <a:r>
               <a:rPr lang="en-CA" dirty="0"/>
-              <a:t>You build </a:t>
+              <a:t>build </a:t>
             </a:r>
             <a:r>
               <a:rPr lang="en-CA" dirty="0" smtClean="0"/>
@@ -14182,6 +15565,8 @@
               </a:schemeClr>
             </a:solidFill>
             <a:prstDash val="sysDot"/>
+            <a:headEnd type="triangle"/>
+            <a:tailEnd type="triangle"/>
           </a:ln>
         </p:spPr>
         <p:style>
@@ -14363,7 +15748,7 @@
             </a:pPr>
             <a:r>
               <a:rPr lang="en-CA" sz="1400" dirty="0" smtClean="0"/>
-              <a:t>Service</a:t>
+              <a:t>Software</a:t>
             </a:r>
             <a:endParaRPr lang="en-CA" sz="1400" dirty="0"/>
           </a:p>
@@ -14552,6 +15937,216 @@
 <file path=ppt/slides/slide8.xml><?xml version="1.0" encoding="utf-8"?>
 <p:sld xmlns:a="http://schemas.openxmlformats.org/drawingml/2006/main" xmlns:r="http://schemas.openxmlformats.org/officeDocument/2006/relationships" xmlns:p="http://schemas.openxmlformats.org/presentationml/2006/main">
   <p:cSld>
+    <p:spTree>
+      <p:nvGrpSpPr>
+        <p:cNvPr id="1" name=""/>
+        <p:cNvGrpSpPr/>
+        <p:nvPr/>
+      </p:nvGrpSpPr>
+      <p:grpSpPr>
+        <a:xfrm>
+          <a:off x="0" y="0"/>
+          <a:ext cx="0" cy="0"/>
+          <a:chOff x="0" y="0"/>
+          <a:chExt cx="0" cy="0"/>
+        </a:xfrm>
+      </p:grpSpPr>
+      <p:sp>
+        <p:nvSpPr>
+          <p:cNvPr id="2" name="Title 1"/>
+          <p:cNvSpPr>
+            <a:spLocks noGrp="1"/>
+          </p:cNvSpPr>
+          <p:nvPr>
+            <p:ph type="title"/>
+          </p:nvPr>
+        </p:nvSpPr>
+        <p:spPr/>
+        <p:txBody>
+          <a:bodyPr/>
+          <a:lstStyle/>
+          <a:p>
+            <a:r>
+              <a:rPr lang="en-CA" dirty="0" smtClean="0"/>
+              <a:t>Cloud </a:t>
+            </a:r>
+            <a:r>
+              <a:rPr lang="en-CA" dirty="0" smtClean="0"/>
+              <a:t>automation</a:t>
+            </a:r>
+            <a:endParaRPr lang="en-CA" dirty="0"/>
+          </a:p>
+        </p:txBody>
+      </p:sp>
+      <p:sp>
+        <p:nvSpPr>
+          <p:cNvPr id="4" name="Slide Number Placeholder 3"/>
+          <p:cNvSpPr>
+            <a:spLocks noGrp="1"/>
+          </p:cNvSpPr>
+          <p:nvPr>
+            <p:ph type="sldNum" sz="quarter" idx="4"/>
+          </p:nvPr>
+        </p:nvSpPr>
+        <p:spPr/>
+        <p:txBody>
+          <a:bodyPr/>
+          <a:lstStyle/>
+          <a:p>
+            <a:fld id="{105822BA-B7AE-4DDB-BAFC-C8E55FB5C986}" type="slidenum">
+              <a:rPr lang="en-CA" smtClean="0"/>
+              <a:pPr/>
+              <a:t>8</a:t>
+            </a:fld>
+            <a:r>
+              <a:rPr lang="en-CA" smtClean="0"/>
+              <a:t> </a:t>
+            </a:r>
+            <a:endParaRPr lang="en-CA" dirty="0"/>
+          </a:p>
+        </p:txBody>
+      </p:sp>
+      <p:sp>
+        <p:nvSpPr>
+          <p:cNvPr id="5" name="Content Placeholder 2"/>
+          <p:cNvSpPr>
+            <a:spLocks noGrp="1"/>
+          </p:cNvSpPr>
+          <p:nvPr>
+            <p:ph idx="1"/>
+          </p:nvPr>
+        </p:nvSpPr>
+        <p:spPr>
+          <a:xfrm>
+            <a:off x="428400" y="1069847"/>
+            <a:ext cx="11336400" cy="5001199"/>
+          </a:xfrm>
+        </p:spPr>
+        <p:txBody>
+          <a:bodyPr/>
+          <a:lstStyle/>
+          <a:p>
+            <a:pPr marL="285750" indent="-285750">
+              <a:buFont typeface="Arial" panose="020B0604020202020204" pitchFamily="34" charset="0"/>
+              <a:buChar char="•"/>
+            </a:pPr>
+            <a:r>
+              <a:rPr lang="en-US" dirty="0" smtClean="0"/>
+              <a:t>Power of cloud is through automation</a:t>
+            </a:r>
+            <a:br>
+              <a:rPr lang="en-US" dirty="0" smtClean="0"/>
+            </a:br>
+            <a:endParaRPr lang="en-US" dirty="0" smtClean="0"/>
+          </a:p>
+          <a:p>
+            <a:pPr marL="285750" indent="-285750">
+              <a:buFont typeface="Arial" panose="020B0604020202020204" pitchFamily="34" charset="0"/>
+              <a:buChar char="•"/>
+            </a:pPr>
+            <a:r>
+              <a:rPr lang="en-CA" dirty="0" smtClean="0"/>
+              <a:t>Allows </a:t>
+            </a:r>
+            <a:r>
+              <a:rPr lang="en-CA" dirty="0" smtClean="0"/>
+              <a:t>you to express your </a:t>
+            </a:r>
+            <a:r>
+              <a:rPr lang="en-CA" b="1" dirty="0" smtClean="0"/>
+              <a:t>infrastructure as </a:t>
+            </a:r>
+            <a:r>
+              <a:rPr lang="en-CA" b="1" dirty="0" smtClean="0"/>
+              <a:t>code</a:t>
+            </a:r>
+            <a:br>
+              <a:rPr lang="en-CA" b="1" dirty="0" smtClean="0"/>
+            </a:br>
+            <a:endParaRPr lang="en-CA" dirty="0" smtClean="0"/>
+          </a:p>
+          <a:p>
+            <a:pPr marL="285750" indent="-285750">
+              <a:buFont typeface="Arial" panose="020B0604020202020204" pitchFamily="34" charset="0"/>
+              <a:buChar char="•"/>
+            </a:pPr>
+            <a:r>
+              <a:rPr lang="en-CA" dirty="0" smtClean="0"/>
+              <a:t>Repeatable, automated creation of </a:t>
+            </a:r>
+            <a:r>
+              <a:rPr lang="en-CA" dirty="0" smtClean="0"/>
+              <a:t>services</a:t>
+            </a:r>
+            <a:br>
+              <a:rPr lang="en-CA" dirty="0" smtClean="0"/>
+            </a:br>
+            <a:endParaRPr lang="en-CA" dirty="0" smtClean="0"/>
+          </a:p>
+          <a:p>
+            <a:pPr marL="285750" indent="-285750">
+              <a:buFont typeface="Arial" panose="020B0604020202020204" pitchFamily="34" charset="0"/>
+              <a:buChar char="•"/>
+            </a:pPr>
+            <a:r>
+              <a:rPr lang="en-CA" b="1" dirty="0" smtClean="0"/>
+              <a:t>Terraform &amp; Ansible</a:t>
+            </a:r>
+            <a:r>
+              <a:rPr lang="en-CA" dirty="0" smtClean="0"/>
+              <a:t/>
+            </a:r>
+            <a:br>
+              <a:rPr lang="en-CA" dirty="0" smtClean="0"/>
+            </a:br>
+            <a:endParaRPr lang="en-CA" dirty="0"/>
+          </a:p>
+          <a:p>
+            <a:pPr marL="285750" indent="-285750">
+              <a:buFont typeface="Arial" panose="020B0604020202020204" pitchFamily="34" charset="0"/>
+              <a:buChar char="•"/>
+            </a:pPr>
+            <a:endParaRPr lang="en-CA" dirty="0" smtClean="0"/>
+          </a:p>
+          <a:p>
+            <a:pPr marL="285750" indent="-285750">
+              <a:buFont typeface="Arial" panose="020B0604020202020204" pitchFamily="34" charset="0"/>
+              <a:buChar char="•"/>
+            </a:pPr>
+            <a:endParaRPr lang="en-CA" dirty="0"/>
+          </a:p>
+          <a:p>
+            <a:pPr marL="285750" indent="-285750">
+              <a:buFont typeface="Arial" panose="020B0604020202020204" pitchFamily="34" charset="0"/>
+              <a:buChar char="•"/>
+            </a:pPr>
+            <a:endParaRPr lang="en-CA" dirty="0"/>
+          </a:p>
+        </p:txBody>
+      </p:sp>
+    </p:spTree>
+    <p:extLst>
+      <p:ext uri="{BB962C8B-B14F-4D97-AF65-F5344CB8AC3E}">
+        <p14:creationId xmlns:p14="http://schemas.microsoft.com/office/powerpoint/2010/main" val="764730836"/>
+      </p:ext>
+    </p:extLst>
+  </p:cSld>
+  <p:clrMapOvr>
+    <a:masterClrMapping/>
+  </p:clrMapOvr>
+  <p:timing>
+    <p:tnLst>
+      <p:par>
+        <p:cTn id="1" dur="indefinite" restart="never" nodeType="tmRoot"/>
+      </p:par>
+    </p:tnLst>
+  </p:timing>
+</p:sld>
+</file>
+
+<file path=ppt/slides/slide9.xml><?xml version="1.0" encoding="utf-8"?>
+<p:sld xmlns:a="http://schemas.openxmlformats.org/drawingml/2006/main" xmlns:r="http://schemas.openxmlformats.org/officeDocument/2006/relationships" xmlns:p="http://schemas.openxmlformats.org/presentationml/2006/main">
+  <p:cSld>
     <p:bg>
       <p:bgPr>
         <a:solidFill>
@@ -14662,97 +16257,9 @@
 </p:sld>
 </file>
 
-<file path=ppt/slides/slide9.xml><?xml version="1.0" encoding="utf-8"?>
-<p:sld xmlns:a="http://schemas.openxmlformats.org/drawingml/2006/main" xmlns:r="http://schemas.openxmlformats.org/officeDocument/2006/relationships" xmlns:p="http://schemas.openxmlformats.org/presentationml/2006/main">
-  <p:cSld>
-    <p:spTree>
-      <p:nvGrpSpPr>
-        <p:cNvPr id="1" name=""/>
-        <p:cNvGrpSpPr/>
-        <p:nvPr/>
-      </p:nvGrpSpPr>
-      <p:grpSpPr>
-        <a:xfrm>
-          <a:off x="0" y="0"/>
-          <a:ext cx="0" cy="0"/>
-          <a:chOff x="0" y="0"/>
-          <a:chExt cx="0" cy="0"/>
-        </a:xfrm>
-      </p:grpSpPr>
-      <p:sp>
-        <p:nvSpPr>
-          <p:cNvPr id="2" name="Title 1"/>
-          <p:cNvSpPr>
-            <a:spLocks noGrp="1"/>
-          </p:cNvSpPr>
-          <p:nvPr>
-            <p:ph type="title"/>
-          </p:nvPr>
-        </p:nvSpPr>
-        <p:spPr/>
-        <p:txBody>
-          <a:bodyPr/>
-          <a:lstStyle/>
-          <a:p>
-            <a:r>
-              <a:rPr lang="en-CA" dirty="0" smtClean="0"/>
-              <a:t>Movie of Terraform command running</a:t>
-            </a:r>
-            <a:endParaRPr lang="en-CA" dirty="0"/>
-          </a:p>
-        </p:txBody>
-      </p:sp>
-      <p:sp>
-        <p:nvSpPr>
-          <p:cNvPr id="4" name="Slide Number Placeholder 3"/>
-          <p:cNvSpPr>
-            <a:spLocks noGrp="1"/>
-          </p:cNvSpPr>
-          <p:nvPr>
-            <p:ph type="sldNum" sz="quarter" idx="4"/>
-          </p:nvPr>
-        </p:nvSpPr>
-        <p:spPr/>
-        <p:txBody>
-          <a:bodyPr/>
-          <a:lstStyle/>
-          <a:p>
-            <a:fld id="{105822BA-B7AE-4DDB-BAFC-C8E55FB5C986}" type="slidenum">
-              <a:rPr lang="en-CA" smtClean="0"/>
-              <a:pPr/>
-              <a:t>9</a:t>
-            </a:fld>
-            <a:r>
-              <a:rPr lang="en-CA" smtClean="0"/>
-              <a:t> </a:t>
-            </a:r>
-            <a:endParaRPr lang="en-CA" dirty="0"/>
-          </a:p>
-        </p:txBody>
-      </p:sp>
-    </p:spTree>
-    <p:extLst>
-      <p:ext uri="{BB962C8B-B14F-4D97-AF65-F5344CB8AC3E}">
-        <p14:creationId xmlns:p14="http://schemas.microsoft.com/office/powerpoint/2010/main" val="905890903"/>
-      </p:ext>
-    </p:extLst>
-  </p:cSld>
-  <p:clrMapOvr>
-    <a:masterClrMapping/>
-  </p:clrMapOvr>
-  <p:timing>
-    <p:tnLst>
-      <p:par>
-        <p:cTn id="1" dur="indefinite" restart="never" nodeType="tmRoot"/>
-      </p:par>
-    </p:tnLst>
-  </p:timing>
-</p:sld>
-</file>
-
 <file path=ppt/tags/tag1.xml><?xml version="1.0" encoding="utf-8"?>
 <p:tagLst xmlns:a="http://schemas.openxmlformats.org/drawingml/2006/main" xmlns:r="http://schemas.openxmlformats.org/officeDocument/2006/relationships" xmlns:p="http://schemas.openxmlformats.org/presentationml/2006/main">
-  <p:tag name="ENGAGE" val="{&quot;SavedSwatch&quot;:&quot;-16747630|-1615358|-5828210|-11231456|-12763591|Shared Services Canada&quot;,&quot;Id&quot;:&quot;5da4ef2f4331432f88316a2c&quot;,&quot;SmartGridHorizontal&quot;:0,&quot;LinkedExcelSources&quot;:{},&quot;LinkedProjectSources&quot;:{},&quot;FlowConfig&quot;:{&quot;Canvas&quot;:{&quot;Slide&quot;:-1,&quot;Width&quot;:0,&quot;Height&quot;:0},&quot;Timeline&quot;:{&quot;Actions&quot;:[]}},&quot;LinkedSlideMergeSources&quot;:{},&quot;LinkedSharePointSlideMergeSources&quot;:{}}"/>
+  <p:tag name="ENGAGE" val="{&quot;SavedSwatch&quot;:&quot;-16747630|-1615358|-5828210|-11231456|-12763591|Shared Services Canada&quot;,&quot;Id&quot;:&quot;5da5c8a44331432848d5a908&quot;,&quot;SmartGridHorizontal&quot;:0,&quot;LinkedExcelSources&quot;:{},&quot;LinkedProjectSources&quot;:{},&quot;FlowConfig&quot;:{&quot;Canvas&quot;:{&quot;Slide&quot;:-1,&quot;Width&quot;:0,&quot;Height&quot;:0},&quot;Timeline&quot;:{&quot;Actions&quot;:[]}},&quot;LinkedSlideMergeSources&quot;:{},&quot;LinkedSharePointSlideMergeSources&quot;:{}}"/>
 </p:tagLst>
 </file>
 

--- a/presentations/dto-all-staff_2019-10-17.pptx
+++ b/presentations/dto-all-staff_2019-10-17.pptx
@@ -9739,9 +9739,24 @@
               <a:buChar char="•"/>
             </a:pPr>
             <a:r>
-              <a:rPr lang="en-CA" dirty="0" smtClean="0"/>
-              <a:t>Done in collaboration with the CTO</a:t>
-            </a:r>
+              <a:rPr lang="en-CA" dirty="0"/>
+              <a:t>Foster collaboration amongst GC departments</a:t>
+            </a:r>
+            <a:br>
+              <a:rPr lang="en-CA" dirty="0"/>
+            </a:br>
+            <a:endParaRPr lang="en-CA" dirty="0"/>
+          </a:p>
+          <a:p>
+            <a:pPr marL="285750" indent="-285750">
+              <a:buFont typeface="Arial" panose="020B0604020202020204" pitchFamily="34" charset="0"/>
+              <a:buChar char="•"/>
+            </a:pPr>
+            <a:r>
+              <a:rPr lang="en-CA"/>
+              <a:t>Developed with the CTO</a:t>
+            </a:r>
+            <a:endParaRPr lang="en-CA" dirty="0"/>
           </a:p>
         </p:txBody>
       </p:sp>
@@ -10163,11 +10178,7 @@
             </a:pPr>
             <a:r>
               <a:rPr lang="en-CA" dirty="0" smtClean="0"/>
-              <a:t>Repeatable and fast </a:t>
-            </a:r>
-            <a:r>
-              <a:rPr lang="en-CA" dirty="0" smtClean="0"/>
-              <a:t>creation of services</a:t>
+              <a:t>Repeatable and fast creation of services</a:t>
             </a:r>
             <a:br>
               <a:rPr lang="en-CA" dirty="0" smtClean="0"/>
@@ -10226,7 +10237,7 @@
 
 <file path=ppt/tags/tag1.xml><?xml version="1.0" encoding="utf-8"?>
 <p:tagLst xmlns:a="http://schemas.openxmlformats.org/drawingml/2006/main" xmlns:r="http://schemas.openxmlformats.org/officeDocument/2006/relationships" xmlns:p="http://schemas.openxmlformats.org/presentationml/2006/main">
-  <p:tag name="ENGAGE" val="{&quot;SavedSwatch&quot;:&quot;-16747630|-1615358|-5828210|-11231456|-12763591|Shared Services Canada&quot;,&quot;Id&quot;:&quot;5da714f4433143285ca89f86&quot;,&quot;SmartGridHorizontal&quot;:0,&quot;LinkedExcelSources&quot;:{},&quot;LinkedProjectSources&quot;:{},&quot;FlowConfig&quot;:{&quot;Canvas&quot;:{&quot;Slide&quot;:-1,&quot;Width&quot;:0,&quot;Height&quot;:0},&quot;Timeline&quot;:{&quot;Actions&quot;:[]}},&quot;LinkedSlideMergeSources&quot;:{},&quot;LinkedSharePointSlideMergeSources&quot;:{}}"/>
+  <p:tag name="ENGAGE" val="{&quot;SavedSwatch&quot;:&quot;-16747630|-1615358|-5828210|-11231456|-12763591|Shared Services Canada&quot;,&quot;Id&quot;:&quot;5da71f38433143136ce508b3&quot;,&quot;SmartGridHorizontal&quot;:0,&quot;LinkedExcelSources&quot;:{},&quot;LinkedProjectSources&quot;:{},&quot;FlowConfig&quot;:{&quot;Canvas&quot;:{&quot;Slide&quot;:-1,&quot;Width&quot;:0,&quot;Height&quot;:0},&quot;Timeline&quot;:{&quot;Actions&quot;:[]}},&quot;LinkedSlideMergeSources&quot;:{},&quot;LinkedSharePointSlideMergeSources&quot;:{}}"/>
 </p:tagLst>
 </file>
 
